--- a/FPTU CAPSTONE PROJECT MANAGEMENT.pptx
+++ b/FPTU CAPSTONE PROJECT MANAGEMENT.pptx
@@ -10649,6 +10649,13 @@
   <p:clrMapOvr>
     <a:masterClrMapping/>
   </p:clrMapOvr>
+  <p:timing>
+    <p:tnLst>
+      <p:par>
+        <p:cTn id="1" dur="indefinite" restart="never" nodeType="tmRoot"/>
+      </p:par>
+    </p:tnLst>
+  </p:timing>
 </p:sld>
 </file>
 
@@ -10753,7 +10760,17 @@
                 <a:latin typeface="Calibri"/>
                 <a:cs typeface="Calibri"/>
               </a:rPr>
-              <a:t>6h </a:t>
+              <a:t>8</a:t>
+            </a:r>
+            <a:r>
+              <a:rPr lang="en-US" spc="20" dirty="0" smtClean="0">
+                <a:solidFill>
+                  <a:srgbClr val="435368"/>
+                </a:solidFill>
+                <a:latin typeface="Calibri"/>
+                <a:cs typeface="Calibri"/>
+              </a:rPr>
+              <a:t>h </a:t>
             </a:r>
             <a:r>
               <a:rPr lang="en-US" spc="13" dirty="0">
@@ -10793,7 +10810,17 @@
                 <a:latin typeface="Calibri"/>
                 <a:cs typeface="Calibri"/>
               </a:rPr>
-              <a:t>5days </a:t>
+              <a:t>7</a:t>
+            </a:r>
+            <a:r>
+              <a:rPr lang="en-US" dirty="0" smtClean="0">
+                <a:solidFill>
+                  <a:srgbClr val="435368"/>
+                </a:solidFill>
+                <a:latin typeface="Calibri"/>
+                <a:cs typeface="Calibri"/>
+              </a:rPr>
+              <a:t>days </a:t>
             </a:r>
             <a:r>
               <a:rPr lang="en-US" spc="13" dirty="0">
@@ -10891,7 +10918,7 @@
               <a:t>University </a:t>
             </a:r>
             <a:r>
-              <a:rPr lang="en-US" spc="20" dirty="0" err="1">
+              <a:rPr lang="en-US" spc="20" dirty="0" err="1" smtClean="0">
                 <a:solidFill>
                   <a:srgbClr val="435368"/>
                 </a:solidFill>
@@ -10901,7 +10928,7 @@
               <a:t>Hoa</a:t>
             </a:r>
             <a:r>
-              <a:rPr lang="en-US" spc="-33" dirty="0">
+              <a:rPr lang="en-US" spc="-33" dirty="0" smtClean="0">
                 <a:solidFill>
                   <a:srgbClr val="435368"/>
                 </a:solidFill>
@@ -11013,20 +11040,20 @@
                 <a:latin typeface="Calibri"/>
                 <a:cs typeface="Calibri"/>
               </a:rPr>
-              <a:t>, Facebook ,</a:t>
-            </a:r>
-            <a:r>
-              <a:rPr lang="en-US" dirty="0">
+              <a:t>, Facebook </a:t>
+            </a:r>
+            <a:r>
+              <a:rPr lang="en-US" spc="7" dirty="0" smtClean="0">
                 <a:solidFill>
                   <a:srgbClr val="435368"/>
                 </a:solidFill>
                 <a:latin typeface="Calibri"/>
                 <a:cs typeface="Calibri"/>
               </a:rPr>
-              <a:t> </a:t>
-            </a:r>
-            <a:r>
-              <a:rPr lang="en-US" spc="-20" dirty="0" err="1">
+              <a:t>, </a:t>
+            </a:r>
+            <a:r>
+              <a:rPr lang="en-US" spc="-20" dirty="0" err="1" smtClean="0">
                 <a:solidFill>
                   <a:srgbClr val="435368"/>
                 </a:solidFill>
@@ -11036,6 +11063,16 @@
               <a:t>Zalo</a:t>
             </a:r>
             <a:r>
+              <a:rPr lang="en-US" spc="-20" dirty="0" smtClean="0">
+                <a:solidFill>
+                  <a:srgbClr val="435368"/>
+                </a:solidFill>
+                <a:latin typeface="Calibri"/>
+                <a:cs typeface="Calibri"/>
+              </a:rPr>
+              <a:t> , </a:t>
+            </a:r>
+            <a:r>
               <a:rPr lang="en-US" spc="-20" dirty="0">
                 <a:solidFill>
                   <a:srgbClr val="435368"/>
@@ -11043,7 +11080,17 @@
                 <a:latin typeface="Calibri"/>
                 <a:cs typeface="Calibri"/>
               </a:rPr>
-              <a:t>, Google meet</a:t>
+              <a:t>Google </a:t>
+            </a:r>
+            <a:r>
+              <a:rPr lang="en-US" spc="-20" dirty="0" smtClean="0">
+                <a:solidFill>
+                  <a:srgbClr val="435368"/>
+                </a:solidFill>
+                <a:latin typeface="Calibri"/>
+                <a:cs typeface="Calibri"/>
+              </a:rPr>
+              <a:t>meet , FCPM</a:t>
             </a:r>
             <a:endParaRPr lang="en-US" dirty="0">
               <a:latin typeface="Calibri"/>
@@ -11183,6 +11230,13 @@
   <p:clrMapOvr>
     <a:masterClrMapping/>
   </p:clrMapOvr>
+  <p:timing>
+    <p:tnLst>
+      <p:par>
+        <p:cTn id="1" dur="indefinite" restart="never" nodeType="tmRoot"/>
+      </p:par>
+    </p:tnLst>
+  </p:timing>
 </p:sld>
 </file>
 
@@ -11276,6 +11330,13 @@
   <p:clrMapOvr>
     <a:masterClrMapping/>
   </p:clrMapOvr>
+  <p:timing>
+    <p:tnLst>
+      <p:par>
+        <p:cTn id="1" dur="indefinite" restart="never" nodeType="tmRoot"/>
+      </p:par>
+    </p:tnLst>
+  </p:timing>
 </p:sld>
 </file>
 
@@ -11368,6 +11429,13 @@
   <p:clrMapOvr>
     <a:masterClrMapping/>
   </p:clrMapOvr>
+  <p:timing>
+    <p:tnLst>
+      <p:par>
+        <p:cTn id="1" dur="indefinite" restart="never" nodeType="tmRoot"/>
+      </p:par>
+    </p:tnLst>
+  </p:timing>
 </p:sld>
 </file>
 
@@ -13108,6 +13176,13 @@
   <p:clrMapOvr>
     <a:masterClrMapping/>
   </p:clrMapOvr>
+  <p:timing>
+    <p:tnLst>
+      <p:par>
+        <p:cTn id="1" dur="indefinite" restart="never" nodeType="tmRoot"/>
+      </p:par>
+    </p:tnLst>
+  </p:timing>
 </p:sld>
 </file>
 
@@ -16663,13 +16738,13 @@
           <a:lstStyle/>
           <a:p>
             <a:r>
-              <a:rPr lang="en" sz="1600" b="1" dirty="0">
+              <a:rPr lang="en" sz="1600" b="1" dirty="0" smtClean="0">
                 <a:latin typeface="Muli"/>
                 <a:ea typeface="Muli"/>
                 <a:cs typeface="Muli"/>
                 <a:sym typeface="Muli"/>
               </a:rPr>
-              <a:t>Project Libre, Excel</a:t>
+              <a:t>Jira,Excel</a:t>
             </a:r>
             <a:endParaRPr sz="1600" b="1" dirty="0">
               <a:latin typeface="Muli"/>
@@ -16690,6 +16765,13 @@
   <p:clrMapOvr>
     <a:masterClrMapping/>
   </p:clrMapOvr>
+  <p:timing>
+    <p:tnLst>
+      <p:par>
+        <p:cTn id="1" dur="indefinite" restart="never" nodeType="tmRoot"/>
+      </p:par>
+    </p:tnLst>
+  </p:timing>
 </p:sld>
 </file>
 
@@ -16802,6 +16884,13 @@
   <p:clrMapOvr>
     <a:masterClrMapping/>
   </p:clrMapOvr>
+  <p:timing>
+    <p:tnLst>
+      <p:par>
+        <p:cTn id="1" dur="indefinite" restart="never" nodeType="tmRoot"/>
+      </p:par>
+    </p:tnLst>
+  </p:timing>
 </p:sld>
 </file>
 
@@ -17877,7 +17966,7 @@
         </p:nvSpPr>
         <p:spPr>
           <a:xfrm>
-            <a:off x="5292436" y="2613891"/>
+            <a:off x="5209308" y="2650836"/>
             <a:ext cx="4202544" cy="1045237"/>
           </a:xfrm>
           <a:prstGeom prst="rect">
@@ -17919,8 +18008,9 @@
             </a:pPr>
             <a:r>
               <a:rPr lang="en" dirty="0" smtClean="0"/>
-              <a:t>Lecturer</a:t>
-            </a:r>
+              <a:t>     Supervisor</a:t>
+            </a:r>
+            <a:endParaRPr lang="en" dirty="0" smtClean="0"/>
           </a:p>
         </p:txBody>
       </p:sp>
@@ -18324,6 +18414,16 @@
               </a:tabLst>
             </a:pPr>
             <a:r>
+              <a:rPr lang="en-US" spc="7" dirty="0" smtClean="0">
+                <a:solidFill>
+                  <a:srgbClr val="435368"/>
+                </a:solidFill>
+                <a:latin typeface="Calibri"/>
+                <a:cs typeface="Calibri"/>
+              </a:rPr>
+              <a:t>Supervisor </a:t>
+            </a:r>
+            <a:r>
               <a:rPr lang="en-US" spc="7" dirty="0">
                 <a:solidFill>
                   <a:srgbClr val="435368"/>
@@ -18331,7 +18431,7 @@
                 <a:latin typeface="Calibri"/>
                 <a:cs typeface="Calibri"/>
               </a:rPr>
-              <a:t>Lecturer System</a:t>
+              <a:t>System</a:t>
             </a:r>
             <a:endParaRPr lang="en-US" dirty="0">
               <a:latin typeface="Calibri"/>

--- a/FPTU CAPSTONE PROJECT MANAGEMENT.pptx
+++ b/FPTU CAPSTONE PROJECT MANAGEMENT.pptx
@@ -14,7 +14,7 @@
     <p:sldId id="260" r:id="rId5"/>
     <p:sldId id="261" r:id="rId6"/>
     <p:sldId id="292" r:id="rId7"/>
-    <p:sldId id="293" r:id="rId8"/>
+    <p:sldId id="303" r:id="rId8"/>
     <p:sldId id="294" r:id="rId9"/>
     <p:sldId id="295" r:id="rId10"/>
     <p:sldId id="296" r:id="rId11"/>
@@ -238,7 +238,7 @@
           <a:p>
             <a:fld id="{DCBFB330-9B87-44B9-B259-5B3A07C040DA}" type="datetimeFigureOut">
               <a:rPr lang="en-US" smtClean="0"/>
-              <a:t>12/27/2020</a:t>
+              <a:t>12/29/2020</a:t>
             </a:fld>
             <a:endParaRPr lang="en-US"/>
           </a:p>
@@ -302,38 +302,37 @@
           <a:p>
             <a:pPr lvl="0"/>
             <a:r>
-              <a:rPr lang="en-US" smtClean="0"/>
+              <a:rPr lang="en-US"/>
               <a:t>Edit Master text styles</a:t>
             </a:r>
           </a:p>
           <a:p>
             <a:pPr lvl="1"/>
             <a:r>
-              <a:rPr lang="en-US" smtClean="0"/>
+              <a:rPr lang="en-US"/>
               <a:t>Second level</a:t>
             </a:r>
           </a:p>
           <a:p>
             <a:pPr lvl="2"/>
             <a:r>
-              <a:rPr lang="en-US" smtClean="0"/>
+              <a:rPr lang="en-US"/>
               <a:t>Third level</a:t>
             </a:r>
           </a:p>
           <a:p>
             <a:pPr lvl="3"/>
             <a:r>
-              <a:rPr lang="en-US" smtClean="0"/>
+              <a:rPr lang="en-US"/>
               <a:t>Fourth level</a:t>
             </a:r>
           </a:p>
           <a:p>
             <a:pPr lvl="4"/>
             <a:r>
-              <a:rPr lang="en-US" smtClean="0"/>
+              <a:rPr lang="en-US"/>
               <a:t>Fifth level</a:t>
             </a:r>
-            <a:endParaRPr lang="en-US"/>
           </a:p>
         </p:txBody>
       </p:sp>
@@ -2693,10 +2692,9 @@
           </a:lstStyle>
           <a:p>
             <a:r>
-              <a:rPr lang="en-US" smtClean="0"/>
+              <a:rPr lang="en-US"/>
               <a:t>Click to edit Master title style</a:t>
             </a:r>
-            <a:endParaRPr lang="en-US"/>
           </a:p>
         </p:txBody>
       </p:sp>
@@ -2758,10 +2756,9 @@
           </a:lstStyle>
           <a:p>
             <a:r>
-              <a:rPr lang="en-US" smtClean="0"/>
+              <a:rPr lang="en-US"/>
               <a:t>Click to edit Master subtitle style</a:t>
             </a:r>
-            <a:endParaRPr lang="en-US"/>
           </a:p>
         </p:txBody>
       </p:sp>
@@ -2782,7 +2779,7 @@
           <a:p>
             <a:fld id="{9A42AFF7-2E7D-4AFD-BB96-F196EF83D0CF}" type="datetimeFigureOut">
               <a:rPr lang="en-US" smtClean="0"/>
-              <a:t>12/27/2020</a:t>
+              <a:t>12/29/2020</a:t>
             </a:fld>
             <a:endParaRPr lang="en-US"/>
           </a:p>
@@ -2876,10 +2873,9 @@
           <a:lstStyle/>
           <a:p>
             <a:r>
-              <a:rPr lang="en-US" smtClean="0"/>
+              <a:rPr lang="en-US"/>
               <a:t>Click to edit Master title style</a:t>
             </a:r>
-            <a:endParaRPr lang="en-US"/>
           </a:p>
         </p:txBody>
       </p:sp>
@@ -2900,38 +2896,37 @@
           <a:p>
             <a:pPr lvl="0"/>
             <a:r>
-              <a:rPr lang="en-US" smtClean="0"/>
+              <a:rPr lang="en-US"/>
               <a:t>Edit Master text styles</a:t>
             </a:r>
           </a:p>
           <a:p>
             <a:pPr lvl="1"/>
             <a:r>
-              <a:rPr lang="en-US" smtClean="0"/>
+              <a:rPr lang="en-US"/>
               <a:t>Second level</a:t>
             </a:r>
           </a:p>
           <a:p>
             <a:pPr lvl="2"/>
             <a:r>
-              <a:rPr lang="en-US" smtClean="0"/>
+              <a:rPr lang="en-US"/>
               <a:t>Third level</a:t>
             </a:r>
           </a:p>
           <a:p>
             <a:pPr lvl="3"/>
             <a:r>
-              <a:rPr lang="en-US" smtClean="0"/>
+              <a:rPr lang="en-US"/>
               <a:t>Fourth level</a:t>
             </a:r>
           </a:p>
           <a:p>
             <a:pPr lvl="4"/>
             <a:r>
-              <a:rPr lang="en-US" smtClean="0"/>
+              <a:rPr lang="en-US"/>
               <a:t>Fifth level</a:t>
             </a:r>
-            <a:endParaRPr lang="en-US"/>
           </a:p>
         </p:txBody>
       </p:sp>
@@ -2952,7 +2947,7 @@
           <a:p>
             <a:fld id="{9A42AFF7-2E7D-4AFD-BB96-F196EF83D0CF}" type="datetimeFigureOut">
               <a:rPr lang="en-US" smtClean="0"/>
-              <a:t>12/27/2020</a:t>
+              <a:t>12/29/2020</a:t>
             </a:fld>
             <a:endParaRPr lang="en-US"/>
           </a:p>
@@ -3051,10 +3046,9 @@
           <a:lstStyle/>
           <a:p>
             <a:r>
-              <a:rPr lang="en-US" smtClean="0"/>
+              <a:rPr lang="en-US"/>
               <a:t>Click to edit Master title style</a:t>
             </a:r>
-            <a:endParaRPr lang="en-US"/>
           </a:p>
         </p:txBody>
       </p:sp>
@@ -3080,38 +3074,37 @@
           <a:p>
             <a:pPr lvl="0"/>
             <a:r>
-              <a:rPr lang="en-US" smtClean="0"/>
+              <a:rPr lang="en-US"/>
               <a:t>Edit Master text styles</a:t>
             </a:r>
           </a:p>
           <a:p>
             <a:pPr lvl="1"/>
             <a:r>
-              <a:rPr lang="en-US" smtClean="0"/>
+              <a:rPr lang="en-US"/>
               <a:t>Second level</a:t>
             </a:r>
           </a:p>
           <a:p>
             <a:pPr lvl="2"/>
             <a:r>
-              <a:rPr lang="en-US" smtClean="0"/>
+              <a:rPr lang="en-US"/>
               <a:t>Third level</a:t>
             </a:r>
           </a:p>
           <a:p>
             <a:pPr lvl="3"/>
             <a:r>
-              <a:rPr lang="en-US" smtClean="0"/>
+              <a:rPr lang="en-US"/>
               <a:t>Fourth level</a:t>
             </a:r>
           </a:p>
           <a:p>
             <a:pPr lvl="4"/>
             <a:r>
-              <a:rPr lang="en-US" smtClean="0"/>
+              <a:rPr lang="en-US"/>
               <a:t>Fifth level</a:t>
             </a:r>
-            <a:endParaRPr lang="en-US"/>
           </a:p>
         </p:txBody>
       </p:sp>
@@ -3132,7 +3125,7 @@
           <a:p>
             <a:fld id="{9A42AFF7-2E7D-4AFD-BB96-F196EF83D0CF}" type="datetimeFigureOut">
               <a:rPr lang="en-US" smtClean="0"/>
-              <a:t>12/27/2020</a:t>
+              <a:t>12/29/2020</a:t>
             </a:fld>
             <a:endParaRPr lang="en-US"/>
           </a:p>
@@ -6899,10 +6892,9 @@
           <a:lstStyle/>
           <a:p>
             <a:r>
-              <a:rPr lang="en-US" smtClean="0"/>
+              <a:rPr lang="en-US"/>
               <a:t>Click to edit Master title style</a:t>
             </a:r>
-            <a:endParaRPr lang="en-US"/>
           </a:p>
         </p:txBody>
       </p:sp>
@@ -6923,38 +6915,37 @@
           <a:p>
             <a:pPr lvl="0"/>
             <a:r>
-              <a:rPr lang="en-US" smtClean="0"/>
+              <a:rPr lang="en-US"/>
               <a:t>Edit Master text styles</a:t>
             </a:r>
           </a:p>
           <a:p>
             <a:pPr lvl="1"/>
             <a:r>
-              <a:rPr lang="en-US" smtClean="0"/>
+              <a:rPr lang="en-US"/>
               <a:t>Second level</a:t>
             </a:r>
           </a:p>
           <a:p>
             <a:pPr lvl="2"/>
             <a:r>
-              <a:rPr lang="en-US" smtClean="0"/>
+              <a:rPr lang="en-US"/>
               <a:t>Third level</a:t>
             </a:r>
           </a:p>
           <a:p>
             <a:pPr lvl="3"/>
             <a:r>
-              <a:rPr lang="en-US" smtClean="0"/>
+              <a:rPr lang="en-US"/>
               <a:t>Fourth level</a:t>
             </a:r>
           </a:p>
           <a:p>
             <a:pPr lvl="4"/>
             <a:r>
-              <a:rPr lang="en-US" smtClean="0"/>
+              <a:rPr lang="en-US"/>
               <a:t>Fifth level</a:t>
             </a:r>
-            <a:endParaRPr lang="en-US"/>
           </a:p>
         </p:txBody>
       </p:sp>
@@ -6975,7 +6966,7 @@
           <a:p>
             <a:fld id="{9A42AFF7-2E7D-4AFD-BB96-F196EF83D0CF}" type="datetimeFigureOut">
               <a:rPr lang="en-US" smtClean="0"/>
-              <a:t>12/27/2020</a:t>
+              <a:t>12/29/2020</a:t>
             </a:fld>
             <a:endParaRPr lang="en-US"/>
           </a:p>
@@ -7078,10 +7069,9 @@
           </a:lstStyle>
           <a:p>
             <a:r>
-              <a:rPr lang="en-US" smtClean="0"/>
+              <a:rPr lang="en-US"/>
               <a:t>Click to edit Master title style</a:t>
             </a:r>
-            <a:endParaRPr lang="en-US"/>
           </a:p>
         </p:txBody>
       </p:sp>
@@ -7198,7 +7188,7 @@
           <a:p>
             <a:pPr lvl="0"/>
             <a:r>
-              <a:rPr lang="en-US" smtClean="0"/>
+              <a:rPr lang="en-US"/>
               <a:t>Edit Master text styles</a:t>
             </a:r>
           </a:p>
@@ -7221,7 +7211,7 @@
           <a:p>
             <a:fld id="{9A42AFF7-2E7D-4AFD-BB96-F196EF83D0CF}" type="datetimeFigureOut">
               <a:rPr lang="en-US" smtClean="0"/>
-              <a:t>12/27/2020</a:t>
+              <a:t>12/29/2020</a:t>
             </a:fld>
             <a:endParaRPr lang="en-US"/>
           </a:p>
@@ -7315,10 +7305,9 @@
           <a:lstStyle/>
           <a:p>
             <a:r>
-              <a:rPr lang="en-US" smtClean="0"/>
+              <a:rPr lang="en-US"/>
               <a:t>Click to edit Master title style</a:t>
             </a:r>
-            <a:endParaRPr lang="en-US"/>
           </a:p>
         </p:txBody>
       </p:sp>
@@ -7344,38 +7333,37 @@
           <a:p>
             <a:pPr lvl="0"/>
             <a:r>
-              <a:rPr lang="en-US" smtClean="0"/>
+              <a:rPr lang="en-US"/>
               <a:t>Edit Master text styles</a:t>
             </a:r>
           </a:p>
           <a:p>
             <a:pPr lvl="1"/>
             <a:r>
-              <a:rPr lang="en-US" smtClean="0"/>
+              <a:rPr lang="en-US"/>
               <a:t>Second level</a:t>
             </a:r>
           </a:p>
           <a:p>
             <a:pPr lvl="2"/>
             <a:r>
-              <a:rPr lang="en-US" smtClean="0"/>
+              <a:rPr lang="en-US"/>
               <a:t>Third level</a:t>
             </a:r>
           </a:p>
           <a:p>
             <a:pPr lvl="3"/>
             <a:r>
-              <a:rPr lang="en-US" smtClean="0"/>
+              <a:rPr lang="en-US"/>
               <a:t>Fourth level</a:t>
             </a:r>
           </a:p>
           <a:p>
             <a:pPr lvl="4"/>
             <a:r>
-              <a:rPr lang="en-US" smtClean="0"/>
+              <a:rPr lang="en-US"/>
               <a:t>Fifth level</a:t>
             </a:r>
-            <a:endParaRPr lang="en-US"/>
           </a:p>
         </p:txBody>
       </p:sp>
@@ -7401,38 +7389,37 @@
           <a:p>
             <a:pPr lvl="0"/>
             <a:r>
-              <a:rPr lang="en-US" smtClean="0"/>
+              <a:rPr lang="en-US"/>
               <a:t>Edit Master text styles</a:t>
             </a:r>
           </a:p>
           <a:p>
             <a:pPr lvl="1"/>
             <a:r>
-              <a:rPr lang="en-US" smtClean="0"/>
+              <a:rPr lang="en-US"/>
               <a:t>Second level</a:t>
             </a:r>
           </a:p>
           <a:p>
             <a:pPr lvl="2"/>
             <a:r>
-              <a:rPr lang="en-US" smtClean="0"/>
+              <a:rPr lang="en-US"/>
               <a:t>Third level</a:t>
             </a:r>
           </a:p>
           <a:p>
             <a:pPr lvl="3"/>
             <a:r>
-              <a:rPr lang="en-US" smtClean="0"/>
+              <a:rPr lang="en-US"/>
               <a:t>Fourth level</a:t>
             </a:r>
           </a:p>
           <a:p>
             <a:pPr lvl="4"/>
             <a:r>
-              <a:rPr lang="en-US" smtClean="0"/>
+              <a:rPr lang="en-US"/>
               <a:t>Fifth level</a:t>
             </a:r>
-            <a:endParaRPr lang="en-US"/>
           </a:p>
         </p:txBody>
       </p:sp>
@@ -7453,7 +7440,7 @@
           <a:p>
             <a:fld id="{9A42AFF7-2E7D-4AFD-BB96-F196EF83D0CF}" type="datetimeFigureOut">
               <a:rPr lang="en-US" smtClean="0"/>
-              <a:t>12/27/2020</a:t>
+              <a:t>12/29/2020</a:t>
             </a:fld>
             <a:endParaRPr lang="en-US"/>
           </a:p>
@@ -7552,10 +7539,9 @@
           <a:lstStyle/>
           <a:p>
             <a:r>
-              <a:rPr lang="en-US" smtClean="0"/>
+              <a:rPr lang="en-US"/>
               <a:t>Click to edit Master title style</a:t>
             </a:r>
-            <a:endParaRPr lang="en-US"/>
           </a:p>
         </p:txBody>
       </p:sp>
@@ -7618,7 +7604,7 @@
           <a:p>
             <a:pPr lvl="0"/>
             <a:r>
-              <a:rPr lang="en-US" smtClean="0"/>
+              <a:rPr lang="en-US"/>
               <a:t>Edit Master text styles</a:t>
             </a:r>
           </a:p>
@@ -7646,38 +7632,37 @@
           <a:p>
             <a:pPr lvl="0"/>
             <a:r>
-              <a:rPr lang="en-US" smtClean="0"/>
+              <a:rPr lang="en-US"/>
               <a:t>Edit Master text styles</a:t>
             </a:r>
           </a:p>
           <a:p>
             <a:pPr lvl="1"/>
             <a:r>
-              <a:rPr lang="en-US" smtClean="0"/>
+              <a:rPr lang="en-US"/>
               <a:t>Second level</a:t>
             </a:r>
           </a:p>
           <a:p>
             <a:pPr lvl="2"/>
             <a:r>
-              <a:rPr lang="en-US" smtClean="0"/>
+              <a:rPr lang="en-US"/>
               <a:t>Third level</a:t>
             </a:r>
           </a:p>
           <a:p>
             <a:pPr lvl="3"/>
             <a:r>
-              <a:rPr lang="en-US" smtClean="0"/>
+              <a:rPr lang="en-US"/>
               <a:t>Fourth level</a:t>
             </a:r>
           </a:p>
           <a:p>
             <a:pPr lvl="4"/>
             <a:r>
-              <a:rPr lang="en-US" smtClean="0"/>
+              <a:rPr lang="en-US"/>
               <a:t>Fifth level</a:t>
             </a:r>
-            <a:endParaRPr lang="en-US"/>
           </a:p>
         </p:txBody>
       </p:sp>
@@ -7740,7 +7725,7 @@
           <a:p>
             <a:pPr lvl="0"/>
             <a:r>
-              <a:rPr lang="en-US" smtClean="0"/>
+              <a:rPr lang="en-US"/>
               <a:t>Edit Master text styles</a:t>
             </a:r>
           </a:p>
@@ -7768,38 +7753,37 @@
           <a:p>
             <a:pPr lvl="0"/>
             <a:r>
-              <a:rPr lang="en-US" smtClean="0"/>
+              <a:rPr lang="en-US"/>
               <a:t>Edit Master text styles</a:t>
             </a:r>
           </a:p>
           <a:p>
             <a:pPr lvl="1"/>
             <a:r>
-              <a:rPr lang="en-US" smtClean="0"/>
+              <a:rPr lang="en-US"/>
               <a:t>Second level</a:t>
             </a:r>
           </a:p>
           <a:p>
             <a:pPr lvl="2"/>
             <a:r>
-              <a:rPr lang="en-US" smtClean="0"/>
+              <a:rPr lang="en-US"/>
               <a:t>Third level</a:t>
             </a:r>
           </a:p>
           <a:p>
             <a:pPr lvl="3"/>
             <a:r>
-              <a:rPr lang="en-US" smtClean="0"/>
+              <a:rPr lang="en-US"/>
               <a:t>Fourth level</a:t>
             </a:r>
           </a:p>
           <a:p>
             <a:pPr lvl="4"/>
             <a:r>
-              <a:rPr lang="en-US" smtClean="0"/>
+              <a:rPr lang="en-US"/>
               <a:t>Fifth level</a:t>
             </a:r>
-            <a:endParaRPr lang="en-US"/>
           </a:p>
         </p:txBody>
       </p:sp>
@@ -7820,7 +7804,7 @@
           <a:p>
             <a:fld id="{9A42AFF7-2E7D-4AFD-BB96-F196EF83D0CF}" type="datetimeFigureOut">
               <a:rPr lang="en-US" smtClean="0"/>
-              <a:t>12/27/2020</a:t>
+              <a:t>12/29/2020</a:t>
             </a:fld>
             <a:endParaRPr lang="en-US"/>
           </a:p>
@@ -7914,10 +7898,9 @@
           <a:lstStyle/>
           <a:p>
             <a:r>
-              <a:rPr lang="en-US" smtClean="0"/>
+              <a:rPr lang="en-US"/>
               <a:t>Click to edit Master title style</a:t>
             </a:r>
-            <a:endParaRPr lang="en-US"/>
           </a:p>
         </p:txBody>
       </p:sp>
@@ -7938,7 +7921,7 @@
           <a:p>
             <a:fld id="{9A42AFF7-2E7D-4AFD-BB96-F196EF83D0CF}" type="datetimeFigureOut">
               <a:rPr lang="en-US" smtClean="0"/>
-              <a:t>12/27/2020</a:t>
+              <a:t>12/29/2020</a:t>
             </a:fld>
             <a:endParaRPr lang="en-US"/>
           </a:p>
@@ -8033,7 +8016,7 @@
           <a:p>
             <a:fld id="{9A42AFF7-2E7D-4AFD-BB96-F196EF83D0CF}" type="datetimeFigureOut">
               <a:rPr lang="en-US" smtClean="0"/>
-              <a:t>12/27/2020</a:t>
+              <a:t>12/29/2020</a:t>
             </a:fld>
             <a:endParaRPr lang="en-US"/>
           </a:p>
@@ -8136,10 +8119,9 @@
           </a:lstStyle>
           <a:p>
             <a:r>
-              <a:rPr lang="en-US" smtClean="0"/>
+              <a:rPr lang="en-US"/>
               <a:t>Click to edit Master title style</a:t>
             </a:r>
-            <a:endParaRPr lang="en-US"/>
           </a:p>
         </p:txBody>
       </p:sp>
@@ -8193,38 +8175,37 @@
           <a:p>
             <a:pPr lvl="0"/>
             <a:r>
-              <a:rPr lang="en-US" smtClean="0"/>
+              <a:rPr lang="en-US"/>
               <a:t>Edit Master text styles</a:t>
             </a:r>
           </a:p>
           <a:p>
             <a:pPr lvl="1"/>
             <a:r>
-              <a:rPr lang="en-US" smtClean="0"/>
+              <a:rPr lang="en-US"/>
               <a:t>Second level</a:t>
             </a:r>
           </a:p>
           <a:p>
             <a:pPr lvl="2"/>
             <a:r>
-              <a:rPr lang="en-US" smtClean="0"/>
+              <a:rPr lang="en-US"/>
               <a:t>Third level</a:t>
             </a:r>
           </a:p>
           <a:p>
             <a:pPr lvl="3"/>
             <a:r>
-              <a:rPr lang="en-US" smtClean="0"/>
+              <a:rPr lang="en-US"/>
               <a:t>Fourth level</a:t>
             </a:r>
           </a:p>
           <a:p>
             <a:pPr lvl="4"/>
             <a:r>
-              <a:rPr lang="en-US" smtClean="0"/>
+              <a:rPr lang="en-US"/>
               <a:t>Fifth level</a:t>
             </a:r>
-            <a:endParaRPr lang="en-US"/>
           </a:p>
         </p:txBody>
       </p:sp>
@@ -8287,7 +8268,7 @@
           <a:p>
             <a:pPr lvl="0"/>
             <a:r>
-              <a:rPr lang="en-US" smtClean="0"/>
+              <a:rPr lang="en-US"/>
               <a:t>Edit Master text styles</a:t>
             </a:r>
           </a:p>
@@ -8310,7 +8291,7 @@
           <a:p>
             <a:fld id="{9A42AFF7-2E7D-4AFD-BB96-F196EF83D0CF}" type="datetimeFigureOut">
               <a:rPr lang="en-US" smtClean="0"/>
-              <a:t>12/27/2020</a:t>
+              <a:t>12/29/2020</a:t>
             </a:fld>
             <a:endParaRPr lang="en-US"/>
           </a:p>
@@ -8413,10 +8394,9 @@
           </a:lstStyle>
           <a:p>
             <a:r>
-              <a:rPr lang="en-US" smtClean="0"/>
+              <a:rPr lang="en-US"/>
               <a:t>Click to edit Master title style</a:t>
             </a:r>
-            <a:endParaRPr lang="en-US"/>
           </a:p>
         </p:txBody>
       </p:sp>
@@ -8540,7 +8520,7 @@
           <a:p>
             <a:pPr lvl="0"/>
             <a:r>
-              <a:rPr lang="en-US" smtClean="0"/>
+              <a:rPr lang="en-US"/>
               <a:t>Edit Master text styles</a:t>
             </a:r>
           </a:p>
@@ -8563,7 +8543,7 @@
           <a:p>
             <a:fld id="{9A42AFF7-2E7D-4AFD-BB96-F196EF83D0CF}" type="datetimeFigureOut">
               <a:rPr lang="en-US" smtClean="0"/>
-              <a:t>12/27/2020</a:t>
+              <a:t>12/29/2020</a:t>
             </a:fld>
             <a:endParaRPr lang="en-US"/>
           </a:p>
@@ -8672,10 +8652,9 @@
           <a:lstStyle/>
           <a:p>
             <a:r>
-              <a:rPr lang="en-US" smtClean="0"/>
+              <a:rPr lang="en-US"/>
               <a:t>Click to edit Master title style</a:t>
             </a:r>
-            <a:endParaRPr lang="en-US"/>
           </a:p>
         </p:txBody>
       </p:sp>
@@ -8706,38 +8685,37 @@
           <a:p>
             <a:pPr lvl="0"/>
             <a:r>
-              <a:rPr lang="en-US" smtClean="0"/>
+              <a:rPr lang="en-US"/>
               <a:t>Edit Master text styles</a:t>
             </a:r>
           </a:p>
           <a:p>
             <a:pPr lvl="1"/>
             <a:r>
-              <a:rPr lang="en-US" smtClean="0"/>
+              <a:rPr lang="en-US"/>
               <a:t>Second level</a:t>
             </a:r>
           </a:p>
           <a:p>
             <a:pPr lvl="2"/>
             <a:r>
-              <a:rPr lang="en-US" smtClean="0"/>
+              <a:rPr lang="en-US"/>
               <a:t>Third level</a:t>
             </a:r>
           </a:p>
           <a:p>
             <a:pPr lvl="3"/>
             <a:r>
-              <a:rPr lang="en-US" smtClean="0"/>
+              <a:rPr lang="en-US"/>
               <a:t>Fourth level</a:t>
             </a:r>
           </a:p>
           <a:p>
             <a:pPr lvl="4"/>
             <a:r>
-              <a:rPr lang="en-US" smtClean="0"/>
+              <a:rPr lang="en-US"/>
               <a:t>Fifth level</a:t>
             </a:r>
-            <a:endParaRPr lang="en-US"/>
           </a:p>
         </p:txBody>
       </p:sp>
@@ -8776,7 +8754,7 @@
           <a:p>
             <a:fld id="{9A42AFF7-2E7D-4AFD-BB96-F196EF83D0CF}" type="datetimeFigureOut">
               <a:rPr lang="en-US" smtClean="0"/>
-              <a:t>12/27/2020</a:t>
+              <a:t>12/29/2020</a:t>
             </a:fld>
             <a:endParaRPr lang="en-US"/>
           </a:p>
@@ -9212,7 +9190,7 @@
           <a:lstStyle/>
           <a:p>
             <a:r>
-              <a:rPr lang="en-US" b="1" dirty="0" smtClean="0"/>
+              <a:rPr lang="en-US" b="1" dirty="0"/>
               <a:t>FPTU CAPSTONE PROJECT MANAGEMENT</a:t>
             </a:r>
             <a:endParaRPr b="1" dirty="0"/>
@@ -9250,7 +9228,7 @@
               </a:spcAft>
             </a:pPr>
             <a:r>
-              <a:rPr lang="en" dirty="0" smtClean="0"/>
+              <a:rPr lang="en" dirty="0"/>
               <a:t>Dec 31st, 2020 </a:t>
             </a:r>
             <a:endParaRPr dirty="0"/>
@@ -9540,10 +9518,9 @@
           <a:lstStyle/>
           <a:p>
             <a:r>
-              <a:rPr lang="en-US" dirty="0" smtClean="0"/>
+              <a:rPr lang="en-US" dirty="0"/>
               <a:t>SOLUTION</a:t>
             </a:r>
-            <a:endParaRPr lang="en-US" dirty="0"/>
           </a:p>
         </p:txBody>
       </p:sp>
@@ -9768,7 +9745,7 @@
               <a:buChar char="Ø"/>
             </a:pPr>
             <a:r>
-              <a:rPr lang="en-US" sz="2400" spc="5" dirty="0" smtClean="0">
+              <a:rPr lang="en-US" sz="2400" spc="5" dirty="0">
                 <a:cs typeface="Calibri"/>
               </a:rPr>
               <a:t>System functions: </a:t>
@@ -10033,13 +10010,7 @@
               <a:rPr lang="en-GB" sz="1800" dirty="0">
                 <a:latin typeface="+mn-lt"/>
               </a:rPr>
-              <a:t>Allow the head of department to communicate via chat feature</a:t>
-            </a:r>
-            <a:r>
-              <a:rPr lang="en-GB" sz="1800" dirty="0" smtClean="0">
-                <a:latin typeface="+mn-lt"/>
-              </a:rPr>
-              <a:t>.</a:t>
+              <a:t>Allow the head of department to communicate via chat feature.</a:t>
             </a:r>
             <a:endParaRPr lang="en-US" sz="1800" dirty="0">
               <a:latin typeface="+mn-lt"/>
@@ -10054,13 +10025,7 @@
               <a:rPr lang="en-GB" sz="1800" dirty="0">
                 <a:latin typeface="+mn-lt"/>
               </a:rPr>
-              <a:t>Allow the head of department to confirm / reject the project</a:t>
-            </a:r>
-            <a:r>
-              <a:rPr lang="en-GB" sz="1800" dirty="0" smtClean="0">
-                <a:latin typeface="+mn-lt"/>
-              </a:rPr>
-              <a:t>.</a:t>
+              <a:t>Allow the head of department to confirm / reject the project.</a:t>
             </a:r>
             <a:endParaRPr lang="en-US" sz="1800" dirty="0">
               <a:latin typeface="+mn-lt"/>
@@ -10179,10 +10144,9 @@
           <a:lstStyle/>
           <a:p>
             <a:r>
-              <a:rPr lang="en-US" dirty="0" smtClean="0"/>
+              <a:rPr lang="en-US" dirty="0"/>
               <a:t>SOLUTION</a:t>
             </a:r>
-            <a:endParaRPr lang="en-US" dirty="0"/>
           </a:p>
         </p:txBody>
       </p:sp>
@@ -10408,11 +10372,7 @@
             </a:pPr>
             <a:r>
               <a:rPr lang="en-GB" sz="2400" dirty="0"/>
-              <a:t>Out of scope </a:t>
-            </a:r>
-            <a:r>
-              <a:rPr lang="en-GB" sz="2400" dirty="0" smtClean="0"/>
-              <a:t>functions: </a:t>
+              <a:t>Out of scope functions: </a:t>
             </a:r>
             <a:endParaRPr lang="en-US" sz="2400" dirty="0"/>
           </a:p>
@@ -10445,11 +10405,7 @@
             </a:pPr>
             <a:r>
               <a:rPr lang="en-GB" dirty="0"/>
-              <a:t>FCPM adds functions for affairs department</a:t>
-            </a:r>
-            <a:r>
-              <a:rPr lang="en-GB" dirty="0" smtClean="0"/>
-              <a:t>.</a:t>
+              <a:t>FCPM adds functions for affairs department.</a:t>
             </a:r>
           </a:p>
           <a:p>
@@ -10466,11 +10422,7 @@
             </a:pPr>
             <a:r>
               <a:rPr lang="en-GB" dirty="0"/>
-              <a:t>FCPM adds functions for examination council</a:t>
-            </a:r>
-            <a:r>
-              <a:rPr lang="en-GB" dirty="0" smtClean="0"/>
-              <a:t>.</a:t>
+              <a:t>FCPM adds functions for examination council.</a:t>
             </a:r>
           </a:p>
           <a:p>
@@ -10487,19 +10439,7 @@
             </a:pPr>
             <a:r>
               <a:rPr lang="en-GB" dirty="0"/>
-              <a:t>FCPM completes functions of assessing the process </a:t>
-            </a:r>
-            <a:r>
-              <a:rPr lang="en-GB" dirty="0" smtClean="0"/>
-              <a:t>of </a:t>
-            </a:r>
-            <a:r>
-              <a:rPr lang="en-GB" dirty="0"/>
-              <a:t>project</a:t>
-            </a:r>
-            <a:r>
-              <a:rPr lang="en-GB" dirty="0" smtClean="0"/>
-              <a:t>.</a:t>
+              <a:t>FCPM completes functions of assessing the process of project.</a:t>
             </a:r>
           </a:p>
           <a:p>
@@ -10600,7 +10540,7 @@
               </a:spcBef>
             </a:pPr>
             <a:r>
-              <a:rPr lang="en-US" b="1" dirty="0" smtClean="0">
+              <a:rPr lang="en-US" b="1" dirty="0">
                 <a:solidFill>
                   <a:schemeClr val="bg1"/>
                 </a:solidFill>
@@ -10649,13 +10589,6 @@
   <p:clrMapOvr>
     <a:masterClrMapping/>
   </p:clrMapOvr>
-  <p:timing>
-    <p:tnLst>
-      <p:par>
-        <p:cTn id="1" dur="indefinite" restart="never" nodeType="tmRoot"/>
-      </p:par>
-    </p:tnLst>
-  </p:timing>
 </p:sld>
 </file>
 
@@ -10692,10 +10625,9 @@
           <a:lstStyle/>
           <a:p>
             <a:r>
-              <a:rPr lang="en-US" dirty="0" smtClean="0"/>
+              <a:rPr lang="en-US" dirty="0"/>
               <a:t>TEAMWORK</a:t>
             </a:r>
-            <a:endParaRPr lang="en-US" dirty="0"/>
           </a:p>
         </p:txBody>
       </p:sp>
@@ -10760,17 +10692,7 @@
                 <a:latin typeface="Calibri"/>
                 <a:cs typeface="Calibri"/>
               </a:rPr>
-              <a:t>8</a:t>
-            </a:r>
-            <a:r>
-              <a:rPr lang="en-US" spc="20" dirty="0" smtClean="0">
-                <a:solidFill>
-                  <a:srgbClr val="435368"/>
-                </a:solidFill>
-                <a:latin typeface="Calibri"/>
-                <a:cs typeface="Calibri"/>
-              </a:rPr>
-              <a:t>h </a:t>
+              <a:t>8h </a:t>
             </a:r>
             <a:r>
               <a:rPr lang="en-US" spc="13" dirty="0">
@@ -10810,17 +10732,7 @@
                 <a:latin typeface="Calibri"/>
                 <a:cs typeface="Calibri"/>
               </a:rPr>
-              <a:t>7</a:t>
-            </a:r>
-            <a:r>
-              <a:rPr lang="en-US" dirty="0" smtClean="0">
-                <a:solidFill>
-                  <a:srgbClr val="435368"/>
-                </a:solidFill>
-                <a:latin typeface="Calibri"/>
-                <a:cs typeface="Calibri"/>
-              </a:rPr>
-              <a:t>days </a:t>
+              <a:t>7days </a:t>
             </a:r>
             <a:r>
               <a:rPr lang="en-US" spc="13" dirty="0">
@@ -10918,7 +10830,7 @@
               <a:t>University </a:t>
             </a:r>
             <a:r>
-              <a:rPr lang="en-US" spc="20" dirty="0" err="1" smtClean="0">
+              <a:rPr lang="en-US" spc="20" dirty="0" err="1">
                 <a:solidFill>
                   <a:srgbClr val="435368"/>
                 </a:solidFill>
@@ -10928,7 +10840,7 @@
               <a:t>Hoa</a:t>
             </a:r>
             <a:r>
-              <a:rPr lang="en-US" spc="-33" dirty="0" smtClean="0">
+              <a:rPr lang="en-US" spc="-33" dirty="0">
                 <a:solidFill>
                   <a:srgbClr val="435368"/>
                 </a:solidFill>
@@ -11040,20 +10952,10 @@
                 <a:latin typeface="Calibri"/>
                 <a:cs typeface="Calibri"/>
               </a:rPr>
-              <a:t>, Facebook </a:t>
-            </a:r>
-            <a:r>
-              <a:rPr lang="en-US" spc="7" dirty="0" smtClean="0">
-                <a:solidFill>
-                  <a:srgbClr val="435368"/>
-                </a:solidFill>
-                <a:latin typeface="Calibri"/>
-                <a:cs typeface="Calibri"/>
-              </a:rPr>
-              <a:t>, </a:t>
-            </a:r>
-            <a:r>
-              <a:rPr lang="en-US" spc="-20" dirty="0" err="1" smtClean="0">
+              <a:t>, Facebook , </a:t>
+            </a:r>
+            <a:r>
+              <a:rPr lang="en-US" spc="-20" dirty="0" err="1">
                 <a:solidFill>
                   <a:srgbClr val="435368"/>
                 </a:solidFill>
@@ -11063,16 +10965,6 @@
               <a:t>Zalo</a:t>
             </a:r>
             <a:r>
-              <a:rPr lang="en-US" spc="-20" dirty="0" smtClean="0">
-                <a:solidFill>
-                  <a:srgbClr val="435368"/>
-                </a:solidFill>
-                <a:latin typeface="Calibri"/>
-                <a:cs typeface="Calibri"/>
-              </a:rPr>
-              <a:t> , </a:t>
-            </a:r>
-            <a:r>
               <a:rPr lang="en-US" spc="-20" dirty="0">
                 <a:solidFill>
                   <a:srgbClr val="435368"/>
@@ -11080,17 +10972,7 @@
                 <a:latin typeface="Calibri"/>
                 <a:cs typeface="Calibri"/>
               </a:rPr>
-              <a:t>Google </a:t>
-            </a:r>
-            <a:r>
-              <a:rPr lang="en-US" spc="-20" dirty="0" smtClean="0">
-                <a:solidFill>
-                  <a:srgbClr val="435368"/>
-                </a:solidFill>
-                <a:latin typeface="Calibri"/>
-                <a:cs typeface="Calibri"/>
-              </a:rPr>
-              <a:t>meet , FCPM</a:t>
+              <a:t> , Google meet , FCPM</a:t>
             </a:r>
             <a:endParaRPr lang="en-US" dirty="0">
               <a:latin typeface="Calibri"/>
@@ -11230,13 +11112,6 @@
   <p:clrMapOvr>
     <a:masterClrMapping/>
   </p:clrMapOvr>
-  <p:timing>
-    <p:tnLst>
-      <p:par>
-        <p:cTn id="1" dur="indefinite" restart="never" nodeType="tmRoot"/>
-      </p:par>
-    </p:tnLst>
-  </p:timing>
 </p:sld>
 </file>
 
@@ -11330,13 +11205,6 @@
   <p:clrMapOvr>
     <a:masterClrMapping/>
   </p:clrMapOvr>
-  <p:timing>
-    <p:tnLst>
-      <p:par>
-        <p:cTn id="1" dur="indefinite" restart="never" nodeType="tmRoot"/>
-      </p:par>
-    </p:tnLst>
-  </p:timing>
 </p:sld>
 </file>
 
@@ -11429,13 +11297,6 @@
   <p:clrMapOvr>
     <a:masterClrMapping/>
   </p:clrMapOvr>
-  <p:timing>
-    <p:tnLst>
-      <p:par>
-        <p:cTn id="1" dur="indefinite" restart="never" nodeType="tmRoot"/>
-      </p:par>
-    </p:tnLst>
-  </p:timing>
 </p:sld>
 </file>
 
@@ -13176,13 +13037,6 @@
   <p:clrMapOvr>
     <a:masterClrMapping/>
   </p:clrMapOvr>
-  <p:timing>
-    <p:tnLst>
-      <p:par>
-        <p:cTn id="1" dur="indefinite" restart="never" nodeType="tmRoot"/>
-      </p:par>
-    </p:tnLst>
-  </p:timing>
 </p:sld>
 </file>
 
@@ -16738,7 +16592,7 @@
           <a:lstStyle/>
           <a:p>
             <a:r>
-              <a:rPr lang="en" sz="1600" b="1" dirty="0" smtClean="0">
+              <a:rPr lang="en" sz="1600" b="1" dirty="0">
                 <a:latin typeface="Muli"/>
                 <a:ea typeface="Muli"/>
                 <a:cs typeface="Muli"/>
@@ -16765,13 +16619,6 @@
   <p:clrMapOvr>
     <a:masterClrMapping/>
   </p:clrMapOvr>
-  <p:timing>
-    <p:tnLst>
-      <p:par>
-        <p:cTn id="1" dur="indefinite" restart="never" nodeType="tmRoot"/>
-      </p:par>
-    </p:tnLst>
-  </p:timing>
 </p:sld>
 </file>
 
@@ -16826,7 +16673,7 @@
               </a:spcBef>
             </a:pPr>
             <a:r>
-              <a:rPr lang="en-US" b="1" dirty="0" smtClean="0">
+              <a:rPr lang="en-US" b="1" dirty="0">
                 <a:solidFill>
                   <a:schemeClr val="bg1"/>
                 </a:solidFill>
@@ -16884,13 +16731,6 @@
   <p:clrMapOvr>
     <a:masterClrMapping/>
   </p:clrMapOvr>
-  <p:timing>
-    <p:tnLst>
-      <p:par>
-        <p:cTn id="1" dur="indefinite" restart="never" nodeType="tmRoot"/>
-      </p:par>
-    </p:tnLst>
-  </p:timing>
 </p:sld>
 </file>
 
@@ -16986,7 +16826,7 @@
           <a:lstStyle/>
           <a:p>
             <a:r>
-              <a:rPr lang="en" dirty="0" smtClean="0"/>
+              <a:rPr lang="en" dirty="0"/>
               <a:t>INTRODUCTION</a:t>
             </a:r>
             <a:endParaRPr dirty="0"/>
@@ -17028,7 +16868,7 @@
               <a:buSzPts val="1100"/>
             </a:pPr>
             <a:r>
-              <a:rPr lang="en" b="1" dirty="0" smtClean="0">
+              <a:rPr lang="en" b="1" dirty="0">
                 <a:solidFill>
                   <a:schemeClr val="tx1"/>
                 </a:solidFill>
@@ -17251,7 +17091,7 @@
           <a:p>
             <a:pPr lvl="0"/>
             <a:r>
-              <a:rPr lang="en-US" sz="2000" b="1" dirty="0" smtClean="0">
+              <a:rPr lang="en-US" sz="2000" b="1" dirty="0">
                 <a:latin typeface="Muli"/>
                 <a:ea typeface="Muli"/>
                 <a:cs typeface="Muli"/>
@@ -17260,7 +17100,7 @@
               <a:t>Do </a:t>
             </a:r>
             <a:r>
-              <a:rPr lang="en-US" sz="2000" b="1" dirty="0" err="1" smtClean="0">
+              <a:rPr lang="en-US" sz="2000" b="1" dirty="0" err="1">
                 <a:latin typeface="Muli"/>
                 <a:ea typeface="Muli"/>
                 <a:cs typeface="Muli"/>
@@ -17269,7 +17109,7 @@
               <a:t>Dinh</a:t>
             </a:r>
             <a:r>
-              <a:rPr lang="en-US" sz="2000" b="1" dirty="0" smtClean="0">
+              <a:rPr lang="en-US" sz="2000" b="1" dirty="0">
                 <a:latin typeface="Muli"/>
                 <a:ea typeface="Muli"/>
                 <a:cs typeface="Muli"/>
@@ -17278,7 +17118,7 @@
               <a:t> </a:t>
             </a:r>
             <a:r>
-              <a:rPr lang="en-US" sz="2000" b="1" dirty="0" err="1" smtClean="0">
+              <a:rPr lang="en-US" sz="2000" b="1" dirty="0" err="1">
                 <a:latin typeface="Muli"/>
                 <a:ea typeface="Muli"/>
                 <a:cs typeface="Muli"/>
@@ -17572,7 +17412,7 @@
           <a:p>
             <a:pPr lvl="0"/>
             <a:r>
-              <a:rPr lang="en-US" sz="2000" b="1" dirty="0" smtClean="0">
+              <a:rPr lang="en-US" sz="2000" b="1" dirty="0">
                 <a:solidFill>
                   <a:srgbClr val="4E6F9B"/>
                 </a:solidFill>
@@ -17583,15 +17423,6 @@
               </a:rPr>
               <a:t>Member</a:t>
             </a:r>
-            <a:endParaRPr lang="en-US" sz="2000" b="1" dirty="0">
-              <a:solidFill>
-                <a:srgbClr val="4E6F9B"/>
-              </a:solidFill>
-              <a:latin typeface="Muli"/>
-              <a:ea typeface="Muli"/>
-              <a:cs typeface="Muli"/>
-              <a:sym typeface="Muli"/>
-            </a:endParaRPr>
           </a:p>
         </p:txBody>
       </p:sp>
@@ -17947,7 +17778,7 @@
               </a:spcAft>
             </a:pPr>
             <a:r>
-              <a:rPr lang="en" b="1" dirty="0" smtClean="0"/>
+              <a:rPr lang="en" b="1" dirty="0"/>
               <a:t>USE CASE DIAGRAM</a:t>
             </a:r>
             <a:endParaRPr b="1" dirty="0"/>
@@ -17985,7 +17816,7 @@
               </a:spcAft>
             </a:pPr>
             <a:r>
-              <a:rPr lang="en" dirty="0" smtClean="0"/>
+              <a:rPr lang="en" dirty="0"/>
               <a:t>4 Actor:</a:t>
             </a:r>
           </a:p>
@@ -17996,7 +17827,7 @@
               </a:spcAft>
             </a:pPr>
             <a:r>
-              <a:rPr lang="en" dirty="0" smtClean="0"/>
+              <a:rPr lang="en" dirty="0"/>
               <a:t>Student</a:t>
             </a:r>
           </a:p>
@@ -18007,10 +17838,9 @@
               </a:spcAft>
             </a:pPr>
             <a:r>
-              <a:rPr lang="en" dirty="0" smtClean="0"/>
+              <a:rPr lang="en" dirty="0"/>
               <a:t>     Supervisor</a:t>
             </a:r>
-            <a:endParaRPr lang="en" dirty="0" smtClean="0"/>
           </a:p>
         </p:txBody>
       </p:sp>
@@ -18044,7 +17874,7 @@
                 <a:spcPts val="2133"/>
               </a:spcAft>
             </a:pPr>
-            <a:endParaRPr lang="en" dirty="0" smtClean="0"/>
+            <a:endParaRPr lang="en" dirty="0"/>
           </a:p>
           <a:p>
             <a:pPr marL="0" indent="0">
@@ -18053,7 +17883,7 @@
               </a:spcAft>
             </a:pPr>
             <a:r>
-              <a:rPr lang="en" dirty="0" smtClean="0"/>
+              <a:rPr lang="en" dirty="0"/>
               <a:t>Training department</a:t>
             </a:r>
           </a:p>
@@ -18064,7 +17894,7 @@
               </a:spcAft>
             </a:pPr>
             <a:r>
-              <a:rPr lang="en" dirty="0" smtClean="0"/>
+              <a:rPr lang="en" dirty="0"/>
               <a:t>Head of department</a:t>
             </a:r>
           </a:p>
@@ -18203,7 +18033,7 @@
               </a:spcAft>
             </a:pPr>
             <a:r>
-              <a:rPr lang="en" dirty="0" smtClean="0">
+              <a:rPr lang="en" dirty="0">
                 <a:latin typeface="Muli"/>
                 <a:ea typeface="Muli"/>
                 <a:cs typeface="Muli"/>
@@ -18414,16 +18244,6 @@
               </a:tabLst>
             </a:pPr>
             <a:r>
-              <a:rPr lang="en-US" spc="7" dirty="0" smtClean="0">
-                <a:solidFill>
-                  <a:srgbClr val="435368"/>
-                </a:solidFill>
-                <a:latin typeface="Calibri"/>
-                <a:cs typeface="Calibri"/>
-              </a:rPr>
-              <a:t>Supervisor </a:t>
-            </a:r>
-            <a:r>
               <a:rPr lang="en-US" spc="7" dirty="0">
                 <a:solidFill>
                   <a:srgbClr val="435368"/>
@@ -18431,7 +18251,7 @@
                 <a:latin typeface="Calibri"/>
                 <a:cs typeface="Calibri"/>
               </a:rPr>
-              <a:t>System</a:t>
+              <a:t>Supervisor System</a:t>
             </a:r>
             <a:endParaRPr lang="en-US" dirty="0">
               <a:latin typeface="Calibri"/>
@@ -18845,7 +18665,7 @@
               </a:tabLst>
             </a:pPr>
             <a:r>
-              <a:rPr lang="en-GB" dirty="0" smtClean="0">
+              <a:rPr lang="en-GB" dirty="0">
                 <a:latin typeface="Calibri" panose="020F0502020204030204" pitchFamily="34" charset="0"/>
                 <a:cs typeface="Calibri" panose="020F0502020204030204" pitchFamily="34" charset="0"/>
               </a:rPr>
@@ -18886,13 +18706,13 @@
               </a:tabLst>
             </a:pPr>
             <a:r>
-              <a:rPr lang="en-GB" dirty="0" smtClean="0">
+              <a:rPr lang="en-GB" dirty="0">
                 <a:latin typeface="Calibri" panose="020F0502020204030204" pitchFamily="34" charset="0"/>
                 <a:cs typeface="Calibri" panose="020F0502020204030204" pitchFamily="34" charset="0"/>
               </a:rPr>
               <a:t>Accuracy</a:t>
             </a:r>
-            <a:endParaRPr lang="en-US" dirty="0" smtClean="0">
+            <a:endParaRPr lang="en-US" dirty="0">
               <a:latin typeface="Calibri" panose="020F0502020204030204" pitchFamily="34" charset="0"/>
               <a:cs typeface="Calibri" panose="020F0502020204030204" pitchFamily="34" charset="0"/>
             </a:endParaRPr>
@@ -18911,7 +18731,7 @@
               <a:buFont typeface="Wingdings" panose="05000000000000000000" pitchFamily="2" charset="2"/>
               <a:buChar char="v"/>
             </a:pPr>
-            <a:endParaRPr lang="en-US" dirty="0" smtClean="0">
+            <a:endParaRPr lang="en-US" dirty="0">
               <a:latin typeface="Calibri"/>
               <a:cs typeface="Calibri"/>
             </a:endParaRPr>
@@ -18928,18 +18748,11 @@
               </a:tabLst>
             </a:pPr>
             <a:r>
-              <a:rPr lang="en-GB" dirty="0" smtClean="0">
-                <a:latin typeface="Calibri" panose="020F0502020204030204" pitchFamily="34" charset="0"/>
-                <a:cs typeface="Calibri" panose="020F0502020204030204" pitchFamily="34" charset="0"/>
-              </a:rPr>
-              <a:t>Maintainability </a:t>
-            </a:r>
-            <a:r>
               <a:rPr lang="en-GB" dirty="0">
                 <a:latin typeface="Calibri" panose="020F0502020204030204" pitchFamily="34" charset="0"/>
                 <a:cs typeface="Calibri" panose="020F0502020204030204" pitchFamily="34" charset="0"/>
               </a:rPr>
-              <a:t>and Extensibility</a:t>
+              <a:t>Maintainability and Extensibility</a:t>
             </a:r>
             <a:endParaRPr lang="en-US" dirty="0">
               <a:latin typeface="Calibri" panose="020F0502020204030204" pitchFamily="34" charset="0"/>
@@ -19389,10 +19202,6 @@
             <a:br>
               <a:rPr lang="en-US" sz="4267" b="1" dirty="0"/>
             </a:br>
-            <a:r>
-              <a:rPr lang="en-US" sz="4267" b="1" dirty="0"/>
-              <a:t/>
-            </a:r>
             <a:br>
               <a:rPr lang="en-US" sz="4267" b="1" dirty="0"/>
             </a:br>
@@ -19604,17 +19413,16 @@
           <a:lstStyle/>
           <a:p>
             <a:r>
-              <a:rPr lang="en-US" dirty="0" smtClean="0"/>
+              <a:rPr lang="en-US" dirty="0"/>
               <a:t>Database</a:t>
             </a:r>
             <a:br>
-              <a:rPr lang="en-US" dirty="0" smtClean="0"/>
+              <a:rPr lang="en-US" dirty="0"/>
             </a:br>
             <a:r>
-              <a:rPr lang="en-US" dirty="0" smtClean="0"/>
+              <a:rPr lang="en-US" dirty="0"/>
               <a:t>Diagram</a:t>
             </a:r>
-            <a:endParaRPr lang="en-US" dirty="0"/>
           </a:p>
         </p:txBody>
       </p:sp>
@@ -19802,14 +19610,14 @@
           <a:lstStyle/>
           <a:p>
             <a:r>
-              <a:rPr lang="en" b="1" dirty="0" smtClean="0"/>
+              <a:rPr lang="en" b="1" dirty="0"/>
               <a:t>Table of</a:t>
             </a:r>
             <a:br>
-              <a:rPr lang="en" b="1" dirty="0" smtClean="0"/>
+              <a:rPr lang="en" b="1" dirty="0"/>
             </a:br>
             <a:r>
-              <a:rPr lang="en" b="1" dirty="0" smtClean="0"/>
+              <a:rPr lang="en" b="1" dirty="0"/>
               <a:t>Contents</a:t>
             </a:r>
             <a:endParaRPr b="1" dirty="0"/>
@@ -21420,17 +21228,16 @@
           <a:lstStyle/>
           <a:p>
             <a:r>
-              <a:rPr lang="en-US" dirty="0" smtClean="0"/>
+              <a:rPr lang="en-US" dirty="0"/>
               <a:t>Class</a:t>
             </a:r>
             <a:br>
-              <a:rPr lang="en-US" dirty="0" smtClean="0"/>
+              <a:rPr lang="en-US" dirty="0"/>
             </a:br>
             <a:r>
-              <a:rPr lang="en-US" dirty="0" smtClean="0"/>
+              <a:rPr lang="en-US" dirty="0"/>
               <a:t>Diagram</a:t>
             </a:r>
-            <a:endParaRPr lang="en-US" dirty="0"/>
           </a:p>
         </p:txBody>
       </p:sp>
@@ -21518,17 +21325,16 @@
           <a:lstStyle/>
           <a:p>
             <a:r>
-              <a:rPr lang="en-US" dirty="0" smtClean="0"/>
+              <a:rPr lang="en-US" dirty="0"/>
               <a:t>Sequence</a:t>
             </a:r>
             <a:br>
-              <a:rPr lang="en-US" dirty="0" smtClean="0"/>
+              <a:rPr lang="en-US" dirty="0"/>
             </a:br>
             <a:r>
-              <a:rPr lang="en-US" dirty="0" smtClean="0"/>
+              <a:rPr lang="en-US" dirty="0"/>
               <a:t>Diagram</a:t>
             </a:r>
-            <a:endParaRPr lang="en-US" dirty="0"/>
           </a:p>
         </p:txBody>
       </p:sp>
@@ -21624,7 +21430,7 @@
               </a:spcBef>
             </a:pPr>
             <a:r>
-              <a:rPr lang="en-US" b="1" dirty="0" smtClean="0">
+              <a:rPr lang="en-US" b="1" dirty="0">
                 <a:solidFill>
                   <a:schemeClr val="bg1"/>
                 </a:solidFill>
@@ -22446,13 +22252,6 @@
   <p:clrMapOvr>
     <a:masterClrMapping/>
   </p:clrMapOvr>
-  <p:timing>
-    <p:tnLst>
-      <p:par>
-        <p:cTn id="1" dur="indefinite" restart="never" nodeType="tmRoot"/>
-      </p:par>
-    </p:tnLst>
-  </p:timing>
 </p:sld>
 </file>
 
@@ -22543,13 +22342,6 @@
   <p:clrMapOvr>
     <a:masterClrMapping/>
   </p:clrMapOvr>
-  <p:timing>
-    <p:tnLst>
-      <p:par>
-        <p:cTn id="1" dur="indefinite" restart="never" nodeType="tmRoot"/>
-      </p:par>
-    </p:tnLst>
-  </p:timing>
 </p:sld>
 </file>
 
@@ -22598,10 +22390,9 @@
               <a:t> </a:t>
             </a:r>
             <a:r>
-              <a:rPr lang="en-US" dirty="0" smtClean="0"/>
+              <a:rPr lang="en-US" dirty="0"/>
               <a:t>RESPONSIBILITIES</a:t>
             </a:r>
-            <a:endParaRPr lang="en-US" dirty="0"/>
           </a:p>
         </p:txBody>
       </p:sp>
@@ -22734,13 +22525,6 @@
   <p:clrMapOvr>
     <a:masterClrMapping/>
   </p:clrMapOvr>
-  <p:timing>
-    <p:tnLst>
-      <p:par>
-        <p:cTn id="1" dur="indefinite" restart="never" nodeType="tmRoot"/>
-      </p:par>
-    </p:tnLst>
-  </p:timing>
 </p:sld>
 </file>
 
@@ -22844,13 +22628,6 @@
   <p:clrMapOvr>
     <a:masterClrMapping/>
   </p:clrMapOvr>
-  <p:timing>
-    <p:tnLst>
-      <p:par>
-        <p:cTn id="1" dur="indefinite" restart="never" nodeType="tmRoot"/>
-      </p:par>
-    </p:tnLst>
-  </p:timing>
 </p:sld>
 </file>
 
@@ -27589,13 +27366,6 @@
   <p:clrMapOvr>
     <a:masterClrMapping/>
   </p:clrMapOvr>
-  <p:timing>
-    <p:tnLst>
-      <p:par>
-        <p:cTn id="1" dur="indefinite" restart="never" nodeType="tmRoot"/>
-      </p:par>
-    </p:tnLst>
-  </p:timing>
 </p:sld>
 </file>
 
@@ -27765,10 +27535,9 @@
           <a:lstStyle/>
           <a:p>
             <a:r>
-              <a:rPr lang="en-US" dirty="0" smtClean="0"/>
+              <a:rPr lang="en-US" dirty="0"/>
               <a:t>CUSTOMER’S FEEDBACK</a:t>
             </a:r>
-            <a:endParaRPr lang="en-US" dirty="0"/>
           </a:p>
         </p:txBody>
       </p:sp>
@@ -27993,10 +27762,9 @@
               <a:buChar char="Ø"/>
             </a:pPr>
             <a:r>
-              <a:rPr lang="en-US" sz="2400" dirty="0" smtClean="0"/>
+              <a:rPr lang="en-US" sz="2400" dirty="0"/>
               <a:t>Review of Ms. Ha in the training room:</a:t>
             </a:r>
-            <a:endParaRPr lang="en-US" sz="2400" dirty="0"/>
           </a:p>
         </p:txBody>
       </p:sp>
@@ -28140,13 +27908,6 @@
   <p:clrMapOvr>
     <a:masterClrMapping/>
   </p:clrMapOvr>
-  <p:timing>
-    <p:tnLst>
-      <p:par>
-        <p:cTn id="1" dur="indefinite" restart="never" nodeType="tmRoot"/>
-      </p:par>
-    </p:tnLst>
-  </p:timing>
 </p:sld>
 </file>
 
@@ -28639,7 +28400,7 @@
           <a:p>
             <a:pPr algn="ctr"/>
             <a:r>
-              <a:rPr lang="en" sz="4800" b="1" dirty="0" smtClean="0">
+              <a:rPr lang="en" sz="4800" b="1" dirty="0">
                 <a:solidFill>
                   <a:srgbClr val="4E6E9A"/>
                 </a:solidFill>
@@ -28665,7 +28426,7 @@
           </a:p>
           <a:p>
             <a:pPr algn="ctr"/>
-            <a:endParaRPr lang="en" sz="4800" b="1" dirty="0" smtClean="0">
+            <a:endParaRPr lang="en" sz="4800" b="1" dirty="0">
               <a:solidFill>
                 <a:srgbClr val="4E6E9A"/>
               </a:solidFill>
@@ -29382,13 +29143,6 @@
   <p:clrMapOvr>
     <a:masterClrMapping/>
   </p:clrMapOvr>
-  <p:timing>
-    <p:tnLst>
-      <p:par>
-        <p:cTn id="1" dur="indefinite" restart="never" nodeType="tmRoot"/>
-      </p:par>
-    </p:tnLst>
-  </p:timing>
 </p:sld>
 </file>
 
@@ -29591,9 +29345,60 @@
           <a:chExt cx="0" cy="0"/>
         </a:xfrm>
       </p:grpSpPr>
+      <p:pic>
+        <p:nvPicPr>
+          <p:cNvPr id="1026" name="Picture 2" descr="Kỹ thuật sáng tạo nhóm: Quản lý những tình huống thu thập yêu cầu">
+            <a:extLst>
+              <a:ext uri="{FF2B5EF4-FFF2-40B4-BE49-F238E27FC236}">
+                <a16:creationId xmlns:a16="http://schemas.microsoft.com/office/drawing/2014/main" id="{15014BA8-4CDC-4091-8519-B92BF577EFC3}"/>
+              </a:ext>
+            </a:extLst>
+          </p:cNvPr>
+          <p:cNvPicPr>
+            <a:picLocks noChangeAspect="1" noChangeArrowheads="1"/>
+          </p:cNvPicPr>
+          <p:nvPr/>
+        </p:nvPicPr>
+        <p:blipFill rotWithShape="1">
+          <a:blip r:embed="rId2">
+            <a:extLst>
+              <a:ext uri="{28A0092B-C50C-407E-A947-70E740481C1C}">
+                <a14:useLocalDpi xmlns:a14="http://schemas.microsoft.com/office/drawing/2010/main" val="0"/>
+              </a:ext>
+            </a:extLst>
+          </a:blip>
+          <a:srcRect l="4889" r="1" b="1"/>
+          <a:stretch/>
+        </p:blipFill>
+        <p:spPr bwMode="auto">
+          <a:xfrm>
+            <a:off x="20" y="10"/>
+            <a:ext cx="12191980" cy="6857990"/>
+          </a:xfrm>
+          <a:prstGeom prst="rect">
+            <a:avLst/>
+          </a:prstGeom>
+          <a:noFill/>
+          <a:extLst>
+            <a:ext uri="{909E8E84-426E-40DD-AFC4-6F175D3DCCD1}">
+              <a14:hiddenFill xmlns:a14="http://schemas.microsoft.com/office/drawing/2010/main">
+                <a:solidFill>
+                  <a:srgbClr val="FFFFFF"/>
+                </a:solidFill>
+              </a14:hiddenFill>
+            </a:ext>
+          </a:extLst>
+        </p:spPr>
+      </p:pic>
       <p:sp>
         <p:nvSpPr>
-          <p:cNvPr id="2" name="Title 1"/>
+          <p:cNvPr id="2" name="Tiêu đề 1">
+            <a:extLst>
+              <a:ext uri="{FF2B5EF4-FFF2-40B4-BE49-F238E27FC236}">
+                <a16:creationId xmlns:a16="http://schemas.microsoft.com/office/drawing/2014/main" id="{448269DD-DEEC-494A-9260-035976099990}"/>
+              </a:ext>
+            </a:extLst>
+          </p:cNvPr>
           <p:cNvSpPr>
             <a:spLocks noGrp="1"/>
           </p:cNvSpPr>
@@ -29601,53 +29406,41 @@
             <p:ph type="title"/>
           </p:nvPr>
         </p:nvSpPr>
-        <p:spPr/>
+        <p:spPr>
+          <a:xfrm>
+            <a:off x="438150" y="4300627"/>
+            <a:ext cx="9067800" cy="1298409"/>
+          </a:xfrm>
+        </p:spPr>
         <p:txBody>
-          <a:bodyPr/>
+          <a:bodyPr vert="horz" lIns="91440" tIns="45720" rIns="91440" bIns="45720" rtlCol="0" anchor="ctr">
+            <a:normAutofit/>
+          </a:bodyPr>
           <a:lstStyle/>
           <a:p>
-            <a:r>
-              <a:rPr lang="en-US" spc="7" dirty="0"/>
-              <a:t>CURRENT</a:t>
-            </a:r>
-            <a:r>
-              <a:rPr lang="en-US" spc="-80" dirty="0"/>
-              <a:t> </a:t>
-            </a:r>
-            <a:r>
-              <a:rPr lang="en-US" spc="-33" dirty="0"/>
-              <a:t>SITUATION</a:t>
-            </a:r>
-            <a:endParaRPr lang="en-US" dirty="0"/>
+            <a:pPr>
+              <a:spcBef>
+                <a:spcPct val="0"/>
+              </a:spcBef>
+            </a:pPr>
+            <a:r>
+              <a:rPr lang="en-US" dirty="0">
+                <a:solidFill>
+                  <a:srgbClr val="FFFFFF"/>
+                </a:solidFill>
+                <a:latin typeface="+mj-lt"/>
+                <a:ea typeface="+mj-ea"/>
+                <a:cs typeface="+mj-cs"/>
+              </a:rPr>
+              <a:t>SOLUTION</a:t>
+            </a:r>
           </a:p>
         </p:txBody>
       </p:sp>
-      <p:pic>
-        <p:nvPicPr>
-          <p:cNvPr id="6" name="Picture 5"/>
-          <p:cNvPicPr/>
-          <p:nvPr/>
-        </p:nvPicPr>
-        <p:blipFill>
-          <a:blip r:embed="rId2"/>
-          <a:stretch>
-            <a:fillRect/>
-          </a:stretch>
-        </p:blipFill>
-        <p:spPr>
-          <a:xfrm>
-            <a:off x="2819399" y="1811928"/>
-            <a:ext cx="6298475" cy="4488180"/>
-          </a:xfrm>
-          <a:prstGeom prst="rect">
-            <a:avLst/>
-          </a:prstGeom>
-        </p:spPr>
-      </p:pic>
     </p:spTree>
     <p:extLst>
       <p:ext uri="{BB962C8B-B14F-4D97-AF65-F5344CB8AC3E}">
-        <p14:creationId xmlns:p14="http://schemas.microsoft.com/office/powerpoint/2010/main" val="4103660709"/>
+        <p14:creationId xmlns:p14="http://schemas.microsoft.com/office/powerpoint/2010/main" val="668690872"/>
       </p:ext>
     </p:extLst>
   </p:cSld>
@@ -29701,7 +29494,7 @@
           <a:p>
             <a:pPr lvl="0"/>
             <a:r>
-              <a:rPr lang="en-US" dirty="0" smtClean="0"/>
+              <a:rPr lang="en-US" dirty="0"/>
               <a:t>SOLUTION</a:t>
             </a:r>
             <a:endParaRPr dirty="0"/>
@@ -30110,7 +29903,7 @@
               <a:buChar char="Ø"/>
             </a:pPr>
             <a:r>
-              <a:rPr lang="en-US" sz="2400" spc="5" dirty="0" smtClean="0">
+              <a:rPr lang="en-US" sz="2400" spc="5" dirty="0">
                 <a:cs typeface="Calibri"/>
               </a:rPr>
               <a:t>System functions: </a:t>
@@ -30174,12 +29967,8 @@
               <a:buChar char="o"/>
             </a:pPr>
             <a:r>
-              <a:rPr lang="en-GB" dirty="0" smtClean="0"/>
-              <a:t>Allow </a:t>
-            </a:r>
-            <a:r>
               <a:rPr lang="en-GB" dirty="0"/>
-              <a:t>the student to login with FPT email accounts.</a:t>
+              <a:t>Allow the student to login with FPT email accounts.</a:t>
             </a:r>
             <a:endParaRPr lang="en-US" dirty="0"/>
           </a:p>
@@ -30343,10 +30132,9 @@
           <a:lstStyle/>
           <a:p>
             <a:r>
-              <a:rPr lang="en-US" dirty="0" smtClean="0"/>
+              <a:rPr lang="en-US" dirty="0"/>
               <a:t>SOLUTION</a:t>
             </a:r>
-            <a:endParaRPr lang="en-US" dirty="0"/>
           </a:p>
         </p:txBody>
       </p:sp>
@@ -30571,7 +30359,7 @@
               <a:buChar char="Ø"/>
             </a:pPr>
             <a:r>
-              <a:rPr lang="en-US" sz="2400" spc="5" dirty="0" smtClean="0">
+              <a:rPr lang="en-US" sz="2400" spc="5" dirty="0">
                 <a:cs typeface="Calibri"/>
               </a:rPr>
               <a:t>System functions: </a:t>
@@ -30625,11 +30413,7 @@
             </a:pPr>
             <a:r>
               <a:rPr lang="en-GB" dirty="0"/>
-              <a:t>Allow the supervisor to login with FPT email accounts</a:t>
-            </a:r>
-            <a:r>
-              <a:rPr lang="en-GB" dirty="0" smtClean="0"/>
-              <a:t>.</a:t>
+              <a:t>Allow the supervisor to login with FPT email accounts.</a:t>
             </a:r>
             <a:endParaRPr lang="en-US" dirty="0"/>
           </a:p>

--- a/FPTU CAPSTONE PROJECT MANAGEMENT.pptx
+++ b/FPTU CAPSTONE PROJECT MANAGEMENT.pptx
@@ -17,8 +17,8 @@
     <p:sldId id="303" r:id="rId8"/>
     <p:sldId id="294" r:id="rId9"/>
     <p:sldId id="295" r:id="rId10"/>
-    <p:sldId id="296" r:id="rId11"/>
-    <p:sldId id="300" r:id="rId12"/>
+    <p:sldId id="300" r:id="rId11"/>
+    <p:sldId id="296" r:id="rId12"/>
     <p:sldId id="298" r:id="rId13"/>
     <p:sldId id="263" r:id="rId14"/>
     <p:sldId id="264" r:id="rId15"/>
@@ -9526,6 +9526,233 @@
       </p:sp>
       <p:sp>
         <p:nvSpPr>
+          <p:cNvPr id="3" name="Text Placeholder 2"/>
+          <p:cNvSpPr>
+            <a:spLocks noGrp="1"/>
+          </p:cNvSpPr>
+          <p:nvPr>
+            <p:ph type="body" idx="1"/>
+          </p:nvPr>
+        </p:nvSpPr>
+        <p:spPr>
+          <a:xfrm>
+            <a:off x="2270516" y="2018967"/>
+            <a:ext cx="5188400" cy="4555200"/>
+          </a:xfrm>
+        </p:spPr>
+        <p:txBody>
+          <a:bodyPr/>
+          <a:lstStyle/>
+          <a:p>
+            <a:pPr lvl="0">
+              <a:buFont typeface="Wingdings" panose="05000000000000000000" pitchFamily="2" charset="2"/>
+              <a:buChar char="Ø"/>
+            </a:pPr>
+            <a:r>
+              <a:rPr lang="en-GB" sz="1800" dirty="0">
+                <a:latin typeface="+mn-lt"/>
+              </a:rPr>
+              <a:t>Allow the Head of Department to:</a:t>
+            </a:r>
+            <a:endParaRPr lang="en-US" sz="1800" dirty="0">
+              <a:latin typeface="+mn-lt"/>
+            </a:endParaRPr>
+          </a:p>
+          <a:p>
+            <a:pPr marL="152396" indent="0">
+              <a:buNone/>
+            </a:pPr>
+            <a:r>
+              <a:rPr lang="en-GB" sz="1800" dirty="0">
+                <a:latin typeface="+mn-lt"/>
+              </a:rPr>
+              <a:t> </a:t>
+            </a:r>
+            <a:endParaRPr lang="en-US" sz="1800" dirty="0">
+              <a:latin typeface="+mn-lt"/>
+            </a:endParaRPr>
+          </a:p>
+          <a:p>
+            <a:pPr lvl="0">
+              <a:buFont typeface="Courier New" panose="02070309020205020404" pitchFamily="49" charset="0"/>
+              <a:buChar char="o"/>
+            </a:pPr>
+            <a:r>
+              <a:rPr lang="en-GB" sz="1800" dirty="0">
+                <a:latin typeface="+mn-lt"/>
+              </a:rPr>
+              <a:t>Allow the head of department to login with FPT email account.</a:t>
+            </a:r>
+            <a:endParaRPr lang="en-US" sz="1800" dirty="0">
+              <a:latin typeface="+mn-lt"/>
+            </a:endParaRPr>
+          </a:p>
+          <a:p>
+            <a:pPr lvl="0">
+              <a:buFont typeface="Courier New" panose="02070309020205020404" pitchFamily="49" charset="0"/>
+              <a:buChar char="o"/>
+            </a:pPr>
+            <a:r>
+              <a:rPr lang="en-GB" sz="1800" dirty="0">
+                <a:latin typeface="+mn-lt"/>
+              </a:rPr>
+              <a:t>Allow the head of department to view capstone projects in forum.</a:t>
+            </a:r>
+            <a:endParaRPr lang="en-US" sz="1800" dirty="0">
+              <a:latin typeface="+mn-lt"/>
+            </a:endParaRPr>
+          </a:p>
+          <a:p>
+            <a:pPr lvl="0">
+              <a:buFont typeface="Courier New" panose="02070309020205020404" pitchFamily="49" charset="0"/>
+              <a:buChar char="o"/>
+            </a:pPr>
+            <a:r>
+              <a:rPr lang="en-GB" sz="1800" dirty="0">
+                <a:latin typeface="+mn-lt"/>
+              </a:rPr>
+              <a:t>Allow the head of department to communicate via chat feature.</a:t>
+            </a:r>
+            <a:endParaRPr lang="en-US" sz="1800" dirty="0">
+              <a:latin typeface="+mn-lt"/>
+            </a:endParaRPr>
+          </a:p>
+          <a:p>
+            <a:pPr lvl="0">
+              <a:buFont typeface="Courier New" panose="02070309020205020404" pitchFamily="49" charset="0"/>
+              <a:buChar char="o"/>
+            </a:pPr>
+            <a:r>
+              <a:rPr lang="en-GB" sz="1800" dirty="0">
+                <a:latin typeface="+mn-lt"/>
+              </a:rPr>
+              <a:t>Allow the head of department to confirm / reject the project.</a:t>
+            </a:r>
+            <a:endParaRPr lang="en-US" sz="1800" dirty="0">
+              <a:latin typeface="+mn-lt"/>
+            </a:endParaRPr>
+          </a:p>
+          <a:p>
+            <a:pPr lvl="0">
+              <a:buFont typeface="Courier New" panose="02070309020205020404" pitchFamily="49" charset="0"/>
+              <a:buChar char="o"/>
+            </a:pPr>
+            <a:r>
+              <a:rPr lang="en-GB" sz="1800" dirty="0">
+                <a:latin typeface="+mn-lt"/>
+              </a:rPr>
+              <a:t>Allow the head of department to view dashboard of all capstone projects.</a:t>
+            </a:r>
+            <a:endParaRPr lang="en-US" sz="1800" dirty="0">
+              <a:latin typeface="+mn-lt"/>
+            </a:endParaRPr>
+          </a:p>
+          <a:p>
+            <a:pPr lvl="0">
+              <a:buFont typeface="Courier New" panose="02070309020205020404" pitchFamily="49" charset="0"/>
+              <a:buChar char="o"/>
+            </a:pPr>
+            <a:r>
+              <a:rPr lang="en-GB" sz="1800" dirty="0">
+                <a:latin typeface="+mn-lt"/>
+              </a:rPr>
+              <a:t>Allow the head of department to view process of working in group.</a:t>
+            </a:r>
+            <a:endParaRPr lang="en-US" sz="1800" dirty="0">
+              <a:latin typeface="+mn-lt"/>
+            </a:endParaRPr>
+          </a:p>
+          <a:p>
+            <a:endParaRPr lang="en-US" sz="1800" dirty="0"/>
+          </a:p>
+        </p:txBody>
+      </p:sp>
+      <p:sp>
+        <p:nvSpPr>
+          <p:cNvPr id="4" name="Subtitle 3"/>
+          <p:cNvSpPr>
+            <a:spLocks noGrp="1"/>
+          </p:cNvSpPr>
+          <p:nvPr>
+            <p:ph type="subTitle" idx="2"/>
+          </p:nvPr>
+        </p:nvSpPr>
+        <p:spPr/>
+        <p:txBody>
+          <a:bodyPr/>
+          <a:lstStyle/>
+          <a:p>
+            <a:pPr marL="457200" indent="-457200">
+              <a:buFont typeface="Wingdings" panose="05000000000000000000" pitchFamily="2" charset="2"/>
+              <a:buChar char="Ø"/>
+            </a:pPr>
+            <a:r>
+              <a:rPr lang="en-US" spc="5" dirty="0">
+                <a:cs typeface="Calibri"/>
+              </a:rPr>
+              <a:t>System functions: </a:t>
+            </a:r>
+            <a:endParaRPr lang="en-US" dirty="0"/>
+          </a:p>
+          <a:p>
+            <a:endParaRPr lang="en-US" dirty="0"/>
+          </a:p>
+        </p:txBody>
+      </p:sp>
+    </p:spTree>
+    <p:extLst>
+      <p:ext uri="{BB962C8B-B14F-4D97-AF65-F5344CB8AC3E}">
+        <p14:creationId xmlns:p14="http://schemas.microsoft.com/office/powerpoint/2010/main" val="2862446992"/>
+      </p:ext>
+    </p:extLst>
+  </p:cSld>
+  <p:clrMapOvr>
+    <a:masterClrMapping/>
+  </p:clrMapOvr>
+</p:sld>
+</file>
+
+<file path=ppt/slides/slide11.xml><?xml version="1.0" encoding="utf-8"?>
+<p:sld xmlns:a="http://schemas.openxmlformats.org/drawingml/2006/main" xmlns:r="http://schemas.openxmlformats.org/officeDocument/2006/relationships" xmlns:p="http://schemas.openxmlformats.org/presentationml/2006/main">
+  <p:cSld>
+    <p:spTree>
+      <p:nvGrpSpPr>
+        <p:cNvPr id="1" name=""/>
+        <p:cNvGrpSpPr/>
+        <p:nvPr/>
+      </p:nvGrpSpPr>
+      <p:grpSpPr>
+        <a:xfrm>
+          <a:off x="0" y="0"/>
+          <a:ext cx="0" cy="0"/>
+          <a:chOff x="0" y="0"/>
+          <a:chExt cx="0" cy="0"/>
+        </a:xfrm>
+      </p:grpSpPr>
+      <p:sp>
+        <p:nvSpPr>
+          <p:cNvPr id="2" name="Title 1"/>
+          <p:cNvSpPr>
+            <a:spLocks noGrp="1"/>
+          </p:cNvSpPr>
+          <p:nvPr>
+            <p:ph type="title"/>
+          </p:nvPr>
+        </p:nvSpPr>
+        <p:spPr/>
+        <p:txBody>
+          <a:bodyPr/>
+          <a:lstStyle/>
+          <a:p>
+            <a:r>
+              <a:rPr lang="en-US" dirty="0"/>
+              <a:t>SOLUTION</a:t>
+            </a:r>
+          </a:p>
+        </p:txBody>
+      </p:sp>
+      <p:sp>
+        <p:nvSpPr>
           <p:cNvPr id="6" name="Google Shape;866;p64"/>
           <p:cNvSpPr txBox="1">
             <a:spLocks/>
@@ -9875,233 +10102,6 @@
     <p:extLst>
       <p:ext uri="{BB962C8B-B14F-4D97-AF65-F5344CB8AC3E}">
         <p14:creationId xmlns:p14="http://schemas.microsoft.com/office/powerpoint/2010/main" val="630633909"/>
-      </p:ext>
-    </p:extLst>
-  </p:cSld>
-  <p:clrMapOvr>
-    <a:masterClrMapping/>
-  </p:clrMapOvr>
-</p:sld>
-</file>
-
-<file path=ppt/slides/slide11.xml><?xml version="1.0" encoding="utf-8"?>
-<p:sld xmlns:a="http://schemas.openxmlformats.org/drawingml/2006/main" xmlns:r="http://schemas.openxmlformats.org/officeDocument/2006/relationships" xmlns:p="http://schemas.openxmlformats.org/presentationml/2006/main">
-  <p:cSld>
-    <p:spTree>
-      <p:nvGrpSpPr>
-        <p:cNvPr id="1" name=""/>
-        <p:cNvGrpSpPr/>
-        <p:nvPr/>
-      </p:nvGrpSpPr>
-      <p:grpSpPr>
-        <a:xfrm>
-          <a:off x="0" y="0"/>
-          <a:ext cx="0" cy="0"/>
-          <a:chOff x="0" y="0"/>
-          <a:chExt cx="0" cy="0"/>
-        </a:xfrm>
-      </p:grpSpPr>
-      <p:sp>
-        <p:nvSpPr>
-          <p:cNvPr id="2" name="Title 1"/>
-          <p:cNvSpPr>
-            <a:spLocks noGrp="1"/>
-          </p:cNvSpPr>
-          <p:nvPr>
-            <p:ph type="title"/>
-          </p:nvPr>
-        </p:nvSpPr>
-        <p:spPr/>
-        <p:txBody>
-          <a:bodyPr/>
-          <a:lstStyle/>
-          <a:p>
-            <a:r>
-              <a:rPr lang="en-US" dirty="0"/>
-              <a:t>SOLUTION</a:t>
-            </a:r>
-          </a:p>
-        </p:txBody>
-      </p:sp>
-      <p:sp>
-        <p:nvSpPr>
-          <p:cNvPr id="3" name="Text Placeholder 2"/>
-          <p:cNvSpPr>
-            <a:spLocks noGrp="1"/>
-          </p:cNvSpPr>
-          <p:nvPr>
-            <p:ph type="body" idx="1"/>
-          </p:nvPr>
-        </p:nvSpPr>
-        <p:spPr>
-          <a:xfrm>
-            <a:off x="2270516" y="2018967"/>
-            <a:ext cx="5188400" cy="4555200"/>
-          </a:xfrm>
-        </p:spPr>
-        <p:txBody>
-          <a:bodyPr/>
-          <a:lstStyle/>
-          <a:p>
-            <a:pPr lvl="0">
-              <a:buFont typeface="Wingdings" panose="05000000000000000000" pitchFamily="2" charset="2"/>
-              <a:buChar char="Ø"/>
-            </a:pPr>
-            <a:r>
-              <a:rPr lang="en-GB" sz="1800" dirty="0">
-                <a:latin typeface="+mn-lt"/>
-              </a:rPr>
-              <a:t>Allow the Head of Department to:</a:t>
-            </a:r>
-            <a:endParaRPr lang="en-US" sz="1800" dirty="0">
-              <a:latin typeface="+mn-lt"/>
-            </a:endParaRPr>
-          </a:p>
-          <a:p>
-            <a:pPr marL="152396" indent="0">
-              <a:buNone/>
-            </a:pPr>
-            <a:r>
-              <a:rPr lang="en-GB" sz="1800" dirty="0">
-                <a:latin typeface="+mn-lt"/>
-              </a:rPr>
-              <a:t> </a:t>
-            </a:r>
-            <a:endParaRPr lang="en-US" sz="1800" dirty="0">
-              <a:latin typeface="+mn-lt"/>
-            </a:endParaRPr>
-          </a:p>
-          <a:p>
-            <a:pPr lvl="0">
-              <a:buFont typeface="Courier New" panose="02070309020205020404" pitchFamily="49" charset="0"/>
-              <a:buChar char="o"/>
-            </a:pPr>
-            <a:r>
-              <a:rPr lang="en-GB" sz="1800" dirty="0">
-                <a:latin typeface="+mn-lt"/>
-              </a:rPr>
-              <a:t>Allow the head of department to login with FPT email account.</a:t>
-            </a:r>
-            <a:endParaRPr lang="en-US" sz="1800" dirty="0">
-              <a:latin typeface="+mn-lt"/>
-            </a:endParaRPr>
-          </a:p>
-          <a:p>
-            <a:pPr lvl="0">
-              <a:buFont typeface="Courier New" panose="02070309020205020404" pitchFamily="49" charset="0"/>
-              <a:buChar char="o"/>
-            </a:pPr>
-            <a:r>
-              <a:rPr lang="en-GB" sz="1800" dirty="0">
-                <a:latin typeface="+mn-lt"/>
-              </a:rPr>
-              <a:t>Allow the head of department to view capstone projects in forum.</a:t>
-            </a:r>
-            <a:endParaRPr lang="en-US" sz="1800" dirty="0">
-              <a:latin typeface="+mn-lt"/>
-            </a:endParaRPr>
-          </a:p>
-          <a:p>
-            <a:pPr lvl="0">
-              <a:buFont typeface="Courier New" panose="02070309020205020404" pitchFamily="49" charset="0"/>
-              <a:buChar char="o"/>
-            </a:pPr>
-            <a:r>
-              <a:rPr lang="en-GB" sz="1800" dirty="0">
-                <a:latin typeface="+mn-lt"/>
-              </a:rPr>
-              <a:t>Allow the head of department to communicate via chat feature.</a:t>
-            </a:r>
-            <a:endParaRPr lang="en-US" sz="1800" dirty="0">
-              <a:latin typeface="+mn-lt"/>
-            </a:endParaRPr>
-          </a:p>
-          <a:p>
-            <a:pPr lvl="0">
-              <a:buFont typeface="Courier New" panose="02070309020205020404" pitchFamily="49" charset="0"/>
-              <a:buChar char="o"/>
-            </a:pPr>
-            <a:r>
-              <a:rPr lang="en-GB" sz="1800" dirty="0">
-                <a:latin typeface="+mn-lt"/>
-              </a:rPr>
-              <a:t>Allow the head of department to confirm / reject the project.</a:t>
-            </a:r>
-            <a:endParaRPr lang="en-US" sz="1800" dirty="0">
-              <a:latin typeface="+mn-lt"/>
-            </a:endParaRPr>
-          </a:p>
-          <a:p>
-            <a:pPr lvl="0">
-              <a:buFont typeface="Courier New" panose="02070309020205020404" pitchFamily="49" charset="0"/>
-              <a:buChar char="o"/>
-            </a:pPr>
-            <a:r>
-              <a:rPr lang="en-GB" sz="1800" dirty="0">
-                <a:latin typeface="+mn-lt"/>
-              </a:rPr>
-              <a:t>Allow the head of department to view dashboard of all capstone projects.</a:t>
-            </a:r>
-            <a:endParaRPr lang="en-US" sz="1800" dirty="0">
-              <a:latin typeface="+mn-lt"/>
-            </a:endParaRPr>
-          </a:p>
-          <a:p>
-            <a:pPr lvl="0">
-              <a:buFont typeface="Courier New" panose="02070309020205020404" pitchFamily="49" charset="0"/>
-              <a:buChar char="o"/>
-            </a:pPr>
-            <a:r>
-              <a:rPr lang="en-GB" sz="1800" dirty="0">
-                <a:latin typeface="+mn-lt"/>
-              </a:rPr>
-              <a:t>Allow the head of department to view process of working in group.</a:t>
-            </a:r>
-            <a:endParaRPr lang="en-US" sz="1800" dirty="0">
-              <a:latin typeface="+mn-lt"/>
-            </a:endParaRPr>
-          </a:p>
-          <a:p>
-            <a:endParaRPr lang="en-US" sz="1800" dirty="0"/>
-          </a:p>
-        </p:txBody>
-      </p:sp>
-      <p:sp>
-        <p:nvSpPr>
-          <p:cNvPr id="4" name="Subtitle 3"/>
-          <p:cNvSpPr>
-            <a:spLocks noGrp="1"/>
-          </p:cNvSpPr>
-          <p:nvPr>
-            <p:ph type="subTitle" idx="2"/>
-          </p:nvPr>
-        </p:nvSpPr>
-        <p:spPr/>
-        <p:txBody>
-          <a:bodyPr/>
-          <a:lstStyle/>
-          <a:p>
-            <a:pPr marL="457200" indent="-457200">
-              <a:buFont typeface="Wingdings" panose="05000000000000000000" pitchFamily="2" charset="2"/>
-              <a:buChar char="Ø"/>
-            </a:pPr>
-            <a:r>
-              <a:rPr lang="en-US" spc="5" dirty="0">
-                <a:cs typeface="Calibri"/>
-              </a:rPr>
-              <a:t>System functions: </a:t>
-            </a:r>
-            <a:endParaRPr lang="en-US" dirty="0"/>
-          </a:p>
-          <a:p>
-            <a:endParaRPr lang="en-US" dirty="0"/>
-          </a:p>
-        </p:txBody>
-      </p:sp>
-    </p:spTree>
-    <p:extLst>
-      <p:ext uri="{BB962C8B-B14F-4D97-AF65-F5344CB8AC3E}">
-        <p14:creationId xmlns:p14="http://schemas.microsoft.com/office/powerpoint/2010/main" val="2862446992"/>
       </p:ext>
     </p:extLst>
   </p:cSld>
@@ -10387,7 +10387,7 @@
         <p:spPr>
           <a:xfrm>
             <a:off x="1663336" y="2864715"/>
-            <a:ext cx="6096000" cy="2616101"/>
+            <a:ext cx="6096000" cy="1785104"/>
           </a:xfrm>
           <a:prstGeom prst="rect">
             <a:avLst/>
@@ -10403,9 +10403,16 @@
               <a:buFont typeface="Wingdings" panose="05000000000000000000" pitchFamily="2" charset="2"/>
               <a:buChar char="ü"/>
             </a:pPr>
+            <a:endParaRPr lang="en-US" dirty="0"/>
+          </a:p>
+          <a:p>
+            <a:pPr marL="285750" lvl="0" indent="-285750">
+              <a:buFont typeface="Wingdings" panose="05000000000000000000" pitchFamily="2" charset="2"/>
+              <a:buChar char="ü"/>
+            </a:pPr>
             <a:r>
               <a:rPr lang="en-GB" dirty="0"/>
-              <a:t>FCPM adds functions for affairs department.</a:t>
+              <a:t>FCPM adds functions for examination council.</a:t>
             </a:r>
           </a:p>
           <a:p>
@@ -10414,33 +10421,6 @@
               <a:buChar char="ü"/>
             </a:pPr>
             <a:endParaRPr lang="en-US" dirty="0"/>
-          </a:p>
-          <a:p>
-            <a:pPr marL="285750" lvl="0" indent="-285750">
-              <a:buFont typeface="Wingdings" panose="05000000000000000000" pitchFamily="2" charset="2"/>
-              <a:buChar char="ü"/>
-            </a:pPr>
-            <a:r>
-              <a:rPr lang="en-GB" dirty="0"/>
-              <a:t>FCPM adds functions for examination council.</a:t>
-            </a:r>
-          </a:p>
-          <a:p>
-            <a:pPr marL="285750" lvl="0" indent="-285750">
-              <a:buFont typeface="Wingdings" panose="05000000000000000000" pitchFamily="2" charset="2"/>
-              <a:buChar char="ü"/>
-            </a:pPr>
-            <a:endParaRPr lang="en-US" dirty="0"/>
-          </a:p>
-          <a:p>
-            <a:pPr marL="285750" lvl="0" indent="-285750">
-              <a:buFont typeface="Wingdings" panose="05000000000000000000" pitchFamily="2" charset="2"/>
-              <a:buChar char="ü"/>
-            </a:pPr>
-            <a:r>
-              <a:rPr lang="en-GB" dirty="0"/>
-              <a:t>FCPM completes functions of assessing the process of project.</a:t>
-            </a:r>
           </a:p>
           <a:p>
             <a:pPr marL="285750" lvl="0" indent="-285750">
@@ -29331,6 +29311,14 @@
 <file path=ppt/slides/slide7.xml><?xml version="1.0" encoding="utf-8"?>
 <p:sld xmlns:a="http://schemas.openxmlformats.org/drawingml/2006/main" xmlns:r="http://schemas.openxmlformats.org/officeDocument/2006/relationships" xmlns:p="http://schemas.openxmlformats.org/presentationml/2006/main">
   <p:cSld>
+    <p:bg>
+      <p:bgPr>
+        <a:solidFill>
+          <a:schemeClr val="bg1"/>
+        </a:solidFill>
+        <a:effectLst/>
+      </p:bgPr>
+    </p:bg>
     <p:spTree>
       <p:nvGrpSpPr>
         <p:cNvPr id="1" name=""/>
@@ -29345,51 +29333,66 @@
           <a:chExt cx="0" cy="0"/>
         </a:xfrm>
       </p:grpSpPr>
-      <p:pic>
-        <p:nvPicPr>
-          <p:cNvPr id="1026" name="Picture 2" descr="Kỹ thuật sáng tạo nhóm: Quản lý những tình huống thu thập yêu cầu">
+      <p:sp useBgFill="1">
+        <p:nvSpPr>
+          <p:cNvPr id="8" name="Rectangle 7">
             <a:extLst>
               <a:ext uri="{FF2B5EF4-FFF2-40B4-BE49-F238E27FC236}">
-                <a16:creationId xmlns:a16="http://schemas.microsoft.com/office/drawing/2014/main" id="{15014BA8-4CDC-4091-8519-B92BF577EFC3}"/>
+                <a16:creationId xmlns:a16="http://schemas.microsoft.com/office/drawing/2014/main" id="{854DEE1C-7FD6-4FA0-A96A-BDF952F199AB}"/>
+              </a:ext>
+              <a:ext uri="{C183D7F6-B498-43B3-948B-1728B52AA6E4}">
+                <adec:decorative xmlns:adec="http://schemas.microsoft.com/office/drawing/2017/decorative" val="1"/>
               </a:ext>
             </a:extLst>
           </p:cNvPr>
-          <p:cNvPicPr>
-            <a:picLocks noChangeAspect="1" noChangeArrowheads="1"/>
-          </p:cNvPicPr>
-          <p:nvPr/>
-        </p:nvPicPr>
-        <p:blipFill rotWithShape="1">
-          <a:blip r:embed="rId2">
-            <a:extLst>
-              <a:ext uri="{28A0092B-C50C-407E-A947-70E740481C1C}">
-                <a14:useLocalDpi xmlns:a14="http://schemas.microsoft.com/office/drawing/2010/main" val="0"/>
-              </a:ext>
-            </a:extLst>
-          </a:blip>
-          <a:srcRect l="4889" r="1" b="1"/>
-          <a:stretch/>
-        </p:blipFill>
-        <p:spPr bwMode="auto">
+          <p:cNvSpPr>
+            <a:spLocks noGrp="1" noRot="1" noChangeAspect="1" noMove="1" noResize="1" noEditPoints="1" noAdjustHandles="1" noChangeArrowheads="1" noChangeShapeType="1" noTextEdit="1"/>
+          </p:cNvSpPr>
+          <p:nvPr>
+            <p:extLst>
+              <p:ext uri="{386F3935-93C4-4BCD-93E2-E3B085C9AB24}">
+                <p16:designElem xmlns:p16="http://schemas.microsoft.com/office/powerpoint/2015/main" val="1"/>
+              </p:ext>
+            </p:extLst>
+          </p:nvPr>
+        </p:nvSpPr>
+        <p:spPr>
           <a:xfrm>
-            <a:off x="20" y="10"/>
-            <a:ext cx="12191980" cy="6857990"/>
+            <a:off x="0" y="0"/>
+            <a:ext cx="12188952" cy="6858000"/>
           </a:xfrm>
           <a:prstGeom prst="rect">
             <a:avLst/>
           </a:prstGeom>
-          <a:noFill/>
-          <a:extLst>
-            <a:ext uri="{909E8E84-426E-40DD-AFC4-6F175D3DCCD1}">
-              <a14:hiddenFill xmlns:a14="http://schemas.microsoft.com/office/drawing/2010/main">
-                <a:solidFill>
-                  <a:srgbClr val="FFFFFF"/>
-                </a:solidFill>
-              </a14:hiddenFill>
-            </a:ext>
-          </a:extLst>
+          <a:ln>
+            <a:noFill/>
+          </a:ln>
         </p:spPr>
-      </p:pic>
+        <p:style>
+          <a:lnRef idx="2">
+            <a:schemeClr val="accent1">
+              <a:shade val="50000"/>
+            </a:schemeClr>
+          </a:lnRef>
+          <a:fillRef idx="1">
+            <a:schemeClr val="accent1"/>
+          </a:fillRef>
+          <a:effectRef idx="0">
+            <a:schemeClr val="accent1"/>
+          </a:effectRef>
+          <a:fontRef idx="minor">
+            <a:schemeClr val="lt1"/>
+          </a:fontRef>
+        </p:style>
+        <p:txBody>
+          <a:bodyPr rtlCol="0" anchor="ctr"/>
+          <a:lstStyle/>
+          <a:p>
+            <a:pPr algn="ctr"/>
+            <a:endParaRPr lang="en-US" dirty="0"/>
+          </a:p>
+        </p:txBody>
+      </p:sp>
       <p:sp>
         <p:nvSpPr>
           <p:cNvPr id="2" name="Tiêu đề 1">
@@ -29408,25 +29411,25 @@
         </p:nvSpPr>
         <p:spPr>
           <a:xfrm>
-            <a:off x="438150" y="4300627"/>
-            <a:ext cx="9067800" cy="1298409"/>
+            <a:off x="1524000" y="4370227"/>
+            <a:ext cx="9144000" cy="1193138"/>
           </a:xfrm>
         </p:spPr>
         <p:txBody>
-          <a:bodyPr vert="horz" lIns="91440" tIns="45720" rIns="91440" bIns="45720" rtlCol="0" anchor="ctr">
+          <a:bodyPr vert="horz" lIns="91440" tIns="45720" rIns="91440" bIns="45720" rtlCol="0" anchor="b">
             <a:normAutofit/>
           </a:bodyPr>
           <a:lstStyle/>
           <a:p>
-            <a:pPr>
+            <a:pPr algn="ctr">
               <a:spcBef>
                 <a:spcPct val="0"/>
               </a:spcBef>
             </a:pPr>
             <a:r>
-              <a:rPr lang="en-US" dirty="0">
+              <a:rPr lang="en-US">
                 <a:solidFill>
-                  <a:srgbClr val="FFFFFF"/>
+                  <a:schemeClr val="tx1"/>
                 </a:solidFill>
                 <a:latin typeface="+mj-lt"/>
                 <a:ea typeface="+mj-ea"/>
@@ -29437,6 +29440,1225 @@
           </a:p>
         </p:txBody>
       </p:sp>
+      <p:pic>
+        <p:nvPicPr>
+          <p:cNvPr id="3" name="Picture 2" descr="Group Brainstorming – động não nhóm">
+            <a:extLst>
+              <a:ext uri="{FF2B5EF4-FFF2-40B4-BE49-F238E27FC236}">
+                <a16:creationId xmlns:a16="http://schemas.microsoft.com/office/drawing/2014/main" id="{8C3B4860-61F0-4630-8FBB-8ACF8F8ED8B4}"/>
+              </a:ext>
+            </a:extLst>
+          </p:cNvPr>
+          <p:cNvPicPr>
+            <a:picLocks noChangeAspect="1" noChangeArrowheads="1"/>
+          </p:cNvPicPr>
+          <p:nvPr/>
+        </p:nvPicPr>
+        <p:blipFill rotWithShape="1">
+          <a:blip r:embed="rId2">
+            <a:extLst>
+              <a:ext uri="{28A0092B-C50C-407E-A947-70E740481C1C}">
+                <a14:useLocalDpi xmlns:a14="http://schemas.microsoft.com/office/drawing/2010/main" val="0"/>
+              </a:ext>
+            </a:extLst>
+          </a:blip>
+          <a:srcRect l="4634" r="6732" b="2"/>
+          <a:stretch/>
+        </p:blipFill>
+        <p:spPr bwMode="auto">
+          <a:xfrm>
+            <a:off x="1690046" y="386205"/>
+            <a:ext cx="8903441" cy="3766876"/>
+          </a:xfrm>
+          <a:custGeom>
+            <a:avLst/>
+            <a:gdLst/>
+            <a:ahLst/>
+            <a:cxnLst/>
+            <a:rect l="l" t="t" r="r" b="b"/>
+            <a:pathLst>
+              <a:path w="8903441" h="3766876">
+                <a:moveTo>
+                  <a:pt x="8890380" y="1667288"/>
+                </a:moveTo>
+                <a:lnTo>
+                  <a:pt x="8895460" y="1677046"/>
+                </a:lnTo>
+                <a:cubicBezTo>
+                  <a:pt x="8905866" y="1703466"/>
+                  <a:pt x="8906717" y="1724063"/>
+                  <a:pt x="8894323" y="1729738"/>
+                </a:cubicBezTo>
+                <a:lnTo>
+                  <a:pt x="8891365" y="1729349"/>
+                </a:lnTo>
+                <a:lnTo>
+                  <a:pt x="8891421" y="1712412"/>
+                </a:lnTo>
+                <a:cubicBezTo>
+                  <a:pt x="8891337" y="1700170"/>
+                  <a:pt x="8891138" y="1688653"/>
+                  <a:pt x="8890856" y="1678595"/>
+                </a:cubicBezTo>
+                <a:close/>
+                <a:moveTo>
+                  <a:pt x="8888451" y="1641624"/>
+                </a:moveTo>
+                <a:cubicBezTo>
+                  <a:pt x="8888927" y="1642911"/>
+                  <a:pt x="8889388" y="1647125"/>
+                  <a:pt x="8889800" y="1653531"/>
+                </a:cubicBezTo>
+                <a:lnTo>
+                  <a:pt x="8890380" y="1667288"/>
+                </a:lnTo>
+                <a:lnTo>
+                  <a:pt x="8884645" y="1656272"/>
+                </a:lnTo>
+                <a:lnTo>
+                  <a:pt x="8886368" y="1643902"/>
+                </a:lnTo>
+                <a:cubicBezTo>
+                  <a:pt x="8887058" y="1640758"/>
+                  <a:pt x="8887743" y="1639762"/>
+                  <a:pt x="8888451" y="1641624"/>
+                </a:cubicBezTo>
+                <a:close/>
+                <a:moveTo>
+                  <a:pt x="999724" y="1241031"/>
+                </a:moveTo>
+                <a:cubicBezTo>
+                  <a:pt x="998379" y="1242269"/>
+                  <a:pt x="996554" y="1243547"/>
+                  <a:pt x="995210" y="1244785"/>
+                </a:cubicBezTo>
+                <a:cubicBezTo>
+                  <a:pt x="1005261" y="1248940"/>
+                  <a:pt x="1015746" y="1252497"/>
+                  <a:pt x="1025774" y="1256374"/>
+                </a:cubicBezTo>
+                <a:cubicBezTo>
+                  <a:pt x="1037480" y="1257305"/>
+                  <a:pt x="1049668" y="1258195"/>
+                  <a:pt x="1060894" y="1259168"/>
+                </a:cubicBezTo>
+                <a:cubicBezTo>
+                  <a:pt x="1040504" y="1253123"/>
+                  <a:pt x="1020115" y="1247076"/>
+                  <a:pt x="999724" y="1241031"/>
+                </a:cubicBezTo>
+                <a:close/>
+                <a:moveTo>
+                  <a:pt x="1319296" y="820371"/>
+                </a:moveTo>
+                <a:cubicBezTo>
+                  <a:pt x="1421680" y="872109"/>
+                  <a:pt x="1548101" y="905226"/>
+                  <a:pt x="1681342" y="933268"/>
+                </a:cubicBezTo>
+                <a:cubicBezTo>
+                  <a:pt x="1683167" y="931988"/>
+                  <a:pt x="1684512" y="930751"/>
+                  <a:pt x="1686338" y="929471"/>
+                </a:cubicBezTo>
+                <a:cubicBezTo>
+                  <a:pt x="1563998" y="893197"/>
+                  <a:pt x="1441635" y="856646"/>
+                  <a:pt x="1319296" y="820371"/>
+                </a:cubicBezTo>
+                <a:close/>
+                <a:moveTo>
+                  <a:pt x="7894848" y="858"/>
+                </a:moveTo>
+                <a:cubicBezTo>
+                  <a:pt x="7906700" y="3455"/>
+                  <a:pt x="7910528" y="8436"/>
+                  <a:pt x="7907341" y="16271"/>
+                </a:cubicBezTo>
+                <a:cubicBezTo>
+                  <a:pt x="7902882" y="26177"/>
+                  <a:pt x="7893520" y="35394"/>
+                  <a:pt x="7882642" y="43904"/>
+                </a:cubicBezTo>
+                <a:cubicBezTo>
+                  <a:pt x="7831903" y="83897"/>
+                  <a:pt x="7856047" y="94090"/>
+                  <a:pt x="7927648" y="93123"/>
+                </a:cubicBezTo>
+                <a:cubicBezTo>
+                  <a:pt x="7991511" y="92274"/>
+                  <a:pt x="8055318" y="85274"/>
+                  <a:pt x="8119655" y="78787"/>
+                </a:cubicBezTo>
+                <a:cubicBezTo>
+                  <a:pt x="8151329" y="75447"/>
+                  <a:pt x="8152942" y="77265"/>
+                  <a:pt x="8141786" y="93635"/>
+                </a:cubicBezTo>
+                <a:cubicBezTo>
+                  <a:pt x="8123815" y="120677"/>
+                  <a:pt x="8122595" y="145410"/>
+                  <a:pt x="8151055" y="166138"/>
+                </a:cubicBezTo>
+                <a:cubicBezTo>
+                  <a:pt x="8157767" y="170866"/>
+                  <a:pt x="8162605" y="176318"/>
+                  <a:pt x="8160811" y="183471"/>
+                </a:cubicBezTo>
+                <a:cubicBezTo>
+                  <a:pt x="8152723" y="212724"/>
+                  <a:pt x="8169841" y="236686"/>
+                  <a:pt x="8187466" y="260884"/>
+                </a:cubicBezTo>
+                <a:cubicBezTo>
+                  <a:pt x="8217175" y="301371"/>
+                  <a:pt x="8254836" y="338641"/>
+                  <a:pt x="8295790" y="374783"/>
+                </a:cubicBezTo>
+                <a:cubicBezTo>
+                  <a:pt x="8324664" y="400232"/>
+                  <a:pt x="8342922" y="431650"/>
+                  <a:pt x="8406170" y="440370"/>
+                </a:cubicBezTo>
+                <a:cubicBezTo>
+                  <a:pt x="8421364" y="442394"/>
+                  <a:pt x="8426373" y="449790"/>
+                  <a:pt x="8420903" y="459225"/>
+                </a:cubicBezTo>
+                <a:cubicBezTo>
+                  <a:pt x="8402820" y="490474"/>
+                  <a:pt x="8417534" y="514648"/>
+                  <a:pt x="8450800" y="534955"/>
+                </a:cubicBezTo>
+                <a:cubicBezTo>
+                  <a:pt x="8462563" y="542037"/>
+                  <a:pt x="8458146" y="546902"/>
+                  <a:pt x="8442097" y="551669"/>
+                </a:cubicBezTo>
+                <a:cubicBezTo>
+                  <a:pt x="8423667" y="556925"/>
+                  <a:pt x="8409328" y="564619"/>
+                  <a:pt x="8398067" y="574282"/>
+                </a:cubicBezTo>
+                <a:cubicBezTo>
+                  <a:pt x="8379577" y="589897"/>
+                  <a:pt x="8370872" y="606612"/>
+                  <a:pt x="8363634" y="623477"/>
+                </a:cubicBezTo>
+                <a:cubicBezTo>
+                  <a:pt x="8352394" y="649929"/>
+                  <a:pt x="8339133" y="675439"/>
+                  <a:pt x="8295388" y="695789"/>
+                </a:cubicBezTo>
+                <a:cubicBezTo>
+                  <a:pt x="8282368" y="701969"/>
+                  <a:pt x="8271923" y="709882"/>
+                  <a:pt x="8260972" y="717559"/>
+                </a:cubicBezTo>
+                <a:cubicBezTo>
+                  <a:pt x="8264466" y="724248"/>
+                  <a:pt x="8273101" y="728807"/>
+                  <a:pt x="8289132" y="729358"/>
+                </a:cubicBezTo>
+                <a:cubicBezTo>
+                  <a:pt x="8391169" y="732995"/>
+                  <a:pt x="8386647" y="769770"/>
+                  <a:pt x="8387346" y="810845"/>
+                </a:cubicBezTo>
+                <a:cubicBezTo>
+                  <a:pt x="8388418" y="861681"/>
+                  <a:pt x="8330862" y="890238"/>
+                  <a:pt x="8259532" y="916368"/>
+                </a:cubicBezTo>
+                <a:cubicBezTo>
+                  <a:pt x="8235122" y="925226"/>
+                  <a:pt x="8199529" y="928071"/>
+                  <a:pt x="8191769" y="950020"/>
+                </a:cubicBezTo>
+                <a:cubicBezTo>
+                  <a:pt x="8234379" y="966427"/>
+                  <a:pt x="8282955" y="945934"/>
+                  <a:pt x="8327664" y="947606"/>
+                </a:cubicBezTo>
+                <a:cubicBezTo>
+                  <a:pt x="8364609" y="949119"/>
+                  <a:pt x="8424473" y="941347"/>
+                  <a:pt x="8378206" y="982626"/>
+                </a:cubicBezTo>
+                <a:cubicBezTo>
+                  <a:pt x="8364736" y="994722"/>
+                  <a:pt x="8382242" y="1001021"/>
+                  <a:pt x="8400605" y="1000529"/>
+                </a:cubicBezTo>
+                <a:cubicBezTo>
+                  <a:pt x="8549357" y="995586"/>
+                  <a:pt x="8487684" y="1076555"/>
+                  <a:pt x="8538706" y="1111533"/>
+                </a:cubicBezTo>
+                <a:cubicBezTo>
+                  <a:pt x="8553092" y="1120905"/>
+                  <a:pt x="8540810" y="1141011"/>
+                  <a:pt x="8520556" y="1147547"/>
+                </a:cubicBezTo>
+                <a:cubicBezTo>
+                  <a:pt x="8392015" y="1189611"/>
+                  <a:pt x="8380569" y="1263373"/>
+                  <a:pt x="8322605" y="1331423"/>
+                </a:cubicBezTo>
+                <a:cubicBezTo>
+                  <a:pt x="8393509" y="1350105"/>
+                  <a:pt x="8476647" y="1348124"/>
+                  <a:pt x="8552563" y="1357692"/>
+                </a:cubicBezTo>
+                <a:cubicBezTo>
+                  <a:pt x="8631413" y="1367560"/>
+                  <a:pt x="8632510" y="1380057"/>
+                  <a:pt x="8572872" y="1434543"/>
+                </a:cubicBezTo>
+                <a:cubicBezTo>
+                  <a:pt x="8740108" y="1430496"/>
+                  <a:pt x="8740108" y="1430496"/>
+                  <a:pt x="8695911" y="1511890"/>
+                </a:cubicBezTo>
+                <a:cubicBezTo>
+                  <a:pt x="8766152" y="1509223"/>
+                  <a:pt x="8835070" y="1574251"/>
+                  <a:pt x="8873147" y="1634187"/>
+                </a:cubicBezTo>
+                <a:lnTo>
+                  <a:pt x="8884645" y="1656272"/>
+                </a:lnTo>
+                <a:lnTo>
+                  <a:pt x="8884254" y="1659075"/>
+                </a:lnTo>
+                <a:cubicBezTo>
+                  <a:pt x="8882795" y="1672543"/>
+                  <a:pt x="8881198" y="1691773"/>
+                  <a:pt x="8879232" y="1711097"/>
+                </a:cubicBezTo>
+                <a:lnTo>
+                  <a:pt x="8877347" y="1727504"/>
+                </a:lnTo>
+                <a:lnTo>
+                  <a:pt x="8865337" y="1725923"/>
+                </a:lnTo>
+                <a:cubicBezTo>
+                  <a:pt x="8855639" y="1721668"/>
+                  <a:pt x="8848716" y="1720054"/>
+                  <a:pt x="8843722" y="1720152"/>
+                </a:cubicBezTo>
+                <a:cubicBezTo>
+                  <a:pt x="8828739" y="1720444"/>
+                  <a:pt x="8831115" y="1736133"/>
+                  <a:pt x="8828004" y="1742073"/>
+                </a:cubicBezTo>
+                <a:cubicBezTo>
+                  <a:pt x="8817547" y="1760900"/>
+                  <a:pt x="8843589" y="1770647"/>
+                  <a:pt x="8861127" y="1782820"/>
+                </a:cubicBezTo>
+                <a:cubicBezTo>
+                  <a:pt x="8867694" y="1787281"/>
+                  <a:pt x="8872382" y="1766445"/>
+                  <a:pt x="8875975" y="1739445"/>
+                </a:cubicBezTo>
+                <a:lnTo>
+                  <a:pt x="8877347" y="1727504"/>
+                </a:lnTo>
+                <a:lnTo>
+                  <a:pt x="8891365" y="1729349"/>
+                </a:lnTo>
+                <a:lnTo>
+                  <a:pt x="8891294" y="1750579"/>
+                </a:lnTo>
+                <a:cubicBezTo>
+                  <a:pt x="8890576" y="1802412"/>
+                  <a:pt x="8887485" y="1854103"/>
+                  <a:pt x="8879895" y="1858687"/>
+                </a:cubicBezTo>
+                <a:cubicBezTo>
+                  <a:pt x="8799411" y="1907447"/>
+                  <a:pt x="8858072" y="1996322"/>
+                  <a:pt x="8700018" y="2022228"/>
+                </a:cubicBezTo>
+                <a:cubicBezTo>
+                  <a:pt x="8628887" y="2034069"/>
+                  <a:pt x="8597252" y="2070985"/>
+                  <a:pt x="8546517" y="2094468"/>
+                </a:cubicBezTo>
+                <a:cubicBezTo>
+                  <a:pt x="8369592" y="2175758"/>
+                  <a:pt x="8254890" y="2270617"/>
+                  <a:pt x="8208310" y="2391116"/>
+                </a:cubicBezTo>
+                <a:cubicBezTo>
+                  <a:pt x="8195251" y="2424444"/>
+                  <a:pt x="8137916" y="2455501"/>
+                  <a:pt x="8101924" y="2486924"/>
+                </a:cubicBezTo>
+                <a:cubicBezTo>
+                  <a:pt x="8122498" y="2506105"/>
+                  <a:pt x="8219539" y="2452814"/>
+                  <a:pt x="8188722" y="2510086"/>
+                </a:cubicBezTo>
+                <a:cubicBezTo>
+                  <a:pt x="8165388" y="2553270"/>
+                  <a:pt x="8098391" y="2584616"/>
+                  <a:pt x="8035596" y="2614194"/>
+                </a:cubicBezTo>
+                <a:cubicBezTo>
+                  <a:pt x="7963481" y="2647947"/>
+                  <a:pt x="7883214" y="2677100"/>
+                  <a:pt x="7854509" y="2730830"/>
+                </a:cubicBezTo>
+                <a:cubicBezTo>
+                  <a:pt x="7848249" y="2742293"/>
+                  <a:pt x="6341566" y="3671513"/>
+                  <a:pt x="4141410" y="3763614"/>
+                </a:cubicBezTo>
+                <a:cubicBezTo>
+                  <a:pt x="3781875" y="3778662"/>
+                  <a:pt x="2353277" y="3737838"/>
+                  <a:pt x="2161737" y="3718831"/>
+                </a:cubicBezTo>
+                <a:cubicBezTo>
+                  <a:pt x="1964811" y="3699179"/>
+                  <a:pt x="1793107" y="3646810"/>
+                  <a:pt x="1591600" y="3635674"/>
+                </a:cubicBezTo>
+                <a:cubicBezTo>
+                  <a:pt x="1485018" y="3629919"/>
+                  <a:pt x="1381185" y="3611329"/>
+                  <a:pt x="1390654" y="3531585"/>
+                </a:cubicBezTo>
+                <a:cubicBezTo>
+                  <a:pt x="1393510" y="3508948"/>
+                  <a:pt x="1364047" y="3493344"/>
+                  <a:pt x="1320867" y="3503571"/>
+                </a:cubicBezTo>
+                <a:cubicBezTo>
+                  <a:pt x="1239265" y="3523046"/>
+                  <a:pt x="1198946" y="3494124"/>
+                  <a:pt x="1150681" y="3474015"/>
+                </a:cubicBezTo>
+                <a:cubicBezTo>
+                  <a:pt x="1065213" y="3438422"/>
+                  <a:pt x="982868" y="3399757"/>
+                  <a:pt x="851974" y="3403971"/>
+                </a:cubicBezTo>
+                <a:cubicBezTo>
+                  <a:pt x="873994" y="3367898"/>
+                  <a:pt x="917237" y="3369420"/>
+                  <a:pt x="956780" y="3372944"/>
+                </a:cubicBezTo>
+                <a:cubicBezTo>
+                  <a:pt x="1061276" y="3382521"/>
+                  <a:pt x="1164043" y="3394488"/>
+                  <a:pt x="1268515" y="3403788"/>
+                </a:cubicBezTo>
+                <a:cubicBezTo>
+                  <a:pt x="1336376" y="3409863"/>
+                  <a:pt x="1404651" y="3420660"/>
+                  <a:pt x="1492884" y="3399484"/>
+                </a:cubicBezTo>
+                <a:cubicBezTo>
+                  <a:pt x="1410006" y="3338199"/>
+                  <a:pt x="1277736" y="3337777"/>
+                  <a:pt x="1169657" y="3325996"/>
+                </a:cubicBezTo>
+                <a:cubicBezTo>
+                  <a:pt x="1034677" y="3311259"/>
+                  <a:pt x="951965" y="3268429"/>
+                  <a:pt x="853866" y="3221353"/>
+                </a:cubicBezTo>
+                <a:cubicBezTo>
+                  <a:pt x="950752" y="3199416"/>
+                  <a:pt x="1014418" y="3234964"/>
+                  <a:pt x="1090648" y="3226034"/>
+                </a:cubicBezTo>
+                <a:cubicBezTo>
+                  <a:pt x="1094340" y="3218434"/>
+                  <a:pt x="1100169" y="3207568"/>
+                  <a:pt x="1099183" y="3207375"/>
+                </a:cubicBezTo>
+                <a:cubicBezTo>
+                  <a:pt x="971072" y="3188118"/>
+                  <a:pt x="907890" y="3136018"/>
+                  <a:pt x="882137" y="3068880"/>
+                </a:cubicBezTo>
+                <a:cubicBezTo>
+                  <a:pt x="868924" y="3034221"/>
+                  <a:pt x="822286" y="3027121"/>
+                  <a:pt x="776145" y="3014660"/>
+                </a:cubicBezTo>
+                <a:cubicBezTo>
+                  <a:pt x="613874" y="2970419"/>
+                  <a:pt x="443486" y="2933046"/>
+                  <a:pt x="307191" y="2864697"/>
+                </a:cubicBezTo>
+                <a:cubicBezTo>
+                  <a:pt x="457123" y="2862170"/>
+                  <a:pt x="581367" y="2903594"/>
+                  <a:pt x="743379" y="2911759"/>
+                </a:cubicBezTo>
+                <a:cubicBezTo>
+                  <a:pt x="608349" y="2835743"/>
+                  <a:pt x="439124" y="2806104"/>
+                  <a:pt x="284020" y="2766269"/>
+                </a:cubicBezTo>
+                <a:cubicBezTo>
+                  <a:pt x="213164" y="2748143"/>
+                  <a:pt x="147010" y="2722889"/>
+                  <a:pt x="63190" y="2717094"/>
+                </a:cubicBezTo>
+                <a:cubicBezTo>
+                  <a:pt x="33455" y="2714947"/>
+                  <a:pt x="-16425" y="2709531"/>
+                  <a:pt x="5340" y="2681595"/>
+                </a:cubicBezTo>
+                <a:cubicBezTo>
+                  <a:pt x="23652" y="2658441"/>
+                  <a:pt x="63627" y="2661368"/>
+                  <a:pt x="100237" y="2664591"/>
+                </a:cubicBezTo>
+                <a:cubicBezTo>
+                  <a:pt x="188123" y="2672547"/>
+                  <a:pt x="277551" y="2664977"/>
+                  <a:pt x="394328" y="2654447"/>
+                </a:cubicBezTo>
+                <a:cubicBezTo>
+                  <a:pt x="290057" y="2592242"/>
+                  <a:pt x="112140" y="2629127"/>
+                  <a:pt x="21491" y="2562088"/>
+                </a:cubicBezTo>
+                <a:cubicBezTo>
+                  <a:pt x="125636" y="2540073"/>
+                  <a:pt x="208727" y="2559644"/>
+                  <a:pt x="294268" y="2557453"/>
+                </a:cubicBezTo>
+                <a:cubicBezTo>
+                  <a:pt x="371589" y="2555423"/>
+                  <a:pt x="389695" y="2540961"/>
+                  <a:pt x="367847" y="2501743"/>
+                </a:cubicBezTo>
+                <a:cubicBezTo>
+                  <a:pt x="333905" y="2440640"/>
+                  <a:pt x="373328" y="2404160"/>
+                  <a:pt x="486858" y="2411824"/>
+                </a:cubicBezTo>
+                <a:cubicBezTo>
+                  <a:pt x="592120" y="2419095"/>
+                  <a:pt x="600599" y="2394285"/>
+                  <a:pt x="570008" y="2360312"/>
+                </a:cubicBezTo>
+                <a:cubicBezTo>
+                  <a:pt x="525457" y="2310774"/>
+                  <a:pt x="567057" y="2265987"/>
+                  <a:pt x="594400" y="2218813"/>
+                </a:cubicBezTo>
+                <a:cubicBezTo>
+                  <a:pt x="635581" y="2147198"/>
+                  <a:pt x="612469" y="2115647"/>
+                  <a:pt x="505675" y="2074370"/>
+                </a:cubicBezTo>
+                <a:cubicBezTo>
+                  <a:pt x="445534" y="2051386"/>
+                  <a:pt x="381431" y="2032947"/>
+                  <a:pt x="295650" y="2015851"/>
+                </a:cubicBezTo>
+                <a:cubicBezTo>
+                  <a:pt x="487251" y="1985881"/>
+                  <a:pt x="281423" y="1958614"/>
+                  <a:pt x="346760" y="1924896"/>
+                </a:cubicBezTo>
+                <a:cubicBezTo>
+                  <a:pt x="481788" y="1901571"/>
+                  <a:pt x="600623" y="1980687"/>
+                  <a:pt x="783461" y="1939173"/>
+                </a:cubicBezTo>
+                <a:cubicBezTo>
+                  <a:pt x="547912" y="1882335"/>
+                  <a:pt x="287006" y="1807013"/>
+                  <a:pt x="112183" y="1719100"/>
+                </a:cubicBezTo>
+                <a:cubicBezTo>
+                  <a:pt x="148588" y="1692398"/>
+                  <a:pt x="188462" y="1710725"/>
+                  <a:pt x="219936" y="1699568"/>
+                </a:cubicBezTo>
+                <a:cubicBezTo>
+                  <a:pt x="218006" y="1694140"/>
+                  <a:pt x="220184" y="1685834"/>
+                  <a:pt x="214196" y="1683841"/>
+                </a:cubicBezTo>
+                <a:cubicBezTo>
+                  <a:pt x="85284" y="1638910"/>
+                  <a:pt x="83720" y="1637648"/>
+                  <a:pt x="212296" y="1584947"/>
+                </a:cubicBezTo>
+                <a:cubicBezTo>
+                  <a:pt x="257172" y="1566456"/>
+                  <a:pt x="252206" y="1554019"/>
+                  <a:pt x="226108" y="1538121"/>
+                </a:cubicBezTo>
+                <a:cubicBezTo>
+                  <a:pt x="207682" y="1526866"/>
+                  <a:pt x="185078" y="1517656"/>
+                  <a:pt x="192710" y="1488723"/>
+                </a:cubicBezTo>
+                <a:cubicBezTo>
+                  <a:pt x="268435" y="1518175"/>
+                  <a:pt x="624154" y="1547955"/>
+                  <a:pt x="685843" y="1538903"/>
+                </a:cubicBezTo>
+                <a:cubicBezTo>
+                  <a:pt x="755173" y="1528619"/>
+                  <a:pt x="994201" y="1520231"/>
+                  <a:pt x="1067153" y="1523622"/>
+                </a:cubicBezTo>
+                <a:cubicBezTo>
+                  <a:pt x="1063138" y="1522015"/>
+                  <a:pt x="1059122" y="1520410"/>
+                  <a:pt x="1055106" y="1518803"/>
+                </a:cubicBezTo>
+                <a:cubicBezTo>
+                  <a:pt x="983007" y="1486514"/>
+                  <a:pt x="909946" y="1454310"/>
+                  <a:pt x="864245" y="1408231"/>
+                </a:cubicBezTo>
+                <a:cubicBezTo>
+                  <a:pt x="862153" y="1406456"/>
+                  <a:pt x="861045" y="1404874"/>
+                  <a:pt x="856768" y="1405809"/>
+                </a:cubicBezTo>
+                <a:cubicBezTo>
+                  <a:pt x="819307" y="1414974"/>
+                  <a:pt x="822846" y="1400112"/>
+                  <a:pt x="821342" y="1388491"/>
+                </a:cubicBezTo>
+                <a:cubicBezTo>
+                  <a:pt x="819813" y="1376592"/>
+                  <a:pt x="812736" y="1367699"/>
+                  <a:pt x="784954" y="1371257"/>
+                </a:cubicBezTo>
+                <a:cubicBezTo>
+                  <a:pt x="783512" y="1371384"/>
+                  <a:pt x="781566" y="1371274"/>
+                  <a:pt x="779619" y="1371165"/>
+                </a:cubicBezTo>
+                <a:cubicBezTo>
+                  <a:pt x="766469" y="1370361"/>
+                  <a:pt x="722835" y="1342290"/>
+                  <a:pt x="728571" y="1335910"/>
+                </a:cubicBezTo>
+                <a:cubicBezTo>
+                  <a:pt x="741389" y="1321912"/>
+                  <a:pt x="726409" y="1316791"/>
+                  <a:pt x="713734" y="1310348"/>
+                </a:cubicBezTo>
+                <a:cubicBezTo>
+                  <a:pt x="696009" y="1301550"/>
+                  <a:pt x="678333" y="1293308"/>
+                  <a:pt x="659695" y="1285149"/>
+                </a:cubicBezTo>
+                <a:cubicBezTo>
+                  <a:pt x="641562" y="1277227"/>
+                  <a:pt x="622997" y="1269901"/>
+                  <a:pt x="604409" y="1262299"/>
+                </a:cubicBezTo>
+                <a:cubicBezTo>
+                  <a:pt x="561305" y="1256847"/>
+                  <a:pt x="517819" y="1252549"/>
+                  <a:pt x="472556" y="1250086"/>
+                </a:cubicBezTo>
+                <a:cubicBezTo>
+                  <a:pt x="438951" y="1247999"/>
+                  <a:pt x="401379" y="1244860"/>
+                  <a:pt x="382690" y="1214040"/>
+                </a:cubicBezTo>
+                <a:cubicBezTo>
+                  <a:pt x="418096" y="1214570"/>
+                  <a:pt x="453575" y="1215933"/>
+                  <a:pt x="489053" y="1217296"/>
+                </a:cubicBezTo>
+                <a:cubicBezTo>
+                  <a:pt x="454954" y="1204059"/>
+                  <a:pt x="421816" y="1190737"/>
+                  <a:pt x="390047" y="1176456"/>
+                </a:cubicBezTo>
+                <a:cubicBezTo>
+                  <a:pt x="363810" y="1164487"/>
+                  <a:pt x="342232" y="1150431"/>
+                  <a:pt x="333292" y="1131347"/>
+                </a:cubicBezTo>
+                <a:cubicBezTo>
+                  <a:pt x="330930" y="1126518"/>
+                  <a:pt x="329025" y="1121368"/>
+                  <a:pt x="337841" y="1116956"/>
+                </a:cubicBezTo>
+                <a:cubicBezTo>
+                  <a:pt x="347569" y="1111905"/>
+                  <a:pt x="355552" y="1114562"/>
+                  <a:pt x="363031" y="1116984"/>
+                </a:cubicBezTo>
+                <a:cubicBezTo>
+                  <a:pt x="393929" y="1126864"/>
+                  <a:pt x="425283" y="1136425"/>
+                  <a:pt x="455724" y="1146625"/>
+                </a:cubicBezTo>
+                <a:cubicBezTo>
+                  <a:pt x="496146" y="1160147"/>
+                  <a:pt x="536111" y="1173989"/>
+                  <a:pt x="576050" y="1187553"/>
+                </a:cubicBezTo>
+                <a:cubicBezTo>
+                  <a:pt x="519650" y="1157524"/>
+                  <a:pt x="457798" y="1131612"/>
+                  <a:pt x="391358" y="1108621"/>
+                </a:cubicBezTo>
+                <a:cubicBezTo>
+                  <a:pt x="343386" y="1091844"/>
+                  <a:pt x="295414" y="1075067"/>
+                  <a:pt x="258466" y="1051446"/>
+                </a:cubicBezTo>
+                <a:cubicBezTo>
+                  <a:pt x="239512" y="1039678"/>
+                  <a:pt x="230024" y="1025400"/>
+                  <a:pt x="227119" y="1008864"/>
+                </a:cubicBezTo>
+                <a:cubicBezTo>
+                  <a:pt x="226729" y="1004421"/>
+                  <a:pt x="227253" y="999338"/>
+                  <a:pt x="237176" y="996508"/>
+                </a:cubicBezTo>
+                <a:cubicBezTo>
+                  <a:pt x="247123" y="993956"/>
+                  <a:pt x="253208" y="997060"/>
+                  <a:pt x="257395" y="1000610"/>
+                </a:cubicBezTo>
+                <a:cubicBezTo>
+                  <a:pt x="262111" y="1004674"/>
+                  <a:pt x="267716" y="1007820"/>
+                  <a:pt x="275649" y="1009921"/>
+                </a:cubicBezTo>
+                <a:cubicBezTo>
+                  <a:pt x="345186" y="1029563"/>
+                  <a:pt x="406508" y="1054962"/>
+                  <a:pt x="469199" y="1079402"/>
+                </a:cubicBezTo>
+                <a:cubicBezTo>
+                  <a:pt x="558968" y="1114336"/>
+                  <a:pt x="647368" y="1150231"/>
+                  <a:pt x="753033" y="1173138"/>
+                </a:cubicBezTo>
+                <a:cubicBezTo>
+                  <a:pt x="793015" y="1181661"/>
+                  <a:pt x="834292" y="1188391"/>
+                  <a:pt x="865682" y="1187316"/>
+                </a:cubicBezTo>
+                <a:cubicBezTo>
+                  <a:pt x="750261" y="1147076"/>
+                  <a:pt x="641375" y="1104025"/>
+                  <a:pt x="543487" y="1053852"/>
+                </a:cubicBezTo>
+                <a:cubicBezTo>
+                  <a:pt x="444589" y="1003208"/>
+                  <a:pt x="357848" y="947579"/>
+                  <a:pt x="295297" y="880592"/>
+                </a:cubicBezTo>
+                <a:cubicBezTo>
+                  <a:pt x="288871" y="873601"/>
+                  <a:pt x="284873" y="866676"/>
+                  <a:pt x="264758" y="869281"/>
+                </a:cubicBezTo>
+                <a:cubicBezTo>
+                  <a:pt x="255650" y="870360"/>
+                  <a:pt x="252375" y="866170"/>
+                  <a:pt x="254388" y="861516"/>
+                </a:cubicBezTo>
+                <a:cubicBezTo>
+                  <a:pt x="266992" y="828509"/>
+                  <a:pt x="236853" y="810726"/>
+                  <a:pt x="190786" y="799099"/>
+                </a:cubicBezTo>
+                <a:cubicBezTo>
+                  <a:pt x="176408" y="795324"/>
+                  <a:pt x="175031" y="790688"/>
+                  <a:pt x="184973" y="782539"/>
+                </a:cubicBezTo>
+                <a:cubicBezTo>
+                  <a:pt x="198516" y="771277"/>
+                  <a:pt x="196123" y="760574"/>
+                  <a:pt x="187530" y="750974"/>
+                </a:cubicBezTo>
+                <a:cubicBezTo>
+                  <a:pt x="182644" y="744967"/>
+                  <a:pt x="176339" y="739364"/>
+                  <a:pt x="170996" y="733676"/>
+                </a:cubicBezTo>
+                <a:cubicBezTo>
+                  <a:pt x="167290" y="730083"/>
+                  <a:pt x="161157" y="726424"/>
+                  <a:pt x="169444" y="721499"/>
+                </a:cubicBezTo>
+                <a:cubicBezTo>
+                  <a:pt x="177298" y="717172"/>
+                  <a:pt x="185665" y="718676"/>
+                  <a:pt x="193501" y="719668"/>
+                </a:cubicBezTo>
+                <a:cubicBezTo>
+                  <a:pt x="231170" y="723917"/>
+                  <a:pt x="254043" y="736181"/>
+                  <a:pt x="265436" y="755609"/>
+                </a:cubicBezTo>
+                <a:cubicBezTo>
+                  <a:pt x="273963" y="769971"/>
+                  <a:pt x="281726" y="770130"/>
+                  <a:pt x="302333" y="756567"/>
+                </a:cubicBezTo>
+                <a:cubicBezTo>
+                  <a:pt x="317894" y="746247"/>
+                  <a:pt x="332387" y="745814"/>
+                  <a:pt x="346481" y="751853"/>
+                </a:cubicBezTo>
+                <a:cubicBezTo>
+                  <a:pt x="354007" y="754830"/>
+                  <a:pt x="358771" y="759448"/>
+                  <a:pt x="364449" y="763428"/>
+                </a:cubicBezTo>
+                <a:cubicBezTo>
+                  <a:pt x="392910" y="784156"/>
+                  <a:pt x="422762" y="804202"/>
+                  <a:pt x="467363" y="815678"/>
+                </a:cubicBezTo>
+                <a:cubicBezTo>
+                  <a:pt x="487199" y="820933"/>
+                  <a:pt x="508355" y="824672"/>
+                  <a:pt x="537693" y="816781"/>
+                </a:cubicBezTo>
+                <a:cubicBezTo>
+                  <a:pt x="518386" y="812039"/>
+                  <a:pt x="499567" y="812852"/>
+                  <a:pt x="482019" y="811593"/>
+                </a:cubicBezTo>
+                <a:cubicBezTo>
+                  <a:pt x="464472" y="810335"/>
+                  <a:pt x="454949" y="806693"/>
+                  <a:pt x="467050" y="795557"/>
+                </a:cubicBezTo>
+                <a:cubicBezTo>
+                  <a:pt x="473772" y="789371"/>
+                  <a:pt x="472878" y="784693"/>
+                  <a:pt x="465734" y="780562"/>
+                </a:cubicBezTo>
+                <a:cubicBezTo>
+                  <a:pt x="442763" y="767188"/>
+                  <a:pt x="430336" y="747011"/>
+                  <a:pt x="384526" y="749353"/>
+                </a:cubicBezTo>
+                <a:cubicBezTo>
+                  <a:pt x="382123" y="749564"/>
+                  <a:pt x="379622" y="748664"/>
+                  <a:pt x="377146" y="748041"/>
+                </a:cubicBezTo>
+                <a:cubicBezTo>
+                  <a:pt x="367744" y="745789"/>
+                  <a:pt x="357358" y="743342"/>
+                  <a:pt x="360089" y="735827"/>
+                </a:cubicBezTo>
+                <a:cubicBezTo>
+                  <a:pt x="363301" y="728269"/>
+                  <a:pt x="375652" y="725506"/>
+                  <a:pt x="386634" y="723703"/>
+                </a:cubicBezTo>
+                <a:cubicBezTo>
+                  <a:pt x="414823" y="719269"/>
+                  <a:pt x="437543" y="724271"/>
+                  <a:pt x="459375" y="730191"/>
+                </a:cubicBezTo>
+                <a:cubicBezTo>
+                  <a:pt x="512487" y="744837"/>
+                  <a:pt x="556932" y="765561"/>
+                  <a:pt x="603200" y="785006"/>
+                </a:cubicBezTo>
+                <a:cubicBezTo>
+                  <a:pt x="672604" y="814173"/>
+                  <a:pt x="734250" y="848778"/>
+                  <a:pt x="810521" y="873425"/>
+                </a:cubicBezTo>
+                <a:cubicBezTo>
+                  <a:pt x="1037317" y="946423"/>
+                  <a:pt x="1260943" y="1021938"/>
+                  <a:pt x="1494102" y="1090180"/>
+                </a:cubicBezTo>
+                <a:cubicBezTo>
+                  <a:pt x="1580109" y="1115371"/>
+                  <a:pt x="1667892" y="1138728"/>
+                  <a:pt x="1756565" y="1161167"/>
+                </a:cubicBezTo>
+                <a:cubicBezTo>
+                  <a:pt x="1756899" y="1159458"/>
+                  <a:pt x="1757282" y="1158305"/>
+                  <a:pt x="1757592" y="1156319"/>
+                </a:cubicBezTo>
+                <a:cubicBezTo>
+                  <a:pt x="1757470" y="1154931"/>
+                  <a:pt x="1757324" y="1153264"/>
+                  <a:pt x="1757202" y="1151876"/>
+                </a:cubicBezTo>
+                <a:cubicBezTo>
+                  <a:pt x="1694452" y="1137796"/>
+                  <a:pt x="1632540" y="1122242"/>
+                  <a:pt x="1572453" y="1105409"/>
+                </a:cubicBezTo>
+                <a:cubicBezTo>
+                  <a:pt x="1424942" y="1063789"/>
+                  <a:pt x="1288864" y="1014450"/>
+                  <a:pt x="1171972" y="951953"/>
+                </a:cubicBezTo>
+                <a:cubicBezTo>
+                  <a:pt x="1162328" y="946924"/>
+                  <a:pt x="1152112" y="946421"/>
+                  <a:pt x="1137334" y="949118"/>
+                </a:cubicBezTo>
+                <a:cubicBezTo>
+                  <a:pt x="1089682" y="958058"/>
+                  <a:pt x="1074050" y="951035"/>
+                  <a:pt x="1081493" y="925476"/>
+                </a:cubicBezTo>
+                <a:cubicBezTo>
+                  <a:pt x="1083360" y="919155"/>
+                  <a:pt x="1083403" y="914115"/>
+                  <a:pt x="1074768" y="909555"/>
+                </a:cubicBezTo>
+                <a:cubicBezTo>
+                  <a:pt x="1036165" y="889158"/>
+                  <a:pt x="995714" y="869763"/>
+                  <a:pt x="952019" y="852050"/>
+                </a:cubicBezTo>
+                <a:cubicBezTo>
+                  <a:pt x="871170" y="819410"/>
+                  <a:pt x="784821" y="790332"/>
+                  <a:pt x="709017" y="754450"/>
+                </a:cubicBezTo>
+                <a:cubicBezTo>
+                  <a:pt x="686747" y="743533"/>
+                  <a:pt x="669617" y="730485"/>
+                  <a:pt x="659046" y="714902"/>
+                </a:cubicBezTo>
+                <a:cubicBezTo>
+                  <a:pt x="655674" y="709602"/>
+                  <a:pt x="653624" y="702786"/>
+                  <a:pt x="664793" y="697608"/>
+                </a:cubicBezTo>
+                <a:cubicBezTo>
+                  <a:pt x="675483" y="692472"/>
+                  <a:pt x="684069" y="696476"/>
+                  <a:pt x="692052" y="699133"/>
+                </a:cubicBezTo>
+                <a:cubicBezTo>
+                  <a:pt x="725451" y="709913"/>
+                  <a:pt x="759355" y="720929"/>
+                  <a:pt x="792779" y="731987"/>
+                </a:cubicBezTo>
+                <a:cubicBezTo>
+                  <a:pt x="826682" y="743003"/>
+                  <a:pt x="860155" y="754616"/>
+                  <a:pt x="895574" y="766338"/>
+                </a:cubicBezTo>
+                <a:cubicBezTo>
+                  <a:pt x="897416" y="759741"/>
+                  <a:pt x="890085" y="758985"/>
+                  <a:pt x="886044" y="757101"/>
+                </a:cubicBezTo>
+                <a:cubicBezTo>
+                  <a:pt x="828975" y="730489"/>
+                  <a:pt x="766861" y="707118"/>
+                  <a:pt x="702924" y="685027"/>
+                </a:cubicBezTo>
+                <a:cubicBezTo>
+                  <a:pt x="653460" y="667821"/>
+                  <a:pt x="605342" y="649378"/>
+                  <a:pt x="571540" y="622962"/>
+                </a:cubicBezTo>
+                <a:cubicBezTo>
+                  <a:pt x="558524" y="612632"/>
+                  <a:pt x="551227" y="601239"/>
+                  <a:pt x="552940" y="587657"/>
+                </a:cubicBezTo>
+                <a:cubicBezTo>
+                  <a:pt x="553537" y="583407"/>
+                  <a:pt x="554132" y="579157"/>
+                  <a:pt x="563623" y="576925"/>
+                </a:cubicBezTo>
+                <a:cubicBezTo>
+                  <a:pt x="571217" y="575139"/>
+                  <a:pt x="576243" y="577216"/>
+                  <a:pt x="580332" y="579656"/>
+                </a:cubicBezTo>
+                <a:cubicBezTo>
+                  <a:pt x="587500" y="584063"/>
+                  <a:pt x="594668" y="588471"/>
+                  <a:pt x="604623" y="591516"/>
+                </a:cubicBezTo>
+                <a:cubicBezTo>
+                  <a:pt x="664350" y="609779"/>
+                  <a:pt x="720426" y="630601"/>
+                  <a:pt x="775136" y="652383"/>
+                </a:cubicBezTo>
+                <a:cubicBezTo>
+                  <a:pt x="864952" y="687874"/>
+                  <a:pt x="953882" y="724283"/>
+                  <a:pt x="1057795" y="749301"/>
+                </a:cubicBezTo>
+                <a:cubicBezTo>
+                  <a:pt x="1096889" y="758742"/>
+                  <a:pt x="1137304" y="766668"/>
+                  <a:pt x="1183454" y="768213"/>
+                </a:cubicBezTo>
+                <a:cubicBezTo>
+                  <a:pt x="1181768" y="765563"/>
+                  <a:pt x="1178737" y="764150"/>
+                  <a:pt x="1175732" y="763015"/>
+                </a:cubicBezTo>
+                <a:cubicBezTo>
+                  <a:pt x="1075170" y="726508"/>
+                  <a:pt x="977850" y="688319"/>
+                  <a:pt x="888743" y="644370"/>
+                </a:cubicBezTo>
+                <a:cubicBezTo>
+                  <a:pt x="778881" y="590211"/>
+                  <a:pt x="683912" y="529148"/>
+                  <a:pt x="615490" y="455960"/>
+                </a:cubicBezTo>
+                <a:cubicBezTo>
+                  <a:pt x="612312" y="452882"/>
+                  <a:pt x="610122" y="449996"/>
+                  <a:pt x="602432" y="450671"/>
+                </a:cubicBezTo>
+                <a:cubicBezTo>
+                  <a:pt x="582748" y="452678"/>
+                  <a:pt x="580338" y="447293"/>
+                  <a:pt x="582418" y="437876"/>
+                </a:cubicBezTo>
+                <a:cubicBezTo>
+                  <a:pt x="588134" y="414707"/>
+                  <a:pt x="573498" y="396964"/>
+                  <a:pt x="539211" y="387101"/>
+                </a:cubicBezTo>
+                <a:cubicBezTo>
+                  <a:pt x="514350" y="379769"/>
+                  <a:pt x="493430" y="373210"/>
+                  <a:pt x="519748" y="352990"/>
+                </a:cubicBezTo>
+                <a:cubicBezTo>
+                  <a:pt x="526113" y="348234"/>
+                  <a:pt x="523173" y="342336"/>
+                  <a:pt x="520282" y="336993"/>
+                </a:cubicBezTo>
+                <a:cubicBezTo>
+                  <a:pt x="516186" y="328957"/>
+                  <a:pt x="507910" y="322968"/>
+                  <a:pt x="498650" y="316785"/>
+                </a:cubicBezTo>
+                <a:cubicBezTo>
+                  <a:pt x="493501" y="313319"/>
+                  <a:pt x="487271" y="308549"/>
+                  <a:pt x="493610" y="303515"/>
+                </a:cubicBezTo>
+                <a:cubicBezTo>
+                  <a:pt x="500838" y="297564"/>
+                  <a:pt x="511247" y="300288"/>
+                  <a:pt x="519565" y="301237"/>
+                </a:cubicBezTo>
+                <a:cubicBezTo>
+                  <a:pt x="557715" y="305444"/>
+                  <a:pt x="581118" y="318221"/>
+                  <a:pt x="592560" y="338204"/>
+                </a:cubicBezTo>
+                <a:cubicBezTo>
+                  <a:pt x="599979" y="350985"/>
+                  <a:pt x="609184" y="351016"/>
+                  <a:pt x="627076" y="339652"/>
+                </a:cubicBezTo>
+                <a:cubicBezTo>
+                  <a:pt x="647275" y="326965"/>
+                  <a:pt x="664147" y="326044"/>
+                  <a:pt x="679640" y="336997"/>
+                </a:cubicBezTo>
+                <a:cubicBezTo>
+                  <a:pt x="692054" y="345981"/>
+                  <a:pt x="702112" y="355732"/>
+                  <a:pt x="716352" y="363437"/>
+                </a:cubicBezTo>
+                <a:cubicBezTo>
+                  <a:pt x="754546" y="384710"/>
+                  <a:pt x="790508" y="408138"/>
+                  <a:pt x="869745" y="400343"/>
+                </a:cubicBezTo>
+                <a:cubicBezTo>
+                  <a:pt x="847718" y="392203"/>
+                  <a:pt x="825656" y="394699"/>
+                  <a:pt x="806641" y="393290"/>
+                </a:cubicBezTo>
+                <a:cubicBezTo>
+                  <a:pt x="792988" y="392249"/>
+                  <a:pt x="779165" y="389265"/>
+                  <a:pt x="791435" y="380072"/>
+                </a:cubicBezTo>
+                <a:cubicBezTo>
+                  <a:pt x="805532" y="369601"/>
+                  <a:pt x="796441" y="365362"/>
+                  <a:pt x="787709" y="359692"/>
+                </a:cubicBezTo>
+                <a:cubicBezTo>
+                  <a:pt x="767647" y="346342"/>
+                  <a:pt x="751260" y="330710"/>
+                  <a:pt x="711071" y="330880"/>
+                </a:cubicBezTo>
+                <a:cubicBezTo>
+                  <a:pt x="704773" y="330873"/>
+                  <a:pt x="699699" y="328240"/>
+                  <a:pt x="694722" y="326718"/>
+                </a:cubicBezTo>
+                <a:cubicBezTo>
+                  <a:pt x="687749" y="324532"/>
+                  <a:pt x="681713" y="321984"/>
+                  <a:pt x="684613" y="316412"/>
+                </a:cubicBezTo>
+                <a:cubicBezTo>
+                  <a:pt x="687565" y="311396"/>
+                  <a:pt x="694531" y="307986"/>
+                  <a:pt x="703615" y="306629"/>
+                </a:cubicBezTo>
+                <a:cubicBezTo>
+                  <a:pt x="711738" y="305356"/>
+                  <a:pt x="720365" y="304319"/>
+                  <a:pt x="728585" y="304157"/>
+                </a:cubicBezTo>
+                <a:cubicBezTo>
+                  <a:pt x="765287" y="302895"/>
+                  <a:pt x="791378" y="313197"/>
+                  <a:pt x="817397" y="322666"/>
+                </a:cubicBezTo>
+                <a:cubicBezTo>
+                  <a:pt x="908436" y="355531"/>
+                  <a:pt x="989341" y="394323"/>
+                  <a:pt x="1073943" y="431110"/>
+                </a:cubicBezTo>
+                <a:cubicBezTo>
+                  <a:pt x="1158521" y="467620"/>
+                  <a:pt x="1256741" y="493978"/>
+                  <a:pt x="1349484" y="524175"/>
+                </a:cubicBezTo>
+                <a:cubicBezTo>
+                  <a:pt x="1563417" y="594105"/>
+                  <a:pt x="1778287" y="663672"/>
+                  <a:pt x="2004921" y="723811"/>
+                </a:cubicBezTo>
+                <a:cubicBezTo>
+                  <a:pt x="2226580" y="782429"/>
+                  <a:pt x="2967159" y="809769"/>
+                  <a:pt x="3111348" y="808027"/>
+                </a:cubicBezTo>
+                <a:cubicBezTo>
+                  <a:pt x="3295676" y="805559"/>
+                  <a:pt x="3730204" y="773014"/>
+                  <a:pt x="4173417" y="745585"/>
+                </a:cubicBezTo>
+                <a:cubicBezTo>
+                  <a:pt x="4223504" y="742307"/>
+                  <a:pt x="4272653" y="739393"/>
+                  <a:pt x="4324760" y="737057"/>
+                </a:cubicBezTo>
+                <a:cubicBezTo>
+                  <a:pt x="5801059" y="670156"/>
+                  <a:pt x="6841344" y="326433"/>
+                  <a:pt x="6893789" y="305879"/>
+                </a:cubicBezTo>
+                <a:cubicBezTo>
+                  <a:pt x="6978091" y="273014"/>
+                  <a:pt x="7258655" y="208091"/>
+                  <a:pt x="7259184" y="208604"/>
+                </a:cubicBezTo>
+                <a:cubicBezTo>
+                  <a:pt x="7265440" y="213652"/>
+                  <a:pt x="7297274" y="217644"/>
+                  <a:pt x="7323059" y="220312"/>
+                </a:cubicBezTo>
+                <a:lnTo>
+                  <a:pt x="7347572" y="222730"/>
+                </a:lnTo>
+                <a:lnTo>
+                  <a:pt x="7350636" y="224083"/>
+                </a:lnTo>
+                <a:cubicBezTo>
+                  <a:pt x="7359607" y="224205"/>
+                  <a:pt x="7359159" y="223929"/>
+                  <a:pt x="7353245" y="223290"/>
+                </a:cubicBezTo>
+                <a:lnTo>
+                  <a:pt x="7347572" y="222730"/>
+                </a:lnTo>
+                <a:lnTo>
+                  <a:pt x="7342573" y="220523"/>
+                </a:lnTo>
+                <a:cubicBezTo>
+                  <a:pt x="7341302" y="218466"/>
+                  <a:pt x="7341191" y="215818"/>
+                  <a:pt x="7341465" y="213415"/>
+                </a:cubicBezTo>
+                <a:cubicBezTo>
+                  <a:pt x="7342771" y="200707"/>
+                  <a:pt x="7352468" y="189782"/>
+                  <a:pt x="7375606" y="182994"/>
+                </a:cubicBezTo>
+                <a:cubicBezTo>
+                  <a:pt x="7397808" y="176568"/>
+                  <a:pt x="7420538" y="170655"/>
+                  <a:pt x="7443270" y="164742"/>
+                </a:cubicBezTo>
+                <a:cubicBezTo>
+                  <a:pt x="7462204" y="159722"/>
+                  <a:pt x="7475181" y="158583"/>
+                  <a:pt x="7478299" y="172021"/>
+                </a:cubicBezTo>
+                <a:cubicBezTo>
+                  <a:pt x="7481416" y="185460"/>
+                  <a:pt x="7508389" y="189249"/>
+                  <a:pt x="7524024" y="179761"/>
+                </a:cubicBezTo>
+                <a:cubicBezTo>
+                  <a:pt x="7585174" y="142492"/>
+                  <a:pt x="7658615" y="112820"/>
+                  <a:pt x="7727944" y="80430"/>
+                </a:cubicBezTo>
+                <a:cubicBezTo>
+                  <a:pt x="7776349" y="57992"/>
+                  <a:pt x="7827303" y="37009"/>
+                  <a:pt x="7867024" y="9456"/>
+                </a:cubicBezTo>
+                <a:cubicBezTo>
+                  <a:pt x="7874326" y="4338"/>
+                  <a:pt x="7880999" y="-2404"/>
+                  <a:pt x="7894848" y="858"/>
+                </a:cubicBezTo>
+                <a:close/>
+              </a:path>
+            </a:pathLst>
+          </a:custGeom>
+          <a:noFill/>
+          <a:extLst>
+            <a:ext uri="{909E8E84-426E-40DD-AFC4-6F175D3DCCD1}">
+              <a14:hiddenFill xmlns:a14="http://schemas.microsoft.com/office/drawing/2010/main">
+                <a:solidFill>
+                  <a:srgbClr val="FFFFFF"/>
+                </a:solidFill>
+              </a14:hiddenFill>
+            </a:ext>
+          </a:extLst>
+        </p:spPr>
+      </p:pic>
     </p:spTree>
     <p:extLst>
       <p:ext uri="{BB962C8B-B14F-4D97-AF65-F5344CB8AC3E}">

--- a/FPTU CAPSTONE PROJECT MANAGEMENT.pptx
+++ b/FPTU CAPSTONE PROJECT MANAGEMENT.pptx
@@ -238,7 +238,7 @@
           <a:p>
             <a:fld id="{DCBFB330-9B87-44B9-B259-5B3A07C040DA}" type="datetimeFigureOut">
               <a:rPr lang="en-US" smtClean="0"/>
-              <a:t>12/29/2020</a:t>
+              <a:t>12/30/2020</a:t>
             </a:fld>
             <a:endParaRPr lang="en-US"/>
           </a:p>
@@ -2779,7 +2779,7 @@
           <a:p>
             <a:fld id="{9A42AFF7-2E7D-4AFD-BB96-F196EF83D0CF}" type="datetimeFigureOut">
               <a:rPr lang="en-US" smtClean="0"/>
-              <a:t>12/29/2020</a:t>
+              <a:t>12/30/2020</a:t>
             </a:fld>
             <a:endParaRPr lang="en-US"/>
           </a:p>
@@ -2947,7 +2947,7 @@
           <a:p>
             <a:fld id="{9A42AFF7-2E7D-4AFD-BB96-F196EF83D0CF}" type="datetimeFigureOut">
               <a:rPr lang="en-US" smtClean="0"/>
-              <a:t>12/29/2020</a:t>
+              <a:t>12/30/2020</a:t>
             </a:fld>
             <a:endParaRPr lang="en-US"/>
           </a:p>
@@ -3125,7 +3125,7 @@
           <a:p>
             <a:fld id="{9A42AFF7-2E7D-4AFD-BB96-F196EF83D0CF}" type="datetimeFigureOut">
               <a:rPr lang="en-US" smtClean="0"/>
-              <a:t>12/29/2020</a:t>
+              <a:t>12/30/2020</a:t>
             </a:fld>
             <a:endParaRPr lang="en-US"/>
           </a:p>
@@ -6966,7 +6966,7 @@
           <a:p>
             <a:fld id="{9A42AFF7-2E7D-4AFD-BB96-F196EF83D0CF}" type="datetimeFigureOut">
               <a:rPr lang="en-US" smtClean="0"/>
-              <a:t>12/29/2020</a:t>
+              <a:t>12/30/2020</a:t>
             </a:fld>
             <a:endParaRPr lang="en-US"/>
           </a:p>
@@ -7211,7 +7211,7 @@
           <a:p>
             <a:fld id="{9A42AFF7-2E7D-4AFD-BB96-F196EF83D0CF}" type="datetimeFigureOut">
               <a:rPr lang="en-US" smtClean="0"/>
-              <a:t>12/29/2020</a:t>
+              <a:t>12/30/2020</a:t>
             </a:fld>
             <a:endParaRPr lang="en-US"/>
           </a:p>
@@ -7440,7 +7440,7 @@
           <a:p>
             <a:fld id="{9A42AFF7-2E7D-4AFD-BB96-F196EF83D0CF}" type="datetimeFigureOut">
               <a:rPr lang="en-US" smtClean="0"/>
-              <a:t>12/29/2020</a:t>
+              <a:t>12/30/2020</a:t>
             </a:fld>
             <a:endParaRPr lang="en-US"/>
           </a:p>
@@ -7804,7 +7804,7 @@
           <a:p>
             <a:fld id="{9A42AFF7-2E7D-4AFD-BB96-F196EF83D0CF}" type="datetimeFigureOut">
               <a:rPr lang="en-US" smtClean="0"/>
-              <a:t>12/29/2020</a:t>
+              <a:t>12/30/2020</a:t>
             </a:fld>
             <a:endParaRPr lang="en-US"/>
           </a:p>
@@ -7921,7 +7921,7 @@
           <a:p>
             <a:fld id="{9A42AFF7-2E7D-4AFD-BB96-F196EF83D0CF}" type="datetimeFigureOut">
               <a:rPr lang="en-US" smtClean="0"/>
-              <a:t>12/29/2020</a:t>
+              <a:t>12/30/2020</a:t>
             </a:fld>
             <a:endParaRPr lang="en-US"/>
           </a:p>
@@ -8016,7 +8016,7 @@
           <a:p>
             <a:fld id="{9A42AFF7-2E7D-4AFD-BB96-F196EF83D0CF}" type="datetimeFigureOut">
               <a:rPr lang="en-US" smtClean="0"/>
-              <a:t>12/29/2020</a:t>
+              <a:t>12/30/2020</a:t>
             </a:fld>
             <a:endParaRPr lang="en-US"/>
           </a:p>
@@ -8291,7 +8291,7 @@
           <a:p>
             <a:fld id="{9A42AFF7-2E7D-4AFD-BB96-F196EF83D0CF}" type="datetimeFigureOut">
               <a:rPr lang="en-US" smtClean="0"/>
-              <a:t>12/29/2020</a:t>
+              <a:t>12/30/2020</a:t>
             </a:fld>
             <a:endParaRPr lang="en-US"/>
           </a:p>
@@ -8543,7 +8543,7 @@
           <a:p>
             <a:fld id="{9A42AFF7-2E7D-4AFD-BB96-F196EF83D0CF}" type="datetimeFigureOut">
               <a:rPr lang="en-US" smtClean="0"/>
-              <a:t>12/29/2020</a:t>
+              <a:t>12/30/2020</a:t>
             </a:fld>
             <a:endParaRPr lang="en-US"/>
           </a:p>
@@ -8754,7 +8754,7 @@
           <a:p>
             <a:fld id="{9A42AFF7-2E7D-4AFD-BB96-F196EF83D0CF}" type="datetimeFigureOut">
               <a:rPr lang="en-US" smtClean="0"/>
-              <a:t>12/29/2020</a:t>
+              <a:t>12/30/2020</a:t>
             </a:fld>
             <a:endParaRPr lang="en-US"/>
           </a:p>
@@ -19182,6 +19182,10 @@
             <a:br>
               <a:rPr lang="en-US" sz="4267" b="1" dirty="0"/>
             </a:br>
+            <a:r>
+              <a:rPr lang="en-US" sz="4267" b="1" dirty="0"/>
+              <a:t/>
+            </a:r>
             <a:br>
               <a:rPr lang="en-US" sz="4267" b="1" dirty="0"/>
             </a:br>
@@ -21223,35 +21227,32 @@
       </p:sp>
       <p:pic>
         <p:nvPicPr>
-          <p:cNvPr id="4" name="Picture 3" descr="D:\CapstoneProjectController.png"/>
-          <p:cNvPicPr/>
+          <p:cNvPr id="3" name="Picture 2"/>
+          <p:cNvPicPr>
+            <a:picLocks noChangeAspect="1"/>
+          </p:cNvPicPr>
           <p:nvPr/>
         </p:nvPicPr>
         <p:blipFill>
-          <a:blip r:embed="rId2" cstate="print">
+          <a:blip r:embed="rId2">
             <a:extLst>
               <a:ext uri="{28A0092B-C50C-407E-A947-70E740481C1C}">
                 <a14:useLocalDpi xmlns:a14="http://schemas.microsoft.com/office/drawing/2010/main" val="0"/>
               </a:ext>
             </a:extLst>
           </a:blip>
-          <a:srcRect/>
           <a:stretch>
             <a:fillRect/>
           </a:stretch>
         </p:blipFill>
-        <p:spPr bwMode="auto">
+        <p:spPr>
           <a:xfrm>
-            <a:off x="4180114" y="507845"/>
-            <a:ext cx="7444233" cy="5562029"/>
+            <a:off x="4217354" y="297180"/>
+            <a:ext cx="7151260" cy="5250180"/>
           </a:xfrm>
           <a:prstGeom prst="rect">
             <a:avLst/>
           </a:prstGeom>
-          <a:noFill/>
-          <a:ln>
-            <a:noFill/>
-          </a:ln>
         </p:spPr>
       </p:pic>
     </p:spTree>
@@ -29341,7 +29342,7 @@
                 <a16:creationId xmlns:a16="http://schemas.microsoft.com/office/drawing/2014/main" id="{854DEE1C-7FD6-4FA0-A96A-BDF952F199AB}"/>
               </a:ext>
               <a:ext uri="{C183D7F6-B498-43B3-948B-1728B52AA6E4}">
-                <adec:decorative xmlns:adec="http://schemas.microsoft.com/office/drawing/2017/decorative" val="1"/>
+                <adec:decorative xmlns:adec="http://schemas.microsoft.com/office/drawing/2017/decorative" xmlns="" val="1"/>
               </a:ext>
             </a:extLst>
           </p:cNvPr>

--- a/FPTU CAPSTONE PROJECT MANAGEMENT.pptx
+++ b/FPTU CAPSTONE PROJECT MANAGEMENT.pptx
@@ -21247,8 +21247,8 @@
         </p:blipFill>
         <p:spPr>
           <a:xfrm>
-            <a:off x="4217354" y="297180"/>
-            <a:ext cx="7151260" cy="5250180"/>
+            <a:off x="4217354" y="297179"/>
+            <a:ext cx="7151260" cy="5632565"/>
           </a:xfrm>
           <a:prstGeom prst="rect">
             <a:avLst/>
@@ -21321,8 +21321,10 @@
       </p:sp>
       <p:pic>
         <p:nvPicPr>
-          <p:cNvPr id="5" name="Picture 4"/>
-          <p:cNvPicPr/>
+          <p:cNvPr id="3" name="Picture 2"/>
+          <p:cNvPicPr>
+            <a:picLocks noChangeAspect="1"/>
+          </p:cNvPicPr>
           <p:nvPr/>
         </p:nvPicPr>
         <p:blipFill>
@@ -21339,8 +21341,8 @@
         </p:blipFill>
         <p:spPr>
           <a:xfrm>
-            <a:off x="5301343" y="507845"/>
-            <a:ext cx="5943600" cy="5466081"/>
+            <a:off x="3579808" y="507845"/>
+            <a:ext cx="8166460" cy="5809828"/>
           </a:xfrm>
           <a:prstGeom prst="rect">
             <a:avLst/>
@@ -29342,7 +29344,7 @@
                 <a16:creationId xmlns:a16="http://schemas.microsoft.com/office/drawing/2014/main" id="{854DEE1C-7FD6-4FA0-A96A-BDF952F199AB}"/>
               </a:ext>
               <a:ext uri="{C183D7F6-B498-43B3-948B-1728B52AA6E4}">
-                <adec:decorative xmlns:adec="http://schemas.microsoft.com/office/drawing/2017/decorative" xmlns="" val="1"/>
+                <adec:decorative xmlns="" xmlns:adec="http://schemas.microsoft.com/office/drawing/2017/decorative" val="1"/>
               </a:ext>
             </a:extLst>
           </p:cNvPr>

--- a/FPTU CAPSTONE PROJECT MANAGEMENT.pptx
+++ b/FPTU CAPSTONE PROJECT MANAGEMENT.pptx
@@ -5,7 +5,7 @@
     <p:sldMasterId id="2147483648" r:id="rId1"/>
   </p:sldMasterIdLst>
   <p:notesMasterIdLst>
-    <p:notesMasterId r:id="rId44"/>
+    <p:notesMasterId r:id="rId42"/>
   </p:notesMasterIdLst>
   <p:sldIdLst>
     <p:sldId id="257" r:id="rId2"/>
@@ -29,27 +29,25 @@
     <p:sldId id="269" r:id="rId20"/>
     <p:sldId id="270" r:id="rId21"/>
     <p:sldId id="271" r:id="rId22"/>
-    <p:sldId id="272" r:id="rId23"/>
-    <p:sldId id="273" r:id="rId24"/>
-    <p:sldId id="274" r:id="rId25"/>
-    <p:sldId id="275" r:id="rId26"/>
-    <p:sldId id="276" r:id="rId27"/>
-    <p:sldId id="277" r:id="rId28"/>
-    <p:sldId id="278" r:id="rId29"/>
-    <p:sldId id="279" r:id="rId30"/>
-    <p:sldId id="280" r:id="rId31"/>
-    <p:sldId id="281" r:id="rId32"/>
-    <p:sldId id="283" r:id="rId33"/>
-    <p:sldId id="284" r:id="rId34"/>
-    <p:sldId id="285" r:id="rId35"/>
-    <p:sldId id="286" r:id="rId36"/>
-    <p:sldId id="287" r:id="rId37"/>
-    <p:sldId id="288" r:id="rId38"/>
-    <p:sldId id="289" r:id="rId39"/>
-    <p:sldId id="301" r:id="rId40"/>
-    <p:sldId id="302" r:id="rId41"/>
-    <p:sldId id="291" r:id="rId42"/>
-    <p:sldId id="299" r:id="rId43"/>
+    <p:sldId id="273" r:id="rId23"/>
+    <p:sldId id="274" r:id="rId24"/>
+    <p:sldId id="275" r:id="rId25"/>
+    <p:sldId id="276" r:id="rId26"/>
+    <p:sldId id="277" r:id="rId27"/>
+    <p:sldId id="278" r:id="rId28"/>
+    <p:sldId id="279" r:id="rId29"/>
+    <p:sldId id="280" r:id="rId30"/>
+    <p:sldId id="281" r:id="rId31"/>
+    <p:sldId id="283" r:id="rId32"/>
+    <p:sldId id="284" r:id="rId33"/>
+    <p:sldId id="285" r:id="rId34"/>
+    <p:sldId id="286" r:id="rId35"/>
+    <p:sldId id="287" r:id="rId36"/>
+    <p:sldId id="288" r:id="rId37"/>
+    <p:sldId id="301" r:id="rId38"/>
+    <p:sldId id="302" r:id="rId39"/>
+    <p:sldId id="291" r:id="rId40"/>
+    <p:sldId id="299" r:id="rId41"/>
   </p:sldIdLst>
   <p:sldSz cx="12192000" cy="6858000"/>
   <p:notesSz cx="6858000" cy="9144000"/>
@@ -238,7 +236,7 @@
           <a:p>
             <a:fld id="{DCBFB330-9B87-44B9-B259-5B3A07C040DA}" type="datetimeFigureOut">
               <a:rPr lang="en-US" smtClean="0"/>
-              <a:t>12/30/2020</a:t>
+              <a:t>12/31/2020</a:t>
             </a:fld>
             <a:endParaRPr lang="en-US"/>
           </a:p>
@@ -1439,72 +1437,6 @@
 </file>
 
 <file path=ppt/notesSlides/notesSlide18.xml><?xml version="1.0" encoding="utf-8"?>
-<p:notes xmlns:a="http://schemas.openxmlformats.org/drawingml/2006/main" xmlns:r="http://schemas.openxmlformats.org/officeDocument/2006/relationships" xmlns:p="http://schemas.openxmlformats.org/presentationml/2006/main">
-  <p:cSld>
-    <p:spTree>
-      <p:nvGrpSpPr>
-        <p:cNvPr id="1" name=""/>
-        <p:cNvGrpSpPr/>
-        <p:nvPr/>
-      </p:nvGrpSpPr>
-      <p:grpSpPr>
-        <a:xfrm>
-          <a:off x="0" y="0"/>
-          <a:ext cx="0" cy="0"/>
-          <a:chOff x="0" y="0"/>
-          <a:chExt cx="0" cy="0"/>
-        </a:xfrm>
-      </p:grpSpPr>
-      <p:sp>
-        <p:nvSpPr>
-          <p:cNvPr id="2" name="Slide Image Placeholder 1"/>
-          <p:cNvSpPr>
-            <a:spLocks noGrp="1" noRot="1" noChangeAspect="1"/>
-          </p:cNvSpPr>
-          <p:nvPr>
-            <p:ph type="sldImg"/>
-          </p:nvPr>
-        </p:nvSpPr>
-        <p:spPr>
-          <a:xfrm>
-            <a:off x="381000" y="685800"/>
-            <a:ext cx="6096000" cy="3429000"/>
-          </a:xfrm>
-        </p:spPr>
-      </p:sp>
-      <p:sp>
-        <p:nvSpPr>
-          <p:cNvPr id="3" name="Notes Placeholder 2"/>
-          <p:cNvSpPr>
-            <a:spLocks noGrp="1"/>
-          </p:cNvSpPr>
-          <p:nvPr>
-            <p:ph type="body" idx="1"/>
-          </p:nvPr>
-        </p:nvSpPr>
-        <p:spPr/>
-        <p:txBody>
-          <a:bodyPr/>
-          <a:lstStyle/>
-          <a:p>
-            <a:endParaRPr lang="en-US" dirty="0"/>
-          </a:p>
-        </p:txBody>
-      </p:sp>
-    </p:spTree>
-    <p:extLst>
-      <p:ext uri="{BB962C8B-B14F-4D97-AF65-F5344CB8AC3E}">
-        <p14:creationId xmlns:p14="http://schemas.microsoft.com/office/powerpoint/2010/main" val="2797692174"/>
-      </p:ext>
-    </p:extLst>
-  </p:cSld>
-  <p:clrMapOvr>
-    <a:masterClrMapping/>
-  </p:clrMapOvr>
-</p:notes>
-</file>
-
-<file path=ppt/notesSlides/notesSlide19.xml><?xml version="1.0" encoding="utf-8"?>
 <p:notes xmlns:a="http://schemas.openxmlformats.org/drawingml/2006/main" xmlns:r="http://schemas.openxmlformats.org/officeDocument/2006/relationships" xmlns:p="http://schemas.openxmlformats.org/presentationml/2006/main" showMasterSp="0" showMasterPhAnim="0">
   <p:cSld>
     <p:spTree>
@@ -1604,6 +1536,119 @@
     <p:extLst>
       <p:ext uri="{BB962C8B-B14F-4D97-AF65-F5344CB8AC3E}">
         <p14:creationId xmlns:p14="http://schemas.microsoft.com/office/powerpoint/2010/main" val="1722436792"/>
+      </p:ext>
+    </p:extLst>
+  </p:cSld>
+  <p:clrMapOvr>
+    <a:masterClrMapping/>
+  </p:clrMapOvr>
+</p:notes>
+</file>
+
+<file path=ppt/notesSlides/notesSlide19.xml><?xml version="1.0" encoding="utf-8"?>
+<p:notes xmlns:a="http://schemas.openxmlformats.org/drawingml/2006/main" xmlns:r="http://schemas.openxmlformats.org/officeDocument/2006/relationships" xmlns:p="http://schemas.openxmlformats.org/presentationml/2006/main" showMasterSp="0" showMasterPhAnim="0">
+  <p:cSld>
+    <p:spTree>
+      <p:nvGrpSpPr>
+        <p:cNvPr id="1" name="Shape 1031"/>
+        <p:cNvGrpSpPr/>
+        <p:nvPr/>
+      </p:nvGrpSpPr>
+      <p:grpSpPr>
+        <a:xfrm>
+          <a:off x="0" y="0"/>
+          <a:ext cx="0" cy="0"/>
+          <a:chOff x="0" y="0"/>
+          <a:chExt cx="0" cy="0"/>
+        </a:xfrm>
+      </p:grpSpPr>
+      <p:sp>
+        <p:nvSpPr>
+          <p:cNvPr id="1032" name="Google Shape;1032;g16dc4b7341_0_774:notes"/>
+          <p:cNvSpPr>
+            <a:spLocks noGrp="1" noRot="1" noChangeAspect="1"/>
+          </p:cNvSpPr>
+          <p:nvPr>
+            <p:ph type="sldImg" idx="2"/>
+          </p:nvPr>
+        </p:nvSpPr>
+        <p:spPr>
+          <a:xfrm>
+            <a:off x="381000" y="685800"/>
+            <a:ext cx="6096000" cy="3429000"/>
+          </a:xfrm>
+          <a:custGeom>
+            <a:avLst/>
+            <a:gdLst/>
+            <a:ahLst/>
+            <a:cxnLst/>
+            <a:rect l="l" t="t" r="r" b="b"/>
+            <a:pathLst>
+              <a:path w="120000" h="120000" extrusionOk="0">
+                <a:moveTo>
+                  <a:pt x="0" y="0"/>
+                </a:moveTo>
+                <a:lnTo>
+                  <a:pt x="120000" y="0"/>
+                </a:lnTo>
+                <a:lnTo>
+                  <a:pt x="120000" y="120000"/>
+                </a:lnTo>
+                <a:lnTo>
+                  <a:pt x="0" y="120000"/>
+                </a:lnTo>
+                <a:close/>
+              </a:path>
+            </a:pathLst>
+          </a:custGeom>
+        </p:spPr>
+      </p:sp>
+      <p:sp>
+        <p:nvSpPr>
+          <p:cNvPr id="1033" name="Google Shape;1033;g16dc4b7341_0_774:notes"/>
+          <p:cNvSpPr txBox="1">
+            <a:spLocks noGrp="1"/>
+          </p:cNvSpPr>
+          <p:nvPr>
+            <p:ph type="body" idx="1"/>
+          </p:nvPr>
+        </p:nvSpPr>
+        <p:spPr>
+          <a:xfrm>
+            <a:off x="685800" y="4343400"/>
+            <a:ext cx="5486400" cy="4114800"/>
+          </a:xfrm>
+          <a:prstGeom prst="rect">
+            <a:avLst/>
+          </a:prstGeom>
+        </p:spPr>
+        <p:txBody>
+          <a:bodyPr spcFirstLastPara="1" wrap="square" lIns="91425" tIns="91425" rIns="91425" bIns="91425" anchor="t" anchorCtr="0">
+            <a:noAutofit/>
+          </a:bodyPr>
+          <a:lstStyle/>
+          <a:p>
+            <a:pPr marL="0" lvl="0" indent="0" algn="l" rtl="0">
+              <a:spcBef>
+                <a:spcPts val="0"/>
+              </a:spcBef>
+              <a:spcAft>
+                <a:spcPts val="0"/>
+              </a:spcAft>
+              <a:buNone/>
+            </a:pPr>
+            <a:r>
+              <a:rPr lang="en"/>
+              <a:t>https://pixabay.com/en/new-york-city-tribute-in-lights-sky-78181/</a:t>
+            </a:r>
+            <a:endParaRPr/>
+          </a:p>
+        </p:txBody>
+      </p:sp>
+    </p:spTree>
+    <p:extLst>
+      <p:ext uri="{BB962C8B-B14F-4D97-AF65-F5344CB8AC3E}">
+        <p14:creationId xmlns:p14="http://schemas.microsoft.com/office/powerpoint/2010/main" val="2722286821"/>
       </p:ext>
     </p:extLst>
   </p:cSld>
@@ -1765,119 +1810,6 @@
     <p:extLst>
       <p:ext uri="{BB962C8B-B14F-4D97-AF65-F5344CB8AC3E}">
         <p14:creationId xmlns:p14="http://schemas.microsoft.com/office/powerpoint/2010/main" val="4228609436"/>
-      </p:ext>
-    </p:extLst>
-  </p:cSld>
-  <p:clrMapOvr>
-    <a:masterClrMapping/>
-  </p:clrMapOvr>
-</p:notes>
-</file>
-
-<file path=ppt/notesSlides/notesSlide20.xml><?xml version="1.0" encoding="utf-8"?>
-<p:notes xmlns:a="http://schemas.openxmlformats.org/drawingml/2006/main" xmlns:r="http://schemas.openxmlformats.org/officeDocument/2006/relationships" xmlns:p="http://schemas.openxmlformats.org/presentationml/2006/main" showMasterSp="0" showMasterPhAnim="0">
-  <p:cSld>
-    <p:spTree>
-      <p:nvGrpSpPr>
-        <p:cNvPr id="1" name="Shape 1031"/>
-        <p:cNvGrpSpPr/>
-        <p:nvPr/>
-      </p:nvGrpSpPr>
-      <p:grpSpPr>
-        <a:xfrm>
-          <a:off x="0" y="0"/>
-          <a:ext cx="0" cy="0"/>
-          <a:chOff x="0" y="0"/>
-          <a:chExt cx="0" cy="0"/>
-        </a:xfrm>
-      </p:grpSpPr>
-      <p:sp>
-        <p:nvSpPr>
-          <p:cNvPr id="1032" name="Google Shape;1032;g16dc4b7341_0_774:notes"/>
-          <p:cNvSpPr>
-            <a:spLocks noGrp="1" noRot="1" noChangeAspect="1"/>
-          </p:cNvSpPr>
-          <p:nvPr>
-            <p:ph type="sldImg" idx="2"/>
-          </p:nvPr>
-        </p:nvSpPr>
-        <p:spPr>
-          <a:xfrm>
-            <a:off x="381000" y="685800"/>
-            <a:ext cx="6096000" cy="3429000"/>
-          </a:xfrm>
-          <a:custGeom>
-            <a:avLst/>
-            <a:gdLst/>
-            <a:ahLst/>
-            <a:cxnLst/>
-            <a:rect l="l" t="t" r="r" b="b"/>
-            <a:pathLst>
-              <a:path w="120000" h="120000" extrusionOk="0">
-                <a:moveTo>
-                  <a:pt x="0" y="0"/>
-                </a:moveTo>
-                <a:lnTo>
-                  <a:pt x="120000" y="0"/>
-                </a:lnTo>
-                <a:lnTo>
-                  <a:pt x="120000" y="120000"/>
-                </a:lnTo>
-                <a:lnTo>
-                  <a:pt x="0" y="120000"/>
-                </a:lnTo>
-                <a:close/>
-              </a:path>
-            </a:pathLst>
-          </a:custGeom>
-        </p:spPr>
-      </p:sp>
-      <p:sp>
-        <p:nvSpPr>
-          <p:cNvPr id="1033" name="Google Shape;1033;g16dc4b7341_0_774:notes"/>
-          <p:cNvSpPr txBox="1">
-            <a:spLocks noGrp="1"/>
-          </p:cNvSpPr>
-          <p:nvPr>
-            <p:ph type="body" idx="1"/>
-          </p:nvPr>
-        </p:nvSpPr>
-        <p:spPr>
-          <a:xfrm>
-            <a:off x="685800" y="4343400"/>
-            <a:ext cx="5486400" cy="4114800"/>
-          </a:xfrm>
-          <a:prstGeom prst="rect">
-            <a:avLst/>
-          </a:prstGeom>
-        </p:spPr>
-        <p:txBody>
-          <a:bodyPr spcFirstLastPara="1" wrap="square" lIns="91425" tIns="91425" rIns="91425" bIns="91425" anchor="t" anchorCtr="0">
-            <a:noAutofit/>
-          </a:bodyPr>
-          <a:lstStyle/>
-          <a:p>
-            <a:pPr marL="0" lvl="0" indent="0" algn="l" rtl="0">
-              <a:spcBef>
-                <a:spcPts val="0"/>
-              </a:spcBef>
-              <a:spcAft>
-                <a:spcPts val="0"/>
-              </a:spcAft>
-              <a:buNone/>
-            </a:pPr>
-            <a:r>
-              <a:rPr lang="en"/>
-              <a:t>https://pixabay.com/en/new-york-city-tribute-in-lights-sky-78181/</a:t>
-            </a:r>
-            <a:endParaRPr/>
-          </a:p>
-        </p:txBody>
-      </p:sp>
-    </p:spTree>
-    <p:extLst>
-      <p:ext uri="{BB962C8B-B14F-4D97-AF65-F5344CB8AC3E}">
-        <p14:creationId xmlns:p14="http://schemas.microsoft.com/office/powerpoint/2010/main" val="2722286821"/>
       </p:ext>
     </p:extLst>
   </p:cSld>
@@ -2779,7 +2711,7 @@
           <a:p>
             <a:fld id="{9A42AFF7-2E7D-4AFD-BB96-F196EF83D0CF}" type="datetimeFigureOut">
               <a:rPr lang="en-US" smtClean="0"/>
-              <a:t>12/30/2020</a:t>
+              <a:t>12/31/2020</a:t>
             </a:fld>
             <a:endParaRPr lang="en-US"/>
           </a:p>
@@ -2947,7 +2879,7 @@
           <a:p>
             <a:fld id="{9A42AFF7-2E7D-4AFD-BB96-F196EF83D0CF}" type="datetimeFigureOut">
               <a:rPr lang="en-US" smtClean="0"/>
-              <a:t>12/30/2020</a:t>
+              <a:t>12/31/2020</a:t>
             </a:fld>
             <a:endParaRPr lang="en-US"/>
           </a:p>
@@ -3125,7 +3057,7 @@
           <a:p>
             <a:fld id="{9A42AFF7-2E7D-4AFD-BB96-F196EF83D0CF}" type="datetimeFigureOut">
               <a:rPr lang="en-US" smtClean="0"/>
-              <a:t>12/30/2020</a:t>
+              <a:t>12/31/2020</a:t>
             </a:fld>
             <a:endParaRPr lang="en-US"/>
           </a:p>
@@ -6966,7 +6898,7 @@
           <a:p>
             <a:fld id="{9A42AFF7-2E7D-4AFD-BB96-F196EF83D0CF}" type="datetimeFigureOut">
               <a:rPr lang="en-US" smtClean="0"/>
-              <a:t>12/30/2020</a:t>
+              <a:t>12/31/2020</a:t>
             </a:fld>
             <a:endParaRPr lang="en-US"/>
           </a:p>
@@ -7211,7 +7143,7 @@
           <a:p>
             <a:fld id="{9A42AFF7-2E7D-4AFD-BB96-F196EF83D0CF}" type="datetimeFigureOut">
               <a:rPr lang="en-US" smtClean="0"/>
-              <a:t>12/30/2020</a:t>
+              <a:t>12/31/2020</a:t>
             </a:fld>
             <a:endParaRPr lang="en-US"/>
           </a:p>
@@ -7440,7 +7372,7 @@
           <a:p>
             <a:fld id="{9A42AFF7-2E7D-4AFD-BB96-F196EF83D0CF}" type="datetimeFigureOut">
               <a:rPr lang="en-US" smtClean="0"/>
-              <a:t>12/30/2020</a:t>
+              <a:t>12/31/2020</a:t>
             </a:fld>
             <a:endParaRPr lang="en-US"/>
           </a:p>
@@ -7804,7 +7736,7 @@
           <a:p>
             <a:fld id="{9A42AFF7-2E7D-4AFD-BB96-F196EF83D0CF}" type="datetimeFigureOut">
               <a:rPr lang="en-US" smtClean="0"/>
-              <a:t>12/30/2020</a:t>
+              <a:t>12/31/2020</a:t>
             </a:fld>
             <a:endParaRPr lang="en-US"/>
           </a:p>
@@ -7921,7 +7853,7 @@
           <a:p>
             <a:fld id="{9A42AFF7-2E7D-4AFD-BB96-F196EF83D0CF}" type="datetimeFigureOut">
               <a:rPr lang="en-US" smtClean="0"/>
-              <a:t>12/30/2020</a:t>
+              <a:t>12/31/2020</a:t>
             </a:fld>
             <a:endParaRPr lang="en-US"/>
           </a:p>
@@ -8016,7 +7948,7 @@
           <a:p>
             <a:fld id="{9A42AFF7-2E7D-4AFD-BB96-F196EF83D0CF}" type="datetimeFigureOut">
               <a:rPr lang="en-US" smtClean="0"/>
-              <a:t>12/30/2020</a:t>
+              <a:t>12/31/2020</a:t>
             </a:fld>
             <a:endParaRPr lang="en-US"/>
           </a:p>
@@ -8291,7 +8223,7 @@
           <a:p>
             <a:fld id="{9A42AFF7-2E7D-4AFD-BB96-F196EF83D0CF}" type="datetimeFigureOut">
               <a:rPr lang="en-US" smtClean="0"/>
-              <a:t>12/30/2020</a:t>
+              <a:t>12/31/2020</a:t>
             </a:fld>
             <a:endParaRPr lang="en-US"/>
           </a:p>
@@ -8543,7 +8475,7 @@
           <a:p>
             <a:fld id="{9A42AFF7-2E7D-4AFD-BB96-F196EF83D0CF}" type="datetimeFigureOut">
               <a:rPr lang="en-US" smtClean="0"/>
-              <a:t>12/30/2020</a:t>
+              <a:t>12/31/2020</a:t>
             </a:fld>
             <a:endParaRPr lang="en-US"/>
           </a:p>
@@ -8754,7 +8686,7 @@
           <a:p>
             <a:fld id="{9A42AFF7-2E7D-4AFD-BB96-F196EF83D0CF}" type="datetimeFigureOut">
               <a:rPr lang="en-US" smtClean="0"/>
-              <a:t>12/30/2020</a:t>
+              <a:t>12/31/2020</a:t>
             </a:fld>
             <a:endParaRPr lang="en-US"/>
           </a:p>
@@ -11092,6 +11024,13 @@
   <p:clrMapOvr>
     <a:masterClrMapping/>
   </p:clrMapOvr>
+  <p:timing>
+    <p:tnLst>
+      <p:par>
+        <p:cTn id="1" dur="indefinite" restart="never" nodeType="tmRoot"/>
+      </p:par>
+    </p:tnLst>
+  </p:timing>
 </p:sld>
 </file>
 
@@ -11167,7 +11106,7 @@
         </p:blipFill>
         <p:spPr>
           <a:xfrm>
-            <a:off x="2171577" y="1702648"/>
+            <a:off x="2171577" y="1647229"/>
             <a:ext cx="7924800" cy="5155353"/>
           </a:xfrm>
           <a:prstGeom prst="rect">
@@ -11185,6 +11124,13 @@
   <p:clrMapOvr>
     <a:masterClrMapping/>
   </p:clrMapOvr>
+  <p:timing>
+    <p:tnLst>
+      <p:par>
+        <p:cTn id="1" dur="indefinite" restart="never" nodeType="tmRoot"/>
+      </p:par>
+    </p:tnLst>
+  </p:timing>
 </p:sld>
 </file>
 
@@ -11225,42 +11171,49 @@
               <a:t>PROJECT </a:t>
             </a:r>
             <a:r>
-              <a:rPr lang="en-US" spc="7" dirty="0"/>
+              <a:rPr lang="en-US" spc="-13" dirty="0" smtClean="0"/>
+              <a:t/>
+            </a:r>
+            <a:br>
+              <a:rPr lang="en-US" spc="-13" dirty="0" smtClean="0"/>
+            </a:br>
+            <a:r>
+              <a:rPr lang="en-US" spc="7" dirty="0" smtClean="0"/>
               <a:t>MANAGEMENT</a:t>
             </a:r>
             <a:r>
-              <a:rPr lang="en-US" spc="-53" dirty="0"/>
+              <a:rPr lang="en-US" spc="-53" dirty="0" smtClean="0"/>
               <a:t> </a:t>
             </a:r>
-            <a:r>
-              <a:rPr lang="en-US" dirty="0"/>
+            <a:br>
+              <a:rPr lang="en-US" spc="-53" dirty="0" smtClean="0"/>
+            </a:br>
+            <a:r>
+              <a:rPr lang="en-US" dirty="0" smtClean="0"/>
               <a:t>PLAN</a:t>
             </a:r>
+            <a:endParaRPr lang="en-US" dirty="0"/>
           </a:p>
         </p:txBody>
       </p:sp>
       <p:pic>
         <p:nvPicPr>
-          <p:cNvPr id="6" name="Picture 5"/>
-          <p:cNvPicPr/>
+          <p:cNvPr id="4" name="Picture 3"/>
+          <p:cNvPicPr>
+            <a:picLocks noChangeAspect="1"/>
+          </p:cNvPicPr>
           <p:nvPr/>
         </p:nvPicPr>
         <p:blipFill>
-          <a:blip r:embed="rId2" cstate="print">
-            <a:extLst>
-              <a:ext uri="{28A0092B-C50C-407E-A947-70E740481C1C}">
-                <a14:useLocalDpi xmlns:a14="http://schemas.microsoft.com/office/drawing/2010/main" val="0"/>
-              </a:ext>
-            </a:extLst>
-          </a:blip>
+          <a:blip r:embed="rId2"/>
           <a:stretch>
             <a:fillRect/>
           </a:stretch>
         </p:blipFill>
         <p:spPr>
           <a:xfrm>
-            <a:off x="3162177" y="1497602"/>
-            <a:ext cx="5943600" cy="4994910"/>
+            <a:off x="5194169" y="169682"/>
+            <a:ext cx="6432859" cy="6575330"/>
           </a:xfrm>
           <a:prstGeom prst="rect">
             <a:avLst/>
@@ -11277,6 +11230,13 @@
   <p:clrMapOvr>
     <a:masterClrMapping/>
   </p:clrMapOvr>
+  <p:timing>
+    <p:tnLst>
+      <p:par>
+        <p:cTn id="1" dur="indefinite" restart="never" nodeType="tmRoot"/>
+      </p:par>
+    </p:tnLst>
+  </p:timing>
 </p:sld>
 </file>
 
@@ -11336,14 +11296,14 @@
           <p:nvPr>
             <p:extLst>
               <p:ext uri="{D42A27DB-BD31-4B8C-83A1-F6EECF244321}">
-                <p14:modId xmlns:p14="http://schemas.microsoft.com/office/powerpoint/2010/main" val="1382795844"/>
+                <p14:modId xmlns:p14="http://schemas.microsoft.com/office/powerpoint/2010/main" val="730470101"/>
               </p:ext>
             </p:extLst>
           </p:nvPr>
         </p:nvGraphicFramePr>
         <p:xfrm>
           <a:off x="2656115" y="1356968"/>
-          <a:ext cx="7062650" cy="5409592"/>
+          <a:ext cx="5984789" cy="5409592"/>
         </p:xfrm>
         <a:graphic>
           <a:graphicData uri="http://schemas.openxmlformats.org/drawingml/2006/table">
@@ -11380,13 +11340,6 @@
                     </a:ext>
                   </a:extLst>
                 </a:gridCol>
-                <a:gridCol w="1077861">
-                  <a:extLst>
-                    <a:ext uri="{9D8B030D-6E8A-4147-A177-3AD203B41FA5}">
-                      <a16:colId xmlns:a16="http://schemas.microsoft.com/office/drawing/2014/main" val="2643343517"/>
-                    </a:ext>
-                  </a:extLst>
-                </a:gridCol>
               </a:tblGrid>
               <a:tr h="154560">
                 <a:tc>
@@ -11505,35 +11458,6 @@
                   </a:txBody>
                   <a:tcPr marL="46621" marR="46621" marT="0" marB="0"/>
                 </a:tc>
-                <a:tc>
-                  <a:txBody>
-                    <a:bodyPr/>
-                    <a:lstStyle/>
-                    <a:p>
-                      <a:pPr marL="0" marR="0" algn="just">
-                        <a:spcBef>
-                          <a:spcPts val="0"/>
-                        </a:spcBef>
-                        <a:spcAft>
-                          <a:spcPts val="0"/>
-                        </a:spcAft>
-                      </a:pPr>
-                      <a:r>
-                        <a:rPr lang="en-GB" sz="800">
-                          <a:effectLst/>
-                        </a:rPr>
-                        <a:t>Status</a:t>
-                      </a:r>
-                      <a:endParaRPr lang="en-US" sz="800">
-                        <a:effectLst/>
-                        <a:latin typeface="Times New Roman" panose="02020603050405020304" pitchFamily="18" charset="0"/>
-                        <a:ea typeface="Calibri" panose="020F0502020204030204" pitchFamily="34" charset="0"/>
-                        <a:cs typeface="Arial" panose="020B0604020202020204" pitchFamily="34" charset="0"/>
-                      </a:endParaRPr>
-                    </a:p>
-                  </a:txBody>
-                  <a:tcPr marL="46621" marR="46621" marT="0" marB="0"/>
-                </a:tc>
                 <a:extLst>
                   <a:ext uri="{0D108BD9-81ED-4DB2-BD59-A6C34878D82A}">
                     <a16:rowId xmlns:a16="http://schemas.microsoft.com/office/drawing/2014/main" val="737320625"/>
@@ -11714,35 +11638,6 @@
                   </a:txBody>
                   <a:tcPr marL="46621" marR="46621" marT="0" marB="0"/>
                 </a:tc>
-                <a:tc>
-                  <a:txBody>
-                    <a:bodyPr/>
-                    <a:lstStyle/>
-                    <a:p>
-                      <a:pPr marL="0" marR="0" algn="just">
-                        <a:spcBef>
-                          <a:spcPts val="0"/>
-                        </a:spcBef>
-                        <a:spcAft>
-                          <a:spcPts val="0"/>
-                        </a:spcAft>
-                      </a:pPr>
-                      <a:r>
-                        <a:rPr lang="en-GB" sz="800">
-                          <a:effectLst/>
-                        </a:rPr>
-                        <a:t>Closed</a:t>
-                      </a:r>
-                      <a:endParaRPr lang="en-US" sz="800">
-                        <a:effectLst/>
-                        <a:latin typeface="Times New Roman" panose="02020603050405020304" pitchFamily="18" charset="0"/>
-                        <a:ea typeface="Calibri" panose="020F0502020204030204" pitchFamily="34" charset="0"/>
-                        <a:cs typeface="Arial" panose="020B0604020202020204" pitchFamily="34" charset="0"/>
-                      </a:endParaRPr>
-                    </a:p>
-                  </a:txBody>
-                  <a:tcPr marL="46621" marR="46621" marT="0" marB="0"/>
-                </a:tc>
                 <a:extLst>
                   <a:ext uri="{0D108BD9-81ED-4DB2-BD59-A6C34878D82A}">
                     <a16:rowId xmlns:a16="http://schemas.microsoft.com/office/drawing/2014/main" val="1687175311"/>
@@ -12037,35 +11932,6 @@
                   </a:txBody>
                   <a:tcPr marL="46621" marR="46621" marT="0" marB="0"/>
                 </a:tc>
-                <a:tc>
-                  <a:txBody>
-                    <a:bodyPr/>
-                    <a:lstStyle/>
-                    <a:p>
-                      <a:pPr marL="0" marR="0" algn="just">
-                        <a:spcBef>
-                          <a:spcPts val="0"/>
-                        </a:spcBef>
-                        <a:spcAft>
-                          <a:spcPts val="0"/>
-                        </a:spcAft>
-                      </a:pPr>
-                      <a:r>
-                        <a:rPr lang="en-GB" sz="800">
-                          <a:effectLst/>
-                        </a:rPr>
-                        <a:t>Closed</a:t>
-                      </a:r>
-                      <a:endParaRPr lang="en-US" sz="800">
-                        <a:effectLst/>
-                        <a:latin typeface="Times New Roman" panose="02020603050405020304" pitchFamily="18" charset="0"/>
-                        <a:ea typeface="Calibri" panose="020F0502020204030204" pitchFamily="34" charset="0"/>
-                        <a:cs typeface="Arial" panose="020B0604020202020204" pitchFamily="34" charset="0"/>
-                      </a:endParaRPr>
-                    </a:p>
-                  </a:txBody>
-                  <a:tcPr marL="46621" marR="46621" marT="0" marB="0"/>
-                </a:tc>
                 <a:extLst>
                   <a:ext uri="{0D108BD9-81ED-4DB2-BD59-A6C34878D82A}">
                     <a16:rowId xmlns:a16="http://schemas.microsoft.com/office/drawing/2014/main" val="2724661359"/>
@@ -12246,35 +12112,6 @@
                   </a:txBody>
                   <a:tcPr marL="46621" marR="46621" marT="0" marB="0"/>
                 </a:tc>
-                <a:tc>
-                  <a:txBody>
-                    <a:bodyPr/>
-                    <a:lstStyle/>
-                    <a:p>
-                      <a:pPr marL="0" marR="0" algn="just">
-                        <a:spcBef>
-                          <a:spcPts val="0"/>
-                        </a:spcBef>
-                        <a:spcAft>
-                          <a:spcPts val="0"/>
-                        </a:spcAft>
-                      </a:pPr>
-                      <a:r>
-                        <a:rPr lang="en-GB" sz="800">
-                          <a:effectLst/>
-                        </a:rPr>
-                        <a:t>Closed</a:t>
-                      </a:r>
-                      <a:endParaRPr lang="en-US" sz="800">
-                        <a:effectLst/>
-                        <a:latin typeface="Times New Roman" panose="02020603050405020304" pitchFamily="18" charset="0"/>
-                        <a:ea typeface="Calibri" panose="020F0502020204030204" pitchFamily="34" charset="0"/>
-                        <a:cs typeface="Arial" panose="020B0604020202020204" pitchFamily="34" charset="0"/>
-                      </a:endParaRPr>
-                    </a:p>
-                  </a:txBody>
-                  <a:tcPr marL="46621" marR="46621" marT="0" marB="0"/>
-                </a:tc>
                 <a:extLst>
                   <a:ext uri="{0D108BD9-81ED-4DB2-BD59-A6C34878D82A}">
                     <a16:rowId xmlns:a16="http://schemas.microsoft.com/office/drawing/2014/main" val="462962578"/>
@@ -12436,35 +12273,6 @@
                   </a:txBody>
                   <a:tcPr marL="46621" marR="46621" marT="0" marB="0"/>
                 </a:tc>
-                <a:tc>
-                  <a:txBody>
-                    <a:bodyPr/>
-                    <a:lstStyle/>
-                    <a:p>
-                      <a:pPr marL="0" marR="0" algn="just">
-                        <a:spcBef>
-                          <a:spcPts val="0"/>
-                        </a:spcBef>
-                        <a:spcAft>
-                          <a:spcPts val="0"/>
-                        </a:spcAft>
-                      </a:pPr>
-                      <a:r>
-                        <a:rPr lang="en-GB" sz="800">
-                          <a:effectLst/>
-                        </a:rPr>
-                        <a:t>Closed</a:t>
-                      </a:r>
-                      <a:endParaRPr lang="en-US" sz="800">
-                        <a:effectLst/>
-                        <a:latin typeface="Times New Roman" panose="02020603050405020304" pitchFamily="18" charset="0"/>
-                        <a:ea typeface="Calibri" panose="020F0502020204030204" pitchFamily="34" charset="0"/>
-                        <a:cs typeface="Arial" panose="020B0604020202020204" pitchFamily="34" charset="0"/>
-                      </a:endParaRPr>
-                    </a:p>
-                  </a:txBody>
-                  <a:tcPr marL="46621" marR="46621" marT="0" marB="0"/>
-                </a:tc>
                 <a:extLst>
                   <a:ext uri="{0D108BD9-81ED-4DB2-BD59-A6C34878D82A}">
                     <a16:rowId xmlns:a16="http://schemas.microsoft.com/office/drawing/2014/main" val="2364827450"/>
@@ -12683,35 +12491,6 @@
                   </a:txBody>
                   <a:tcPr marL="46621" marR="46621" marT="0" marB="0"/>
                 </a:tc>
-                <a:tc>
-                  <a:txBody>
-                    <a:bodyPr/>
-                    <a:lstStyle/>
-                    <a:p>
-                      <a:pPr marL="0" marR="0" algn="just">
-                        <a:spcBef>
-                          <a:spcPts val="0"/>
-                        </a:spcBef>
-                        <a:spcAft>
-                          <a:spcPts val="0"/>
-                        </a:spcAft>
-                      </a:pPr>
-                      <a:r>
-                        <a:rPr lang="en-GB" sz="800">
-                          <a:effectLst/>
-                        </a:rPr>
-                        <a:t>Closed</a:t>
-                      </a:r>
-                      <a:endParaRPr lang="en-US" sz="800">
-                        <a:effectLst/>
-                        <a:latin typeface="Times New Roman" panose="02020603050405020304" pitchFamily="18" charset="0"/>
-                        <a:ea typeface="Calibri" panose="020F0502020204030204" pitchFamily="34" charset="0"/>
-                        <a:cs typeface="Arial" panose="020B0604020202020204" pitchFamily="34" charset="0"/>
-                      </a:endParaRPr>
-                    </a:p>
-                  </a:txBody>
-                  <a:tcPr marL="46621" marR="46621" marT="0" marB="0"/>
-                </a:tc>
                 <a:extLst>
                   <a:ext uri="{0D108BD9-81ED-4DB2-BD59-A6C34878D82A}">
                     <a16:rowId xmlns:a16="http://schemas.microsoft.com/office/drawing/2014/main" val="3201287175"/>
@@ -12877,12 +12656,12 @@
                         </a:spcAft>
                       </a:pPr>
                       <a:r>
-                        <a:rPr lang="en-GB" sz="800">
+                        <a:rPr lang="en-GB" sz="800" dirty="0">
                           <a:effectLst/>
                         </a:rPr>
                         <a:t>- Finding the root cause</a:t>
                       </a:r>
-                      <a:endParaRPr lang="en-US" sz="800">
+                      <a:endParaRPr lang="en-US" sz="800" dirty="0">
                         <a:effectLst/>
                       </a:endParaRPr>
                     </a:p>
@@ -12896,12 +12675,12 @@
                         </a:spcAft>
                       </a:pPr>
                       <a:r>
-                        <a:rPr lang="en-GB" sz="800">
+                        <a:rPr lang="en-GB" sz="800" dirty="0">
                           <a:effectLst/>
                         </a:rPr>
                         <a:t>of the problem.</a:t>
                       </a:r>
-                      <a:endParaRPr lang="en-US" sz="800">
+                      <a:endParaRPr lang="en-US" sz="800" dirty="0">
                         <a:effectLst/>
                       </a:endParaRPr>
                     </a:p>
@@ -12915,12 +12694,12 @@
                         </a:spcAft>
                       </a:pPr>
                       <a:r>
-                        <a:rPr lang="en-GB" sz="800">
+                        <a:rPr lang="en-GB" sz="800" dirty="0">
                           <a:effectLst/>
                         </a:rPr>
                         <a:t>- Reassigning tasks.</a:t>
                       </a:r>
-                      <a:endParaRPr lang="en-US" sz="800">
+                      <a:endParaRPr lang="en-US" sz="800" dirty="0">
                         <a:effectLst/>
                       </a:endParaRPr>
                     </a:p>
@@ -12934,12 +12713,12 @@
                         </a:spcAft>
                       </a:pPr>
                       <a:r>
-                        <a:rPr lang="en-GB" sz="800">
+                        <a:rPr lang="en-GB" sz="800" dirty="0">
                           <a:effectLst/>
                         </a:rPr>
                         <a:t>- Focusing on important</a:t>
                       </a:r>
-                      <a:endParaRPr lang="en-US" sz="800">
+                      <a:endParaRPr lang="en-US" sz="800" dirty="0">
                         <a:effectLst/>
                       </a:endParaRPr>
                     </a:p>
@@ -12953,39 +12732,10 @@
                         </a:spcAft>
                       </a:pPr>
                       <a:r>
-                        <a:rPr lang="en-GB" sz="800">
+                        <a:rPr lang="en-GB" sz="800" dirty="0">
                           <a:effectLst/>
                         </a:rPr>
                         <a:t>functions first.</a:t>
-                      </a:r>
-                      <a:endParaRPr lang="en-US" sz="800">
-                        <a:effectLst/>
-                        <a:latin typeface="Times New Roman" panose="02020603050405020304" pitchFamily="18" charset="0"/>
-                        <a:ea typeface="Calibri" panose="020F0502020204030204" pitchFamily="34" charset="0"/>
-                        <a:cs typeface="Arial" panose="020B0604020202020204" pitchFamily="34" charset="0"/>
-                      </a:endParaRPr>
-                    </a:p>
-                  </a:txBody>
-                  <a:tcPr marL="46621" marR="46621" marT="0" marB="0"/>
-                </a:tc>
-                <a:tc>
-                  <a:txBody>
-                    <a:bodyPr/>
-                    <a:lstStyle/>
-                    <a:p>
-                      <a:pPr marL="0" marR="0" algn="just">
-                        <a:spcBef>
-                          <a:spcPts val="0"/>
-                        </a:spcBef>
-                        <a:spcAft>
-                          <a:spcPts val="0"/>
-                        </a:spcAft>
-                      </a:pPr>
-                      <a:r>
-                        <a:rPr lang="en-GB" sz="800" dirty="0">
-                          <a:effectLst/>
-                        </a:rPr>
-                        <a:t>Closed</a:t>
                       </a:r>
                       <a:endParaRPr lang="en-US" sz="800" dirty="0">
                         <a:effectLst/>
@@ -13017,6 +12767,13 @@
   <p:clrMapOvr>
     <a:masterClrMapping/>
   </p:clrMapOvr>
+  <p:timing>
+    <p:tnLst>
+      <p:par>
+        <p:cTn id="1" dur="indefinite" restart="never" nodeType="tmRoot"/>
+      </p:par>
+    </p:tnLst>
+  </p:timing>
 </p:sld>
 </file>
 
@@ -16599,6 +16356,13 @@
   <p:clrMapOvr>
     <a:masterClrMapping/>
   </p:clrMapOvr>
+  <p:timing>
+    <p:tnLst>
+      <p:par>
+        <p:cTn id="1" dur="indefinite" restart="never" nodeType="tmRoot"/>
+      </p:par>
+    </p:tnLst>
+  </p:timing>
 </p:sld>
 </file>
 
@@ -16711,6 +16475,13 @@
   <p:clrMapOvr>
     <a:masterClrMapping/>
   </p:clrMapOvr>
+  <p:timing>
+    <p:tnLst>
+      <p:par>
+        <p:cTn id="1" dur="indefinite" restart="never" nodeType="tmRoot"/>
+      </p:par>
+    </p:tnLst>
+  </p:timing>
 </p:sld>
 </file>
 
@@ -18356,204 +18127,6 @@
           <a:lstStyle/>
           <a:p>
             <a:r>
-              <a:rPr lang="en-US" spc="-7" dirty="0"/>
-              <a:t>SYSTEM</a:t>
-            </a:r>
-            <a:r>
-              <a:rPr lang="en-US" spc="-80" dirty="0"/>
-              <a:t> </a:t>
-            </a:r>
-            <a:r>
-              <a:rPr lang="en-US" dirty="0"/>
-              <a:t>REQUIREMENT</a:t>
-            </a:r>
-          </a:p>
-        </p:txBody>
-      </p:sp>
-      <p:sp>
-        <p:nvSpPr>
-          <p:cNvPr id="3" name="Text Placeholder 2"/>
-          <p:cNvSpPr>
-            <a:spLocks noGrp="1"/>
-          </p:cNvSpPr>
-          <p:nvPr>
-            <p:ph type="body" idx="1"/>
-          </p:nvPr>
-        </p:nvSpPr>
-        <p:spPr/>
-        <p:txBody>
-          <a:bodyPr/>
-          <a:lstStyle/>
-          <a:p>
-            <a:pPr marL="397077" indent="-380990">
-              <a:lnSpc>
-                <a:spcPct val="100000"/>
-              </a:lnSpc>
-              <a:spcBef>
-                <a:spcPts val="180"/>
-              </a:spcBef>
-              <a:buFont typeface="Wingdings" panose="05000000000000000000" pitchFamily="2" charset="2"/>
-              <a:buChar char="v"/>
-              <a:tabLst>
-                <a:tab pos="187109" algn="l"/>
-              </a:tabLst>
-            </a:pPr>
-            <a:r>
-              <a:rPr lang="en-US" spc="13" dirty="0">
-                <a:solidFill>
-                  <a:srgbClr val="435368"/>
-                </a:solidFill>
-                <a:latin typeface="Calibri"/>
-                <a:cs typeface="Calibri"/>
-              </a:rPr>
-              <a:t>User Interface</a:t>
-            </a:r>
-            <a:endParaRPr lang="en-US" dirty="0">
-              <a:latin typeface="Calibri"/>
-              <a:cs typeface="Calibri"/>
-            </a:endParaRPr>
-          </a:p>
-          <a:p>
-            <a:pPr>
-              <a:lnSpc>
-                <a:spcPct val="100000"/>
-              </a:lnSpc>
-              <a:spcBef>
-                <a:spcPts val="47"/>
-              </a:spcBef>
-              <a:buClr>
-                <a:srgbClr val="435368"/>
-              </a:buClr>
-              <a:buFont typeface="Wingdings" panose="05000000000000000000" pitchFamily="2" charset="2"/>
-              <a:buChar char="v"/>
-            </a:pPr>
-            <a:endParaRPr lang="en-US" dirty="0">
-              <a:latin typeface="Calibri"/>
-              <a:cs typeface="Calibri"/>
-            </a:endParaRPr>
-          </a:p>
-          <a:p>
-            <a:pPr marL="397077" indent="-380990">
-              <a:lnSpc>
-                <a:spcPct val="100000"/>
-              </a:lnSpc>
-              <a:buFont typeface="Wingdings" panose="05000000000000000000" pitchFamily="2" charset="2"/>
-              <a:buChar char="v"/>
-              <a:tabLst>
-                <a:tab pos="187109" algn="l"/>
-              </a:tabLst>
-            </a:pPr>
-            <a:r>
-              <a:rPr lang="en-US" spc="7" dirty="0">
-                <a:solidFill>
-                  <a:srgbClr val="435368"/>
-                </a:solidFill>
-                <a:latin typeface="Calibri"/>
-                <a:cs typeface="Calibri"/>
-              </a:rPr>
-              <a:t>Hardware Interface</a:t>
-            </a:r>
-            <a:endParaRPr lang="en-US" dirty="0">
-              <a:latin typeface="Calibri"/>
-              <a:cs typeface="Calibri"/>
-            </a:endParaRPr>
-          </a:p>
-          <a:p>
-            <a:pPr>
-              <a:lnSpc>
-                <a:spcPct val="100000"/>
-              </a:lnSpc>
-              <a:spcBef>
-                <a:spcPts val="40"/>
-              </a:spcBef>
-              <a:buClr>
-                <a:srgbClr val="435368"/>
-              </a:buClr>
-              <a:buFont typeface="Wingdings" panose="05000000000000000000" pitchFamily="2" charset="2"/>
-              <a:buChar char="v"/>
-            </a:pPr>
-            <a:endParaRPr lang="en-US" dirty="0">
-              <a:latin typeface="Calibri"/>
-              <a:cs typeface="Calibri"/>
-            </a:endParaRPr>
-          </a:p>
-          <a:p>
-            <a:pPr marL="397077" indent="-380990">
-              <a:lnSpc>
-                <a:spcPct val="100000"/>
-              </a:lnSpc>
-              <a:buFont typeface="Wingdings" panose="05000000000000000000" pitchFamily="2" charset="2"/>
-              <a:buChar char="v"/>
-              <a:tabLst>
-                <a:tab pos="187109" algn="l"/>
-              </a:tabLst>
-            </a:pPr>
-            <a:r>
-              <a:rPr lang="en-US" spc="13" dirty="0">
-                <a:solidFill>
-                  <a:srgbClr val="435368"/>
-                </a:solidFill>
-                <a:latin typeface="Calibri"/>
-                <a:cs typeface="Calibri"/>
-              </a:rPr>
-              <a:t>Software Interface</a:t>
-            </a:r>
-            <a:endParaRPr lang="en-US" dirty="0">
-              <a:latin typeface="Calibri"/>
-              <a:cs typeface="Calibri"/>
-            </a:endParaRPr>
-          </a:p>
-          <a:p>
-            <a:endParaRPr lang="en-US" dirty="0"/>
-          </a:p>
-        </p:txBody>
-      </p:sp>
-    </p:spTree>
-    <p:extLst>
-      <p:ext uri="{BB962C8B-B14F-4D97-AF65-F5344CB8AC3E}">
-        <p14:creationId xmlns:p14="http://schemas.microsoft.com/office/powerpoint/2010/main" val="318449257"/>
-      </p:ext>
-    </p:extLst>
-  </p:cSld>
-  <p:clrMapOvr>
-    <a:masterClrMapping/>
-  </p:clrMapOvr>
-</p:sld>
-</file>
-
-<file path=ppt/slides/slide23.xml><?xml version="1.0" encoding="utf-8"?>
-<p:sld xmlns:a="http://schemas.openxmlformats.org/drawingml/2006/main" xmlns:r="http://schemas.openxmlformats.org/officeDocument/2006/relationships" xmlns:p="http://schemas.openxmlformats.org/presentationml/2006/main">
-  <p:cSld>
-    <p:spTree>
-      <p:nvGrpSpPr>
-        <p:cNvPr id="1" name=""/>
-        <p:cNvGrpSpPr/>
-        <p:nvPr/>
-      </p:nvGrpSpPr>
-      <p:grpSpPr>
-        <a:xfrm>
-          <a:off x="0" y="0"/>
-          <a:ext cx="0" cy="0"/>
-          <a:chOff x="0" y="0"/>
-          <a:chExt cx="0" cy="0"/>
-        </a:xfrm>
-      </p:grpSpPr>
-      <p:sp>
-        <p:nvSpPr>
-          <p:cNvPr id="2" name="Title 1"/>
-          <p:cNvSpPr>
-            <a:spLocks noGrp="1"/>
-          </p:cNvSpPr>
-          <p:nvPr>
-            <p:ph type="title"/>
-          </p:nvPr>
-        </p:nvSpPr>
-        <p:spPr/>
-        <p:txBody>
-          <a:bodyPr/>
-          <a:lstStyle/>
-          <a:p>
-            <a:r>
               <a:rPr lang="en-US" spc="7" dirty="0"/>
               <a:t>NON-FUNCTIONAL</a:t>
             </a:r>
@@ -18732,31 +18305,15 @@
                 <a:latin typeface="Calibri" panose="020F0502020204030204" pitchFamily="34" charset="0"/>
                 <a:cs typeface="Calibri" panose="020F0502020204030204" pitchFamily="34" charset="0"/>
               </a:rPr>
-              <a:t>Maintainability and Extensibility</a:t>
-            </a:r>
-            <a:endParaRPr lang="en-US" dirty="0">
-              <a:latin typeface="Calibri" panose="020F0502020204030204" pitchFamily="34" charset="0"/>
-              <a:cs typeface="Calibri" panose="020F0502020204030204" pitchFamily="34" charset="0"/>
-            </a:endParaRPr>
-          </a:p>
-          <a:p>
-            <a:pPr>
-              <a:lnSpc>
-                <a:spcPct val="100000"/>
-              </a:lnSpc>
-              <a:spcBef>
-                <a:spcPts val="40"/>
-              </a:spcBef>
-              <a:buClr>
-                <a:srgbClr val="435368"/>
-              </a:buClr>
-              <a:buFont typeface="Wingdings" panose="05000000000000000000" pitchFamily="2" charset="2"/>
-              <a:buChar char="v"/>
-            </a:pPr>
-            <a:endParaRPr lang="en-US" dirty="0">
-              <a:latin typeface="Calibri"/>
-              <a:cs typeface="Calibri"/>
-            </a:endParaRPr>
+              <a:t>Maintainability and </a:t>
+            </a:r>
+            <a:r>
+              <a:rPr lang="en-GB" dirty="0" smtClean="0">
+                <a:latin typeface="Calibri" panose="020F0502020204030204" pitchFamily="34" charset="0"/>
+                <a:cs typeface="Calibri" panose="020F0502020204030204" pitchFamily="34" charset="0"/>
+              </a:rPr>
+              <a:t>Extensibility</a:t>
+            </a:r>
           </a:p>
           <a:p>
             <a:pPr marL="397077" indent="-380990">
@@ -18769,22 +18326,15 @@
                 <a:tab pos="187109" algn="l"/>
               </a:tabLst>
             </a:pPr>
-            <a:r>
-              <a:rPr lang="en-US" spc="13" dirty="0">
-                <a:latin typeface="Calibri"/>
-                <a:cs typeface="Calibri"/>
-              </a:rPr>
-              <a:t>Usability</a:t>
-            </a:r>
-            <a:endParaRPr lang="en-US" dirty="0">
-              <a:latin typeface="Calibri"/>
-              <a:cs typeface="Calibri"/>
+            <a:endParaRPr lang="en-GB" dirty="0" smtClean="0">
+              <a:latin typeface="Calibri" panose="020F0502020204030204" pitchFamily="34" charset="0"/>
+              <a:cs typeface="Calibri" panose="020F0502020204030204" pitchFamily="34" charset="0"/>
             </a:endParaRPr>
           </a:p>
           <a:p>
-            <a:pPr marL="397077" marR="2046342" indent="-380990">
+            <a:pPr marL="397077" indent="-380990">
               <a:lnSpc>
-                <a:spcPct val="203399"/>
+                <a:spcPct val="100000"/>
               </a:lnSpc>
               <a:buFont typeface="Wingdings" panose="05000000000000000000" pitchFamily="2" charset="2"/>
               <a:buChar char="v"/>
@@ -18793,12 +18343,55 @@
               </a:tabLst>
             </a:pPr>
             <a:r>
+              <a:rPr lang="en-US" spc="13" dirty="0" smtClean="0">
+                <a:latin typeface="Calibri"/>
+                <a:cs typeface="Calibri"/>
+              </a:rPr>
+              <a:t>Performance</a:t>
+            </a:r>
+            <a:endParaRPr lang="en-US" dirty="0">
+              <a:latin typeface="Calibri" panose="020F0502020204030204" pitchFamily="34" charset="0"/>
+              <a:cs typeface="Calibri" panose="020F0502020204030204" pitchFamily="34" charset="0"/>
+            </a:endParaRPr>
+          </a:p>
+          <a:p>
+            <a:pPr marL="397077" indent="-380990">
+              <a:lnSpc>
+                <a:spcPct val="100000"/>
+              </a:lnSpc>
+              <a:buFont typeface="Wingdings" panose="05000000000000000000" pitchFamily="2" charset="2"/>
+              <a:buChar char="v"/>
+              <a:tabLst>
+                <a:tab pos="187109" algn="l"/>
+              </a:tabLst>
+            </a:pPr>
+            <a:endParaRPr lang="en-US" dirty="0">
+              <a:latin typeface="Calibri"/>
+              <a:cs typeface="Calibri"/>
+            </a:endParaRPr>
+          </a:p>
+          <a:p>
+            <a:pPr marL="397077" indent="-380990">
+              <a:lnSpc>
+                <a:spcPct val="100000"/>
+              </a:lnSpc>
+              <a:buFont typeface="Wingdings" panose="05000000000000000000" pitchFamily="2" charset="2"/>
+              <a:buChar char="v"/>
+              <a:tabLst>
+                <a:tab pos="187109" algn="l"/>
+              </a:tabLst>
+            </a:pPr>
+            <a:r>
               <a:rPr lang="en-US" spc="13" dirty="0">
                 <a:latin typeface="Calibri"/>
                 <a:cs typeface="Calibri"/>
               </a:rPr>
-              <a:t>Performance</a:t>
-            </a:r>
+              <a:t>Usability</a:t>
+            </a:r>
+            <a:endParaRPr lang="en-US" dirty="0">
+              <a:latin typeface="Calibri"/>
+              <a:cs typeface="Calibri"/>
+            </a:endParaRPr>
           </a:p>
           <a:p>
             <a:endParaRPr lang="en-US" dirty="0"/>
@@ -18818,7 +18411,7 @@
 </p:sld>
 </file>
 
-<file path=ppt/slides/slide24.xml><?xml version="1.0" encoding="utf-8"?>
+<file path=ppt/slides/slide23.xml><?xml version="1.0" encoding="utf-8"?>
 <p:sld xmlns:a="http://schemas.openxmlformats.org/drawingml/2006/main" xmlns:r="http://schemas.openxmlformats.org/officeDocument/2006/relationships" xmlns:p="http://schemas.openxmlformats.org/presentationml/2006/main">
   <p:cSld>
     <p:spTree>
@@ -18918,7 +18511,7 @@
 </p:sld>
 </file>
 
-<file path=ppt/slides/slide25.xml><?xml version="1.0" encoding="utf-8"?>
+<file path=ppt/slides/slide24.xml><?xml version="1.0" encoding="utf-8"?>
 <p:sld xmlns:a="http://schemas.openxmlformats.org/drawingml/2006/main" xmlns:r="http://schemas.openxmlformats.org/officeDocument/2006/relationships" xmlns:p="http://schemas.openxmlformats.org/presentationml/2006/main">
   <p:cSld>
     <p:spTree>
@@ -19138,7 +18731,7 @@
 </p:sld>
 </file>
 
-<file path=ppt/slides/slide26.xml><?xml version="1.0" encoding="utf-8"?>
+<file path=ppt/slides/slide25.xml><?xml version="1.0" encoding="utf-8"?>
 <p:sld xmlns:a="http://schemas.openxmlformats.org/drawingml/2006/main" xmlns:r="http://schemas.openxmlformats.org/officeDocument/2006/relationships" xmlns:p="http://schemas.openxmlformats.org/presentationml/2006/main">
   <p:cSld>
     <p:spTree>
@@ -19249,7 +18842,7 @@
 </p:sld>
 </file>
 
-<file path=ppt/slides/slide27.xml><?xml version="1.0" encoding="utf-8"?>
+<file path=ppt/slides/slide26.xml><?xml version="1.0" encoding="utf-8"?>
 <p:sld xmlns:a="http://schemas.openxmlformats.org/drawingml/2006/main" xmlns:r="http://schemas.openxmlformats.org/officeDocument/2006/relationships" xmlns:p="http://schemas.openxmlformats.org/presentationml/2006/main">
   <p:cSld>
     <p:spTree>
@@ -19359,7 +18952,7 @@
 </p:sld>
 </file>
 
-<file path=ppt/slides/slide28.xml><?xml version="1.0" encoding="utf-8"?>
+<file path=ppt/slides/slide27.xml><?xml version="1.0" encoding="utf-8"?>
 <p:sld xmlns:a="http://schemas.openxmlformats.org/drawingml/2006/main" xmlns:r="http://schemas.openxmlformats.org/officeDocument/2006/relationships" xmlns:p="http://schemas.openxmlformats.org/presentationml/2006/main">
   <p:cSld>
     <p:spTree>
@@ -19451,7 +19044,7 @@
 </p:sld>
 </file>
 
-<file path=ppt/slides/slide29.xml><?xml version="1.0" encoding="utf-8"?>
+<file path=ppt/slides/slide28.xml><?xml version="1.0" encoding="utf-8"?>
 <p:sld xmlns:a="http://schemas.openxmlformats.org/drawingml/2006/main" xmlns:r="http://schemas.openxmlformats.org/officeDocument/2006/relationships" xmlns:p="http://schemas.openxmlformats.org/presentationml/2006/main">
   <p:cSld>
     <p:spTree>
@@ -19542,6 +19135,100 @@
     <p:extLst>
       <p:ext uri="{BB962C8B-B14F-4D97-AF65-F5344CB8AC3E}">
         <p14:creationId xmlns:p14="http://schemas.microsoft.com/office/powerpoint/2010/main" val="104968935"/>
+      </p:ext>
+    </p:extLst>
+  </p:cSld>
+  <p:clrMapOvr>
+    <a:masterClrMapping/>
+  </p:clrMapOvr>
+</p:sld>
+</file>
+
+<file path=ppt/slides/slide29.xml><?xml version="1.0" encoding="utf-8"?>
+<p:sld xmlns:a="http://schemas.openxmlformats.org/drawingml/2006/main" xmlns:r="http://schemas.openxmlformats.org/officeDocument/2006/relationships" xmlns:p="http://schemas.openxmlformats.org/presentationml/2006/main">
+  <p:cSld>
+    <p:spTree>
+      <p:nvGrpSpPr>
+        <p:cNvPr id="1" name=""/>
+        <p:cNvGrpSpPr/>
+        <p:nvPr/>
+      </p:nvGrpSpPr>
+      <p:grpSpPr>
+        <a:xfrm>
+          <a:off x="0" y="0"/>
+          <a:ext cx="0" cy="0"/>
+          <a:chOff x="0" y="0"/>
+          <a:chExt cx="0" cy="0"/>
+        </a:xfrm>
+      </p:grpSpPr>
+      <p:sp>
+        <p:nvSpPr>
+          <p:cNvPr id="2" name="Title 1"/>
+          <p:cNvSpPr>
+            <a:spLocks noGrp="1"/>
+          </p:cNvSpPr>
+          <p:nvPr>
+            <p:ph type="title"/>
+          </p:nvPr>
+        </p:nvSpPr>
+        <p:spPr>
+          <a:xfrm>
+            <a:off x="466268" y="507845"/>
+            <a:ext cx="11280000" cy="763600"/>
+          </a:xfrm>
+        </p:spPr>
+        <p:txBody>
+          <a:bodyPr/>
+          <a:lstStyle/>
+          <a:p>
+            <a:r>
+              <a:rPr lang="en-US" dirty="0"/>
+              <a:t>Class</a:t>
+            </a:r>
+            <a:br>
+              <a:rPr lang="en-US" dirty="0"/>
+            </a:br>
+            <a:r>
+              <a:rPr lang="en-US" dirty="0"/>
+              <a:t>Diagram</a:t>
+            </a:r>
+          </a:p>
+        </p:txBody>
+      </p:sp>
+      <p:pic>
+        <p:nvPicPr>
+          <p:cNvPr id="3" name="Picture 2"/>
+          <p:cNvPicPr>
+            <a:picLocks noChangeAspect="1"/>
+          </p:cNvPicPr>
+          <p:nvPr/>
+        </p:nvPicPr>
+        <p:blipFill>
+          <a:blip r:embed="rId2">
+            <a:extLst>
+              <a:ext uri="{28A0092B-C50C-407E-A947-70E740481C1C}">
+                <a14:useLocalDpi xmlns:a14="http://schemas.microsoft.com/office/drawing/2010/main" val="0"/>
+              </a:ext>
+            </a:extLst>
+          </a:blip>
+          <a:stretch>
+            <a:fillRect/>
+          </a:stretch>
+        </p:blipFill>
+        <p:spPr>
+          <a:xfrm>
+            <a:off x="4217354" y="297179"/>
+            <a:ext cx="7151260" cy="5632565"/>
+          </a:xfrm>
+          <a:prstGeom prst="rect">
+            <a:avLst/>
+          </a:prstGeom>
+        </p:spPr>
+      </p:pic>
+    </p:spTree>
+    <p:extLst>
+      <p:ext uri="{BB962C8B-B14F-4D97-AF65-F5344CB8AC3E}">
+        <p14:creationId xmlns:p14="http://schemas.microsoft.com/office/powerpoint/2010/main" val="1084392352"/>
       </p:ext>
     </p:extLst>
   </p:cSld>
@@ -21213,100 +20900,6 @@
           <a:p>
             <a:r>
               <a:rPr lang="en-US" dirty="0"/>
-              <a:t>Class</a:t>
-            </a:r>
-            <a:br>
-              <a:rPr lang="en-US" dirty="0"/>
-            </a:br>
-            <a:r>
-              <a:rPr lang="en-US" dirty="0"/>
-              <a:t>Diagram</a:t>
-            </a:r>
-          </a:p>
-        </p:txBody>
-      </p:sp>
-      <p:pic>
-        <p:nvPicPr>
-          <p:cNvPr id="3" name="Picture 2"/>
-          <p:cNvPicPr>
-            <a:picLocks noChangeAspect="1"/>
-          </p:cNvPicPr>
-          <p:nvPr/>
-        </p:nvPicPr>
-        <p:blipFill>
-          <a:blip r:embed="rId2">
-            <a:extLst>
-              <a:ext uri="{28A0092B-C50C-407E-A947-70E740481C1C}">
-                <a14:useLocalDpi xmlns:a14="http://schemas.microsoft.com/office/drawing/2010/main" val="0"/>
-              </a:ext>
-            </a:extLst>
-          </a:blip>
-          <a:stretch>
-            <a:fillRect/>
-          </a:stretch>
-        </p:blipFill>
-        <p:spPr>
-          <a:xfrm>
-            <a:off x="4217354" y="297179"/>
-            <a:ext cx="7151260" cy="5632565"/>
-          </a:xfrm>
-          <a:prstGeom prst="rect">
-            <a:avLst/>
-          </a:prstGeom>
-        </p:spPr>
-      </p:pic>
-    </p:spTree>
-    <p:extLst>
-      <p:ext uri="{BB962C8B-B14F-4D97-AF65-F5344CB8AC3E}">
-        <p14:creationId xmlns:p14="http://schemas.microsoft.com/office/powerpoint/2010/main" val="1084392352"/>
-      </p:ext>
-    </p:extLst>
-  </p:cSld>
-  <p:clrMapOvr>
-    <a:masterClrMapping/>
-  </p:clrMapOvr>
-</p:sld>
-</file>
-
-<file path=ppt/slides/slide31.xml><?xml version="1.0" encoding="utf-8"?>
-<p:sld xmlns:a="http://schemas.openxmlformats.org/drawingml/2006/main" xmlns:r="http://schemas.openxmlformats.org/officeDocument/2006/relationships" xmlns:p="http://schemas.openxmlformats.org/presentationml/2006/main">
-  <p:cSld>
-    <p:spTree>
-      <p:nvGrpSpPr>
-        <p:cNvPr id="1" name=""/>
-        <p:cNvGrpSpPr/>
-        <p:nvPr/>
-      </p:nvGrpSpPr>
-      <p:grpSpPr>
-        <a:xfrm>
-          <a:off x="0" y="0"/>
-          <a:ext cx="0" cy="0"/>
-          <a:chOff x="0" y="0"/>
-          <a:chExt cx="0" cy="0"/>
-        </a:xfrm>
-      </p:grpSpPr>
-      <p:sp>
-        <p:nvSpPr>
-          <p:cNvPr id="2" name="Title 1"/>
-          <p:cNvSpPr>
-            <a:spLocks noGrp="1"/>
-          </p:cNvSpPr>
-          <p:nvPr>
-            <p:ph type="title"/>
-          </p:nvPr>
-        </p:nvSpPr>
-        <p:spPr>
-          <a:xfrm>
-            <a:off x="466268" y="507845"/>
-            <a:ext cx="11280000" cy="763600"/>
-          </a:xfrm>
-        </p:spPr>
-        <p:txBody>
-          <a:bodyPr/>
-          <a:lstStyle/>
-          <a:p>
-            <a:r>
-              <a:rPr lang="en-US" dirty="0"/>
               <a:t>Sequence</a:t>
             </a:r>
             <a:br>
@@ -21362,7 +20955,7 @@
 </p:sld>
 </file>
 
-<file path=ppt/slides/slide32.xml><?xml version="1.0" encoding="utf-8"?>
+<file path=ppt/slides/slide31.xml><?xml version="1.0" encoding="utf-8"?>
 <p:sld xmlns:a="http://schemas.openxmlformats.org/drawingml/2006/main" xmlns:r="http://schemas.openxmlformats.org/officeDocument/2006/relationships" xmlns:p="http://schemas.openxmlformats.org/presentationml/2006/main">
   <p:cSld>
     <p:spTree>
@@ -21475,7 +21068,7 @@
 </p:sld>
 </file>
 
-<file path=ppt/slides/slide33.xml><?xml version="1.0" encoding="utf-8"?>
+<file path=ppt/slides/slide32.xml><?xml version="1.0" encoding="utf-8"?>
 <p:sld xmlns:a="http://schemas.openxmlformats.org/drawingml/2006/main" xmlns:r="http://schemas.openxmlformats.org/officeDocument/2006/relationships" xmlns:p="http://schemas.openxmlformats.org/presentationml/2006/main">
   <p:cSld>
     <p:spTree>
@@ -21846,7 +21439,7 @@
 </p:sld>
 </file>
 
-<file path=ppt/slides/slide34.xml><?xml version="1.0" encoding="utf-8"?>
+<file path=ppt/slides/slide33.xml><?xml version="1.0" encoding="utf-8"?>
 <p:sld xmlns:a="http://schemas.openxmlformats.org/drawingml/2006/main" xmlns:r="http://schemas.openxmlformats.org/officeDocument/2006/relationships" xmlns:p="http://schemas.openxmlformats.org/presentationml/2006/main">
   <p:cSld>
     <p:spTree>
@@ -21930,8 +21523,8 @@
         </p:blipFill>
         <p:spPr>
           <a:xfrm>
-            <a:off x="1547702" y="3747305"/>
-            <a:ext cx="927644" cy="713860"/>
+            <a:off x="1547702" y="3852611"/>
+            <a:ext cx="927644" cy="608554"/>
           </a:xfrm>
           <a:prstGeom prst="rect">
             <a:avLst/>
@@ -21961,8 +21554,8 @@
         </p:blipFill>
         <p:spPr bwMode="auto">
           <a:xfrm>
-            <a:off x="6681608" y="3596182"/>
-            <a:ext cx="1109670" cy="1016106"/>
+            <a:off x="7566597" y="3419743"/>
+            <a:ext cx="1373361" cy="1257563"/>
           </a:xfrm>
           <a:prstGeom prst="rect">
             <a:avLst/>
@@ -22002,8 +21595,8 @@
         </p:blipFill>
         <p:spPr bwMode="auto">
           <a:xfrm>
-            <a:off x="6681608" y="5326166"/>
-            <a:ext cx="1431808" cy="561493"/>
+            <a:off x="7653757" y="5333353"/>
+            <a:ext cx="1286202" cy="504393"/>
           </a:xfrm>
           <a:prstGeom prst="rect">
             <a:avLst/>
@@ -22069,8 +21662,8 @@
         </p:nvSpPr>
         <p:spPr>
           <a:xfrm>
-            <a:off x="8113416" y="3898429"/>
-            <a:ext cx="3343351" cy="461665"/>
+            <a:off x="8800097" y="3852611"/>
+            <a:ext cx="2663421" cy="461665"/>
           </a:xfrm>
           <a:prstGeom prst="rect">
             <a:avLst/>
@@ -22083,12 +21676,28 @@
           <a:lstStyle/>
           <a:p>
             <a:r>
+              <a:rPr lang="en-GB" sz="2400" dirty="0" smtClean="0">
+                <a:latin typeface="Times New Roman" panose="02020603050405020304" pitchFamily="18" charset="0"/>
+                <a:ea typeface="Calibri" panose="020F0502020204030204" pitchFamily="34" charset="0"/>
+                <a:cs typeface="Arial" panose="020B0604020202020204" pitchFamily="34" charset="0"/>
+              </a:rPr>
+              <a:t>Write Unit test</a:t>
+            </a:r>
+            <a:r>
+              <a:rPr lang="en-GB" sz="2400" dirty="0" smtClean="0">
+                <a:latin typeface="Times New Roman" panose="02020603050405020304" pitchFamily="18" charset="0"/>
+                <a:ea typeface="Calibri" panose="020F0502020204030204" pitchFamily="34" charset="0"/>
+                <a:cs typeface="Arial" panose="020B0604020202020204" pitchFamily="34" charset="0"/>
+              </a:rPr>
+              <a:t>, </a:t>
+            </a:r>
+            <a:r>
               <a:rPr lang="en-GB" sz="2400" dirty="0">
                 <a:latin typeface="Times New Roman" panose="02020603050405020304" pitchFamily="18" charset="0"/>
                 <a:ea typeface="Calibri" panose="020F0502020204030204" pitchFamily="34" charset="0"/>
                 <a:cs typeface="Arial" panose="020B0604020202020204" pitchFamily="34" charset="0"/>
               </a:rPr>
-              <a:t>View app, bug login, etc..</a:t>
+              <a:t>etc..</a:t>
             </a:r>
             <a:endParaRPr lang="en-US" sz="2400" dirty="0"/>
           </a:p>
@@ -22168,7 +21777,7 @@
         <p:spPr>
           <a:xfrm>
             <a:off x="2745278" y="5376081"/>
-            <a:ext cx="3343351" cy="461665"/>
+            <a:ext cx="4221797" cy="461665"/>
           </a:xfrm>
           <a:prstGeom prst="rect">
             <a:avLst/>
@@ -22181,12 +21790,20 @@
           <a:lstStyle/>
           <a:p>
             <a:r>
+              <a:rPr lang="en-GB" sz="2400" dirty="0" smtClean="0">
+                <a:latin typeface="Times New Roman" panose="02020603050405020304" pitchFamily="18" charset="0"/>
+                <a:ea typeface="Calibri" panose="020F0502020204030204" pitchFamily="34" charset="0"/>
+                <a:cs typeface="Arial" panose="020B0604020202020204" pitchFamily="34" charset="0"/>
+              </a:rPr>
+              <a:t>View source ,write unit test, </a:t>
+            </a:r>
+            <a:r>
               <a:rPr lang="en-GB" sz="2400" dirty="0">
                 <a:latin typeface="Times New Roman" panose="02020603050405020304" pitchFamily="18" charset="0"/>
                 <a:ea typeface="Calibri" panose="020F0502020204030204" pitchFamily="34" charset="0"/>
                 <a:cs typeface="Arial" panose="020B0604020202020204" pitchFamily="34" charset="0"/>
               </a:rPr>
-              <a:t>View app, bug login, etc..</a:t>
+              <a:t>etc..</a:t>
             </a:r>
             <a:endParaRPr lang="en-US" sz="2400" dirty="0"/>
           </a:p>
@@ -22200,7 +21817,7 @@
         </p:nvSpPr>
         <p:spPr>
           <a:xfrm>
-            <a:off x="8592809" y="5376081"/>
+            <a:off x="9279490" y="5330263"/>
             <a:ext cx="1834156" cy="461665"/>
           </a:xfrm>
           <a:prstGeom prst="rect">
@@ -22238,7 +21855,7 @@
 </p:sld>
 </file>
 
-<file path=ppt/slides/slide35.xml><?xml version="1.0" encoding="utf-8"?>
+<file path=ppt/slides/slide34.xml><?xml version="1.0" encoding="utf-8"?>
 <p:sld xmlns:a="http://schemas.openxmlformats.org/drawingml/2006/main" xmlns:r="http://schemas.openxmlformats.org/officeDocument/2006/relationships" xmlns:p="http://schemas.openxmlformats.org/presentationml/2006/main">
   <p:cSld>
     <p:spTree>
@@ -22328,7 +21945,7 @@
 </p:sld>
 </file>
 
-<file path=ppt/slides/slide36.xml><?xml version="1.0" encoding="utf-8"?>
+<file path=ppt/slides/slide35.xml><?xml version="1.0" encoding="utf-8"?>
 <p:sld xmlns:a="http://schemas.openxmlformats.org/drawingml/2006/main" xmlns:r="http://schemas.openxmlformats.org/officeDocument/2006/relationships" xmlns:p="http://schemas.openxmlformats.org/presentationml/2006/main">
   <p:cSld>
     <p:spTree>
@@ -22422,7 +22039,7 @@
 </p:sld>
 </file>
 
-<file path=ppt/slides/slide37.xml><?xml version="1.0" encoding="utf-8"?>
+<file path=ppt/slides/slide36.xml><?xml version="1.0" encoding="utf-8"?>
 <p:sld xmlns:a="http://schemas.openxmlformats.org/drawingml/2006/main" xmlns:r="http://schemas.openxmlformats.org/officeDocument/2006/relationships" xmlns:p="http://schemas.openxmlformats.org/presentationml/2006/main">
   <p:cSld>
     <p:spTree>
@@ -22511,110 +22128,7 @@
 </p:sld>
 </file>
 
-<file path=ppt/slides/slide38.xml><?xml version="1.0" encoding="utf-8"?>
-<p:sld xmlns:a="http://schemas.openxmlformats.org/drawingml/2006/main" xmlns:r="http://schemas.openxmlformats.org/officeDocument/2006/relationships" xmlns:p="http://schemas.openxmlformats.org/presentationml/2006/main">
-  <p:cSld>
-    <p:spTree>
-      <p:nvGrpSpPr>
-        <p:cNvPr id="1" name=""/>
-        <p:cNvGrpSpPr/>
-        <p:nvPr/>
-      </p:nvGrpSpPr>
-      <p:grpSpPr>
-        <a:xfrm>
-          <a:off x="0" y="0"/>
-          <a:ext cx="0" cy="0"/>
-          <a:chOff x="0" y="0"/>
-          <a:chExt cx="0" cy="0"/>
-        </a:xfrm>
-      </p:grpSpPr>
-      <p:sp>
-        <p:nvSpPr>
-          <p:cNvPr id="2" name="Title 1"/>
-          <p:cNvSpPr>
-            <a:spLocks noGrp="1"/>
-          </p:cNvSpPr>
-          <p:nvPr>
-            <p:ph type="title"/>
-          </p:nvPr>
-        </p:nvSpPr>
-        <p:spPr>
-          <a:xfrm>
-            <a:off x="845149" y="2162908"/>
-            <a:ext cx="5657252" cy="2350400"/>
-          </a:xfrm>
-        </p:spPr>
-        <p:txBody>
-          <a:bodyPr/>
-          <a:lstStyle/>
-          <a:p>
-            <a:r>
-              <a:rPr lang="en-US" sz="5333" b="1" dirty="0"/>
-              <a:t>TYPE </a:t>
-            </a:r>
-            <a:r>
-              <a:rPr lang="en-US" sz="5333" b="1" spc="7" dirty="0"/>
-              <a:t>OF</a:t>
-            </a:r>
-            <a:r>
-              <a:rPr lang="en-US" sz="5333" b="1" spc="-67" dirty="0"/>
-              <a:t> </a:t>
-            </a:r>
-            <a:br>
-              <a:rPr lang="en-US" sz="5333" b="1" spc="-67" dirty="0"/>
-            </a:br>
-            <a:r>
-              <a:rPr lang="en-US" sz="5333" b="1" spc="-7" dirty="0"/>
-              <a:t>TESTING</a:t>
-            </a:r>
-            <a:endParaRPr lang="en-US" sz="5333" b="1" dirty="0"/>
-          </a:p>
-        </p:txBody>
-      </p:sp>
-      <p:pic>
-        <p:nvPicPr>
-          <p:cNvPr id="3" name="Picture 2"/>
-          <p:cNvPicPr>
-            <a:picLocks noChangeAspect="1"/>
-          </p:cNvPicPr>
-          <p:nvPr/>
-        </p:nvPicPr>
-        <p:blipFill>
-          <a:blip r:embed="rId3">
-            <a:extLst>
-              <a:ext uri="{28A0092B-C50C-407E-A947-70E740481C1C}">
-                <a14:useLocalDpi xmlns:a14="http://schemas.microsoft.com/office/drawing/2010/main" val="0"/>
-              </a:ext>
-            </a:extLst>
-          </a:blip>
-          <a:stretch>
-            <a:fillRect/>
-          </a:stretch>
-        </p:blipFill>
-        <p:spPr>
-          <a:xfrm>
-            <a:off x="6187757" y="0"/>
-            <a:ext cx="5173580" cy="6858000"/>
-          </a:xfrm>
-          <a:prstGeom prst="rect">
-            <a:avLst/>
-          </a:prstGeom>
-        </p:spPr>
-      </p:pic>
-    </p:spTree>
-    <p:extLst>
-      <p:ext uri="{BB962C8B-B14F-4D97-AF65-F5344CB8AC3E}">
-        <p14:creationId xmlns:p14="http://schemas.microsoft.com/office/powerpoint/2010/main" val="771206965"/>
-      </p:ext>
-    </p:extLst>
-  </p:cSld>
-  <p:clrMapOvr>
-    <a:masterClrMapping/>
-  </p:clrMapOvr>
-</p:sld>
-</file>
-
-<file path=ppt/slides/slide39.xml><?xml version="1.0" encoding="utf-8"?>
+<file path=ppt/slides/slide37.xml><?xml version="1.0" encoding="utf-8"?>
 <p:sld xmlns:a="http://schemas.openxmlformats.org/drawingml/2006/main" xmlns:r="http://schemas.openxmlformats.org/officeDocument/2006/relationships" xmlns:p="http://schemas.openxmlformats.org/presentationml/2006/main">
   <p:cSld>
     <p:spTree>
@@ -27352,140 +26866,7 @@
 </p:sld>
 </file>
 
-<file path=ppt/slides/slide4.xml><?xml version="1.0" encoding="utf-8"?>
-<p:sld xmlns:a="http://schemas.openxmlformats.org/drawingml/2006/main" xmlns:r="http://schemas.openxmlformats.org/officeDocument/2006/relationships" xmlns:p="http://schemas.openxmlformats.org/presentationml/2006/main">
-  <p:cSld>
-    <p:spTree>
-      <p:nvGrpSpPr>
-        <p:cNvPr id="1" name="Shape 317"/>
-        <p:cNvGrpSpPr/>
-        <p:nvPr/>
-      </p:nvGrpSpPr>
-      <p:grpSpPr>
-        <a:xfrm>
-          <a:off x="0" y="0"/>
-          <a:ext cx="0" cy="0"/>
-          <a:chOff x="0" y="0"/>
-          <a:chExt cx="0" cy="0"/>
-        </a:xfrm>
-      </p:grpSpPr>
-      <p:sp>
-        <p:nvSpPr>
-          <p:cNvPr id="318" name="Google Shape;318;p44"/>
-          <p:cNvSpPr txBox="1">
-            <a:spLocks noGrp="1"/>
-          </p:cNvSpPr>
-          <p:nvPr>
-            <p:ph type="title"/>
-          </p:nvPr>
-        </p:nvSpPr>
-        <p:spPr>
-          <a:xfrm>
-            <a:off x="441609" y="3655939"/>
-            <a:ext cx="8072000" cy="1122400"/>
-          </a:xfrm>
-          <a:prstGeom prst="rect">
-            <a:avLst/>
-          </a:prstGeom>
-        </p:spPr>
-        <p:txBody>
-          <a:bodyPr spcFirstLastPara="1" vert="horz" wrap="square" lIns="121900" tIns="121900" rIns="121900" bIns="121900" rtlCol="0" anchor="ctr" anchorCtr="0">
-            <a:noAutofit/>
-          </a:bodyPr>
-          <a:lstStyle/>
-          <a:p>
-            <a:pPr marL="16933" marR="6773">
-              <a:lnSpc>
-                <a:spcPct val="102000"/>
-              </a:lnSpc>
-              <a:spcBef>
-                <a:spcPts val="107"/>
-              </a:spcBef>
-            </a:pPr>
-            <a:r>
-              <a:rPr lang="en-US" b="1" spc="13" dirty="0">
-                <a:solidFill>
-                  <a:schemeClr val="bg1"/>
-                </a:solidFill>
-                <a:latin typeface="Calibri"/>
-                <a:cs typeface="Calibri"/>
-              </a:rPr>
-              <a:t>1.CURRENT</a:t>
-            </a:r>
-            <a:r>
-              <a:rPr lang="en-US" b="1" spc="-60" dirty="0">
-                <a:solidFill>
-                  <a:schemeClr val="bg1"/>
-                </a:solidFill>
-                <a:latin typeface="Calibri"/>
-                <a:cs typeface="Calibri"/>
-              </a:rPr>
-              <a:t> </a:t>
-            </a:r>
-            <a:r>
-              <a:rPr lang="en-US" b="1" spc="-20" dirty="0">
-                <a:solidFill>
-                  <a:schemeClr val="bg1"/>
-                </a:solidFill>
-                <a:latin typeface="Calibri"/>
-                <a:cs typeface="Calibri"/>
-              </a:rPr>
-              <a:t>SITUATION  </a:t>
-            </a:r>
-            <a:r>
-              <a:rPr lang="en-US" b="1" spc="27" dirty="0">
-                <a:solidFill>
-                  <a:schemeClr val="bg1"/>
-                </a:solidFill>
-                <a:latin typeface="Calibri"/>
-                <a:cs typeface="Calibri"/>
-              </a:rPr>
-              <a:t>&amp;</a:t>
-            </a:r>
-            <a:r>
-              <a:rPr lang="en-US" b="1" spc="-13" dirty="0">
-                <a:solidFill>
-                  <a:schemeClr val="bg1"/>
-                </a:solidFill>
-                <a:latin typeface="Calibri"/>
-                <a:cs typeface="Calibri"/>
-              </a:rPr>
-              <a:t> </a:t>
-            </a:r>
-            <a:r>
-              <a:rPr lang="en-US" b="1" spc="7" dirty="0">
-                <a:solidFill>
-                  <a:schemeClr val="bg1"/>
-                </a:solidFill>
-                <a:latin typeface="Calibri"/>
-                <a:cs typeface="Calibri"/>
-              </a:rPr>
-              <a:t>SOLUTION</a:t>
-            </a:r>
-            <a:endParaRPr lang="en-US" b="1" dirty="0">
-              <a:solidFill>
-                <a:schemeClr val="bg1"/>
-              </a:solidFill>
-              <a:latin typeface="Calibri"/>
-              <a:cs typeface="Calibri"/>
-            </a:endParaRPr>
-          </a:p>
-        </p:txBody>
-      </p:sp>
-    </p:spTree>
-    <p:extLst>
-      <p:ext uri="{BB962C8B-B14F-4D97-AF65-F5344CB8AC3E}">
-        <p14:creationId xmlns:p14="http://schemas.microsoft.com/office/powerpoint/2010/main" val="4081755344"/>
-      </p:ext>
-    </p:extLst>
-  </p:cSld>
-  <p:clrMapOvr>
-    <a:masterClrMapping/>
-  </p:clrMapOvr>
-</p:sld>
-</file>
-
-<file path=ppt/slides/slide40.xml><?xml version="1.0" encoding="utf-8"?>
+<file path=ppt/slides/slide38.xml><?xml version="1.0" encoding="utf-8"?>
 <p:sld xmlns:a="http://schemas.openxmlformats.org/drawingml/2006/main" xmlns:r="http://schemas.openxmlformats.org/officeDocument/2006/relationships" xmlns:p="http://schemas.openxmlformats.org/presentationml/2006/main">
   <p:cSld>
     <p:spTree>
@@ -27794,7 +27175,7 @@
 </p:sld>
 </file>
 
-<file path=ppt/slides/slide41.xml><?xml version="1.0" encoding="utf-8"?>
+<file path=ppt/slides/slide39.xml><?xml version="1.0" encoding="utf-8"?>
 <p:sld xmlns:a="http://schemas.openxmlformats.org/drawingml/2006/main" xmlns:r="http://schemas.openxmlformats.org/officeDocument/2006/relationships" xmlns:p="http://schemas.openxmlformats.org/presentationml/2006/main">
   <p:cSld>
     <p:spTree>
@@ -27894,7 +27275,140 @@
 </p:sld>
 </file>
 
-<file path=ppt/slides/slide42.xml><?xml version="1.0" encoding="utf-8"?>
+<file path=ppt/slides/slide4.xml><?xml version="1.0" encoding="utf-8"?>
+<p:sld xmlns:a="http://schemas.openxmlformats.org/drawingml/2006/main" xmlns:r="http://schemas.openxmlformats.org/officeDocument/2006/relationships" xmlns:p="http://schemas.openxmlformats.org/presentationml/2006/main">
+  <p:cSld>
+    <p:spTree>
+      <p:nvGrpSpPr>
+        <p:cNvPr id="1" name="Shape 317"/>
+        <p:cNvGrpSpPr/>
+        <p:nvPr/>
+      </p:nvGrpSpPr>
+      <p:grpSpPr>
+        <a:xfrm>
+          <a:off x="0" y="0"/>
+          <a:ext cx="0" cy="0"/>
+          <a:chOff x="0" y="0"/>
+          <a:chExt cx="0" cy="0"/>
+        </a:xfrm>
+      </p:grpSpPr>
+      <p:sp>
+        <p:nvSpPr>
+          <p:cNvPr id="318" name="Google Shape;318;p44"/>
+          <p:cNvSpPr txBox="1">
+            <a:spLocks noGrp="1"/>
+          </p:cNvSpPr>
+          <p:nvPr>
+            <p:ph type="title"/>
+          </p:nvPr>
+        </p:nvSpPr>
+        <p:spPr>
+          <a:xfrm>
+            <a:off x="441609" y="3655939"/>
+            <a:ext cx="8072000" cy="1122400"/>
+          </a:xfrm>
+          <a:prstGeom prst="rect">
+            <a:avLst/>
+          </a:prstGeom>
+        </p:spPr>
+        <p:txBody>
+          <a:bodyPr spcFirstLastPara="1" vert="horz" wrap="square" lIns="121900" tIns="121900" rIns="121900" bIns="121900" rtlCol="0" anchor="ctr" anchorCtr="0">
+            <a:noAutofit/>
+          </a:bodyPr>
+          <a:lstStyle/>
+          <a:p>
+            <a:pPr marL="16933" marR="6773">
+              <a:lnSpc>
+                <a:spcPct val="102000"/>
+              </a:lnSpc>
+              <a:spcBef>
+                <a:spcPts val="107"/>
+              </a:spcBef>
+            </a:pPr>
+            <a:r>
+              <a:rPr lang="en-US" b="1" spc="13" dirty="0">
+                <a:solidFill>
+                  <a:schemeClr val="bg1"/>
+                </a:solidFill>
+                <a:latin typeface="Calibri"/>
+                <a:cs typeface="Calibri"/>
+              </a:rPr>
+              <a:t>1.CURRENT</a:t>
+            </a:r>
+            <a:r>
+              <a:rPr lang="en-US" b="1" spc="-60" dirty="0">
+                <a:solidFill>
+                  <a:schemeClr val="bg1"/>
+                </a:solidFill>
+                <a:latin typeface="Calibri"/>
+                <a:cs typeface="Calibri"/>
+              </a:rPr>
+              <a:t> </a:t>
+            </a:r>
+            <a:r>
+              <a:rPr lang="en-US" b="1" spc="-20" dirty="0">
+                <a:solidFill>
+                  <a:schemeClr val="bg1"/>
+                </a:solidFill>
+                <a:latin typeface="Calibri"/>
+                <a:cs typeface="Calibri"/>
+              </a:rPr>
+              <a:t>SITUATION  </a:t>
+            </a:r>
+            <a:r>
+              <a:rPr lang="en-US" b="1" spc="27" dirty="0">
+                <a:solidFill>
+                  <a:schemeClr val="bg1"/>
+                </a:solidFill>
+                <a:latin typeface="Calibri"/>
+                <a:cs typeface="Calibri"/>
+              </a:rPr>
+              <a:t>&amp;</a:t>
+            </a:r>
+            <a:r>
+              <a:rPr lang="en-US" b="1" spc="-13" dirty="0">
+                <a:solidFill>
+                  <a:schemeClr val="bg1"/>
+                </a:solidFill>
+                <a:latin typeface="Calibri"/>
+                <a:cs typeface="Calibri"/>
+              </a:rPr>
+              <a:t> </a:t>
+            </a:r>
+            <a:r>
+              <a:rPr lang="en-US" b="1" spc="7" dirty="0">
+                <a:solidFill>
+                  <a:schemeClr val="bg1"/>
+                </a:solidFill>
+                <a:latin typeface="Calibri"/>
+                <a:cs typeface="Calibri"/>
+              </a:rPr>
+              <a:t>SOLUTION</a:t>
+            </a:r>
+            <a:endParaRPr lang="en-US" b="1" dirty="0">
+              <a:solidFill>
+                <a:schemeClr val="bg1"/>
+              </a:solidFill>
+              <a:latin typeface="Calibri"/>
+              <a:cs typeface="Calibri"/>
+            </a:endParaRPr>
+          </a:p>
+        </p:txBody>
+      </p:sp>
+    </p:spTree>
+    <p:extLst>
+      <p:ext uri="{BB962C8B-B14F-4D97-AF65-F5344CB8AC3E}">
+        <p14:creationId xmlns:p14="http://schemas.microsoft.com/office/powerpoint/2010/main" val="4081755344"/>
+      </p:ext>
+    </p:extLst>
+  </p:cSld>
+  <p:clrMapOvr>
+    <a:masterClrMapping/>
+  </p:clrMapOvr>
+</p:sld>
+</file>
+
+<file path=ppt/slides/slide40.xml><?xml version="1.0" encoding="utf-8"?>
 <p:sld xmlns:a="http://schemas.openxmlformats.org/drawingml/2006/main" xmlns:r="http://schemas.openxmlformats.org/officeDocument/2006/relationships" xmlns:p="http://schemas.openxmlformats.org/presentationml/2006/main">
   <p:cSld>
     <p:spTree>
@@ -29344,7 +28858,7 @@
                 <a16:creationId xmlns:a16="http://schemas.microsoft.com/office/drawing/2014/main" id="{854DEE1C-7FD6-4FA0-A96A-BDF952F199AB}"/>
               </a:ext>
               <a:ext uri="{C183D7F6-B498-43B3-948B-1728B52AA6E4}">
-                <adec:decorative xmlns="" xmlns:adec="http://schemas.microsoft.com/office/drawing/2017/decorative" val="1"/>
+                <adec:decorative xmlns:adec="http://schemas.microsoft.com/office/drawing/2017/decorative" xmlns="" val="1"/>
               </a:ext>
             </a:extLst>
           </p:cNvPr>
